--- a/DVD/EOH MC - Pen Testing - SQL Injection .pptx
+++ b/DVD/EOH MC - Pen Testing - SQL Injection .pptx
@@ -5,10 +5,10 @@
     <p:sldMasterId id="2147483752" r:id="rId4"/>
   </p:sldMasterIdLst>
   <p:notesMasterIdLst>
-    <p:notesMasterId r:id="rId30"/>
+    <p:notesMasterId r:id="rId41"/>
   </p:notesMasterIdLst>
   <p:handoutMasterIdLst>
-    <p:handoutMasterId r:id="rId31"/>
+    <p:handoutMasterId r:id="rId42"/>
   </p:handoutMasterIdLst>
   <p:sldIdLst>
     <p:sldId id="355" r:id="rId5"/>
@@ -34,8 +34,19 @@
     <p:sldId id="363" r:id="rId25"/>
     <p:sldId id="364" r:id="rId26"/>
     <p:sldId id="360" r:id="rId27"/>
-    <p:sldId id="361" r:id="rId28"/>
-    <p:sldId id="362" r:id="rId29"/>
+    <p:sldId id="378" r:id="rId28"/>
+    <p:sldId id="379" r:id="rId29"/>
+    <p:sldId id="361" r:id="rId30"/>
+    <p:sldId id="386" r:id="rId31"/>
+    <p:sldId id="388" r:id="rId32"/>
+    <p:sldId id="381" r:id="rId33"/>
+    <p:sldId id="390" r:id="rId34"/>
+    <p:sldId id="383" r:id="rId35"/>
+    <p:sldId id="385" r:id="rId36"/>
+    <p:sldId id="384" r:id="rId37"/>
+    <p:sldId id="362" r:id="rId38"/>
+    <p:sldId id="389" r:id="rId39"/>
+    <p:sldId id="380" r:id="rId40"/>
   </p:sldIdLst>
   <p:sldSz cx="9144000" cy="5143500" type="screen16x9"/>
   <p:notesSz cx="6797675" cy="9926638"/>
@@ -277,7 +288,7 @@
           <a:p>
             <a:fld id="{3D3C95BB-031D-49C9-BC24-893510484591}" type="datetimeFigureOut">
               <a:rPr lang="en-ZA" smtClean="0"/>
-              <a:t>2016/11/01</a:t>
+              <a:t>2016/11/18</a:t>
             </a:fld>
             <a:endParaRPr lang="en-ZA" dirty="0"/>
           </a:p>
@@ -442,7 +453,7 @@
           <a:p>
             <a:fld id="{4EA3E1D2-D823-4853-8923-C3F4FE53C48F}" type="datetimeFigureOut">
               <a:rPr lang="en-ZA" smtClean="0"/>
-              <a:t>2016/11/01</a:t>
+              <a:t>2016/11/18</a:t>
             </a:fld>
             <a:endParaRPr lang="en-ZA" dirty="0"/>
           </a:p>
@@ -755,16 +766,6 @@
           <a:lstStyle/>
           <a:p>
             <a:r>
-              <a:rPr lang="en-ZA" dirty="0"/>
-              <a:t>The Kali Linux version selected is a Rolling Edition.</a:t>
-            </a:r>
-          </a:p>
-          <a:p>
-            <a:r>
-              <a:rPr lang="en-ZA" dirty="0"/>
-              <a:t>This means that you get </a:t>
-            </a:r>
-            <a:r>
               <a:rPr lang="en-ZA" sz="1200" b="0" i="0" kern="1200" dirty="0">
                 <a:solidFill>
                   <a:schemeClr val="tx1"/>
@@ -774,12 +775,10 @@
                 <a:ea typeface="+mn-ea"/>
                 <a:cs typeface="+mn-cs"/>
               </a:rPr>
-              <a:t>the best of all worlds:</a:t>
-            </a:r>
-          </a:p>
-          <a:p>
-            <a:r>
-              <a:rPr lang="en-ZA" sz="1200" b="0" i="0" kern="1200" dirty="0">
+              <a:t>Kevin David </a:t>
+            </a:r>
+            <a:r>
+              <a:rPr lang="en-ZA" sz="1200" b="0" i="0" kern="1200" dirty="0" err="1">
                 <a:solidFill>
                   <a:schemeClr val="tx1"/>
                 </a:solidFill>
@@ -788,10 +787,10 @@
                 <a:ea typeface="+mn-ea"/>
                 <a:cs typeface="+mn-cs"/>
               </a:rPr>
-              <a:t>The stability of Debian, together with the latest versions of the many outstanding</a:t>
-            </a:r>
-            <a:r>
-              <a:rPr lang="en-ZA" sz="1200" b="0" i="0" kern="1200" baseline="0" dirty="0">
+              <a:t>Mitnick</a:t>
+            </a:r>
+            <a:r>
+              <a:rPr lang="en-ZA" sz="1200" b="0" i="0" kern="1200" dirty="0">
                 <a:solidFill>
                   <a:schemeClr val="tx1"/>
                 </a:solidFill>
@@ -800,8 +799,21 @@
                 <a:ea typeface="+mn-ea"/>
                 <a:cs typeface="+mn-cs"/>
               </a:rPr>
-              <a:t> penetration testing tools </a:t>
-            </a:r>
+              <a:t> is an American computer security consultant, author and hacker, best known for his high-profile 1995 arrest and later five years in prison for various computer and communications-related crimes.</a:t>
+            </a:r>
+          </a:p>
+          <a:p>
+            <a:endParaRPr lang="en-ZA" sz="1200" b="0" i="0" kern="1200" dirty="0">
+              <a:solidFill>
+                <a:schemeClr val="tx1"/>
+              </a:solidFill>
+              <a:effectLst/>
+              <a:latin typeface="+mn-lt"/>
+              <a:ea typeface="+mn-ea"/>
+              <a:cs typeface="+mn-cs"/>
+            </a:endParaRPr>
+          </a:p>
+          <a:p>
             <a:r>
               <a:rPr lang="en-ZA" sz="1200" b="0" i="0" kern="1200" dirty="0">
                 <a:solidFill>
@@ -812,7 +824,19 @@
                 <a:ea typeface="+mn-ea"/>
                 <a:cs typeface="+mn-cs"/>
               </a:rPr>
-              <a:t>created and shared by the information security community.</a:t>
+              <a:t>Movie: Track Down, Also know as</a:t>
+            </a:r>
+            <a:r>
+              <a:rPr lang="en-ZA" sz="1200" b="0" i="0" kern="1200" baseline="0" dirty="0">
+                <a:solidFill>
+                  <a:schemeClr val="tx1"/>
+                </a:solidFill>
+                <a:effectLst/>
+                <a:latin typeface="+mn-lt"/>
+                <a:ea typeface="+mn-ea"/>
+                <a:cs typeface="+mn-cs"/>
+              </a:rPr>
+              <a:t> Hackers 2 – Operation Takedown, Released in 2000</a:t>
             </a:r>
             <a:endParaRPr lang="en-ZA" dirty="0"/>
           </a:p>
@@ -835,7 +859,7 @@
           <a:p>
             <a:fld id="{A7854A9E-370D-40B4-9708-880369729088}" type="slidenum">
               <a:rPr lang="en-ZA" smtClean="0"/>
-              <a:t>9</a:t>
+              <a:t>3</a:t>
             </a:fld>
             <a:endParaRPr lang="en-ZA" dirty="0"/>
           </a:p>
@@ -844,7 +868,7 @@
     </p:spTree>
     <p:extLst>
       <p:ext uri="{BB962C8B-B14F-4D97-AF65-F5344CB8AC3E}">
-        <p14:creationId xmlns:p14="http://schemas.microsoft.com/office/powerpoint/2010/main" val="1701966042"/>
+        <p14:creationId xmlns:p14="http://schemas.microsoft.com/office/powerpoint/2010/main" val="3505543484"/>
       </p:ext>
     </p:extLst>
   </p:cSld>
@@ -899,119 +923,64 @@
           <a:lstStyle/>
           <a:p>
             <a:r>
-              <a:rPr lang="en-ZA" sz="1200" b="1" dirty="0" err="1">
+              <a:rPr lang="en-ZA" dirty="0"/>
+              <a:t>The Kali Linux version selected is a Rolling Edition.</a:t>
+            </a:r>
+          </a:p>
+          <a:p>
+            <a:r>
+              <a:rPr lang="en-ZA" dirty="0"/>
+              <a:t>This means that you get </a:t>
+            </a:r>
+            <a:r>
+              <a:rPr lang="en-ZA" sz="1200" b="0" i="0" kern="1200" dirty="0">
                 <a:solidFill>
                   <a:schemeClr val="tx1"/>
                 </a:solidFill>
+                <a:effectLst/>
+                <a:latin typeface="+mn-lt"/>
+                <a:ea typeface="+mn-ea"/>
+                <a:cs typeface="+mn-cs"/>
               </a:rPr>
-              <a:t>fdisk</a:t>
-            </a:r>
-            <a:r>
-              <a:rPr lang="en-ZA" sz="1200" b="1" dirty="0">
+              <a:t>the best of all worlds:</a:t>
+            </a:r>
+          </a:p>
+          <a:p>
+            <a:r>
+              <a:rPr lang="en-ZA" sz="1200" b="0" i="0" kern="1200" dirty="0">
                 <a:solidFill>
                   <a:schemeClr val="tx1"/>
                 </a:solidFill>
+                <a:effectLst/>
+                <a:latin typeface="+mn-lt"/>
+                <a:ea typeface="+mn-ea"/>
+                <a:cs typeface="+mn-cs"/>
               </a:rPr>
-              <a:t> -l</a:t>
-            </a:r>
-            <a:r>
-              <a:rPr lang="en-ZA" sz="1200" dirty="0">
+              <a:t>The stability of Debian, together with the latest versions of the many outstanding</a:t>
+            </a:r>
+            <a:r>
+              <a:rPr lang="en-ZA" sz="1200" b="0" i="0" kern="1200" baseline="0" dirty="0">
                 <a:solidFill>
                   <a:schemeClr val="tx1"/>
                 </a:solidFill>
+                <a:effectLst/>
+                <a:latin typeface="+mn-lt"/>
+                <a:ea typeface="+mn-ea"/>
+                <a:cs typeface="+mn-cs"/>
               </a:rPr>
-              <a:t> will list all the drives on your machine. </a:t>
-            </a:r>
-            <a:br>
-              <a:rPr lang="en-ZA" sz="1200" dirty="0">
+              <a:t> penetration testing tools </a:t>
+            </a:r>
+            <a:r>
+              <a:rPr lang="en-ZA" sz="1200" b="0" i="0" kern="1200" dirty="0">
                 <a:solidFill>
                   <a:schemeClr val="tx1"/>
                 </a:solidFill>
+                <a:effectLst/>
+                <a:latin typeface="+mn-lt"/>
+                <a:ea typeface="+mn-ea"/>
+                <a:cs typeface="+mn-cs"/>
               </a:rPr>
-            </a:br>
-            <a:r>
-              <a:rPr lang="en-ZA" sz="1200" b="1" dirty="0">
-                <a:solidFill>
-                  <a:schemeClr val="tx1"/>
-                </a:solidFill>
-              </a:rPr>
-              <a:t>/dev/</a:t>
-            </a:r>
-            <a:r>
-              <a:rPr lang="en-ZA" sz="1200" b="1" dirty="0" err="1">
-                <a:solidFill>
-                  <a:schemeClr val="tx1"/>
-                </a:solidFill>
-              </a:rPr>
-              <a:t>sdc</a:t>
-            </a:r>
-            <a:r>
-              <a:rPr lang="en-ZA" sz="1200" dirty="0">
-                <a:solidFill>
-                  <a:schemeClr val="tx1"/>
-                </a:solidFill>
-              </a:rPr>
-              <a:t> in the screenshot is the Flash drive.</a:t>
-            </a:r>
-          </a:p>
-          <a:p>
-            <a:r>
-              <a:rPr lang="en-ZA" sz="1200" b="1" dirty="0" err="1">
-                <a:solidFill>
-                  <a:schemeClr val="tx1"/>
-                </a:solidFill>
-              </a:rPr>
-              <a:t>mkdir</a:t>
-            </a:r>
-            <a:r>
-              <a:rPr lang="en-ZA" sz="1200" dirty="0">
-                <a:solidFill>
-                  <a:schemeClr val="tx1"/>
-                </a:solidFill>
-              </a:rPr>
-              <a:t> creates a directory</a:t>
-            </a:r>
-          </a:p>
-          <a:p>
-            <a:r>
-              <a:rPr lang="en-ZA" b="1" dirty="0"/>
-              <a:t>mount</a:t>
-            </a:r>
-            <a:r>
-              <a:rPr lang="en-ZA" dirty="0"/>
-              <a:t> makes the volume accessible for reading / writing</a:t>
-            </a:r>
-          </a:p>
-          <a:p>
-            <a:r>
-              <a:rPr lang="en-ZA" b="1" dirty="0"/>
-              <a:t>echo</a:t>
-            </a:r>
-            <a:r>
-              <a:rPr lang="en-ZA" dirty="0"/>
-              <a:t> writes to console and the </a:t>
-            </a:r>
-            <a:r>
-              <a:rPr lang="en-ZA" b="1" dirty="0"/>
-              <a:t>&gt;</a:t>
-            </a:r>
-            <a:r>
-              <a:rPr lang="en-ZA" dirty="0"/>
-              <a:t> character pipes</a:t>
-            </a:r>
-            <a:r>
-              <a:rPr lang="en-ZA" baseline="0" dirty="0"/>
-              <a:t> the output to a new file.</a:t>
-            </a:r>
-          </a:p>
-          <a:p>
-            <a:r>
-              <a:rPr lang="en-ZA" b="1" baseline="0" dirty="0" err="1"/>
-              <a:t>umount</a:t>
-            </a:r>
-            <a:r>
-              <a:rPr lang="en-ZA" baseline="0" dirty="0"/>
-              <a:t> unmounts the volume.</a:t>
+              <a:t>created and shared by the information security community.</a:t>
             </a:r>
             <a:endParaRPr lang="en-ZA" dirty="0"/>
           </a:p>
@@ -1034,6 +1003,205 @@
           <a:p>
             <a:fld id="{A7854A9E-370D-40B4-9708-880369729088}" type="slidenum">
               <a:rPr lang="en-ZA" smtClean="0"/>
+              <a:t>9</a:t>
+            </a:fld>
+            <a:endParaRPr lang="en-ZA" dirty="0"/>
+          </a:p>
+        </p:txBody>
+      </p:sp>
+    </p:spTree>
+    <p:extLst>
+      <p:ext uri="{BB962C8B-B14F-4D97-AF65-F5344CB8AC3E}">
+        <p14:creationId xmlns:p14="http://schemas.microsoft.com/office/powerpoint/2010/main" val="1701966042"/>
+      </p:ext>
+    </p:extLst>
+  </p:cSld>
+  <p:clrMapOvr>
+    <a:masterClrMapping/>
+  </p:clrMapOvr>
+</p:notes>
+</file>
+
+<file path=ppt/notesSlides/notesSlide3.xml><?xml version="1.0" encoding="utf-8"?>
+<p:notes xmlns:a="http://schemas.openxmlformats.org/drawingml/2006/main" xmlns:r="http://schemas.openxmlformats.org/officeDocument/2006/relationships" xmlns:p="http://schemas.openxmlformats.org/presentationml/2006/main">
+  <p:cSld>
+    <p:spTree>
+      <p:nvGrpSpPr>
+        <p:cNvPr id="1" name=""/>
+        <p:cNvGrpSpPr/>
+        <p:nvPr/>
+      </p:nvGrpSpPr>
+      <p:grpSpPr>
+        <a:xfrm>
+          <a:off x="0" y="0"/>
+          <a:ext cx="0" cy="0"/>
+          <a:chOff x="0" y="0"/>
+          <a:chExt cx="0" cy="0"/>
+        </a:xfrm>
+      </p:grpSpPr>
+      <p:sp>
+        <p:nvSpPr>
+          <p:cNvPr id="2" name="Slide Image Placeholder 1"/>
+          <p:cNvSpPr>
+            <a:spLocks noGrp="1" noRot="1" noChangeAspect="1"/>
+          </p:cNvSpPr>
+          <p:nvPr>
+            <p:ph type="sldImg"/>
+          </p:nvPr>
+        </p:nvSpPr>
+        <p:spPr/>
+      </p:sp>
+      <p:sp>
+        <p:nvSpPr>
+          <p:cNvPr id="3" name="Notes Placeholder 2"/>
+          <p:cNvSpPr>
+            <a:spLocks noGrp="1"/>
+          </p:cNvSpPr>
+          <p:nvPr>
+            <p:ph type="body" idx="1"/>
+          </p:nvPr>
+        </p:nvSpPr>
+        <p:spPr/>
+        <p:txBody>
+          <a:bodyPr/>
+          <a:lstStyle/>
+          <a:p>
+            <a:r>
+              <a:rPr lang="en-ZA" sz="1200" b="1" dirty="0" err="1">
+                <a:solidFill>
+                  <a:schemeClr val="tx1"/>
+                </a:solidFill>
+              </a:rPr>
+              <a:t>fdisk</a:t>
+            </a:r>
+            <a:r>
+              <a:rPr lang="en-ZA" sz="1200" b="1" dirty="0">
+                <a:solidFill>
+                  <a:schemeClr val="tx1"/>
+                </a:solidFill>
+              </a:rPr>
+              <a:t> -l</a:t>
+            </a:r>
+            <a:r>
+              <a:rPr lang="en-ZA" sz="1200" dirty="0">
+                <a:solidFill>
+                  <a:schemeClr val="tx1"/>
+                </a:solidFill>
+              </a:rPr>
+              <a:t> will list all the drives on your machine. </a:t>
+            </a:r>
+            <a:br>
+              <a:rPr lang="en-ZA" sz="1200" dirty="0">
+                <a:solidFill>
+                  <a:schemeClr val="tx1"/>
+                </a:solidFill>
+              </a:rPr>
+            </a:br>
+            <a:r>
+              <a:rPr lang="en-ZA" sz="1200" b="1" dirty="0">
+                <a:solidFill>
+                  <a:schemeClr val="tx1"/>
+                </a:solidFill>
+              </a:rPr>
+              <a:t>/dev/</a:t>
+            </a:r>
+            <a:r>
+              <a:rPr lang="en-ZA" sz="1200" b="1" dirty="0" err="1">
+                <a:solidFill>
+                  <a:schemeClr val="tx1"/>
+                </a:solidFill>
+              </a:rPr>
+              <a:t>sdc</a:t>
+            </a:r>
+            <a:r>
+              <a:rPr lang="en-ZA" sz="1200" dirty="0">
+                <a:solidFill>
+                  <a:schemeClr val="tx1"/>
+                </a:solidFill>
+              </a:rPr>
+              <a:t> in the screenshot is the Flash drive.</a:t>
+            </a:r>
+          </a:p>
+          <a:p>
+            <a:r>
+              <a:rPr lang="en-ZA" sz="1200" b="1" dirty="0" err="1">
+                <a:solidFill>
+                  <a:schemeClr val="tx1"/>
+                </a:solidFill>
+              </a:rPr>
+              <a:t>mkdir</a:t>
+            </a:r>
+            <a:r>
+              <a:rPr lang="en-ZA" sz="1200" dirty="0">
+                <a:solidFill>
+                  <a:schemeClr val="tx1"/>
+                </a:solidFill>
+              </a:rPr>
+              <a:t> creates a directory</a:t>
+            </a:r>
+          </a:p>
+          <a:p>
+            <a:r>
+              <a:rPr lang="en-ZA" b="1" dirty="0"/>
+              <a:t>mount</a:t>
+            </a:r>
+            <a:r>
+              <a:rPr lang="en-ZA" dirty="0"/>
+              <a:t> makes the volume accessible for reading / writing</a:t>
+            </a:r>
+          </a:p>
+          <a:p>
+            <a:r>
+              <a:rPr lang="en-ZA" b="1" dirty="0"/>
+              <a:t>echo</a:t>
+            </a:r>
+            <a:r>
+              <a:rPr lang="en-ZA" dirty="0"/>
+              <a:t> writes to console and the </a:t>
+            </a:r>
+            <a:r>
+              <a:rPr lang="en-ZA" b="1" dirty="0"/>
+              <a:t>&gt;</a:t>
+            </a:r>
+            <a:r>
+              <a:rPr lang="en-ZA" dirty="0"/>
+              <a:t> character pipes</a:t>
+            </a:r>
+            <a:r>
+              <a:rPr lang="en-ZA" baseline="0" dirty="0"/>
+              <a:t> the output to a new file.</a:t>
+            </a:r>
+          </a:p>
+          <a:p>
+            <a:r>
+              <a:rPr lang="en-ZA" b="1" baseline="0" dirty="0" err="1"/>
+              <a:t>umount</a:t>
+            </a:r>
+            <a:r>
+              <a:rPr lang="en-ZA" baseline="0" dirty="0"/>
+              <a:t> unmounts the volume.</a:t>
+            </a:r>
+            <a:endParaRPr lang="en-ZA" dirty="0"/>
+          </a:p>
+        </p:txBody>
+      </p:sp>
+      <p:sp>
+        <p:nvSpPr>
+          <p:cNvPr id="4" name="Slide Number Placeholder 3"/>
+          <p:cNvSpPr>
+            <a:spLocks noGrp="1"/>
+          </p:cNvSpPr>
+          <p:nvPr>
+            <p:ph type="sldNum" sz="quarter" idx="10"/>
+          </p:nvPr>
+        </p:nvSpPr>
+        <p:spPr/>
+        <p:txBody>
+          <a:bodyPr/>
+          <a:lstStyle/>
+          <a:p>
+            <a:fld id="{A7854A9E-370D-40B4-9708-880369729088}" type="slidenum">
+              <a:rPr lang="en-ZA" smtClean="0"/>
               <a:t>18</a:t>
             </a:fld>
             <a:endParaRPr lang="en-ZA" dirty="0"/>
@@ -1044,6 +1212,640 @@
     <p:extLst>
       <p:ext uri="{BB962C8B-B14F-4D97-AF65-F5344CB8AC3E}">
         <p14:creationId xmlns:p14="http://schemas.microsoft.com/office/powerpoint/2010/main" val="2101175942"/>
+      </p:ext>
+    </p:extLst>
+  </p:cSld>
+  <p:clrMapOvr>
+    <a:masterClrMapping/>
+  </p:clrMapOvr>
+</p:notes>
+</file>
+
+<file path=ppt/notesSlides/notesSlide4.xml><?xml version="1.0" encoding="utf-8"?>
+<p:notes xmlns:a="http://schemas.openxmlformats.org/drawingml/2006/main" xmlns:r="http://schemas.openxmlformats.org/officeDocument/2006/relationships" xmlns:p="http://schemas.openxmlformats.org/presentationml/2006/main">
+  <p:cSld>
+    <p:spTree>
+      <p:nvGrpSpPr>
+        <p:cNvPr id="1" name=""/>
+        <p:cNvGrpSpPr/>
+        <p:nvPr/>
+      </p:nvGrpSpPr>
+      <p:grpSpPr>
+        <a:xfrm>
+          <a:off x="0" y="0"/>
+          <a:ext cx="0" cy="0"/>
+          <a:chOff x="0" y="0"/>
+          <a:chExt cx="0" cy="0"/>
+        </a:xfrm>
+      </p:grpSpPr>
+      <p:sp>
+        <p:nvSpPr>
+          <p:cNvPr id="2" name="Slide Image Placeholder 1"/>
+          <p:cNvSpPr>
+            <a:spLocks noGrp="1" noRot="1" noChangeAspect="1"/>
+          </p:cNvSpPr>
+          <p:nvPr>
+            <p:ph type="sldImg"/>
+          </p:nvPr>
+        </p:nvSpPr>
+        <p:spPr/>
+      </p:sp>
+      <p:sp>
+        <p:nvSpPr>
+          <p:cNvPr id="3" name="Notes Placeholder 2"/>
+          <p:cNvSpPr>
+            <a:spLocks noGrp="1"/>
+          </p:cNvSpPr>
+          <p:nvPr>
+            <p:ph type="body" idx="1"/>
+          </p:nvPr>
+        </p:nvSpPr>
+        <p:spPr/>
+        <p:txBody>
+          <a:bodyPr/>
+          <a:lstStyle/>
+          <a:p>
+            <a:r>
+              <a:rPr lang="en-ZA" dirty="0"/>
+              <a:t>Injection </a:t>
+            </a:r>
+            <a:r>
+              <a:rPr lang="en-ZA" dirty="0" err="1"/>
+              <a:t>url</a:t>
+            </a:r>
+            <a:r>
+              <a:rPr lang="en-ZA" dirty="0"/>
+              <a:t> parameters:</a:t>
+            </a:r>
+          </a:p>
+          <a:p>
+            <a:r>
+              <a:rPr lang="en-ZA" dirty="0" err="1"/>
+              <a:t>MotorBikesByCC</a:t>
+            </a:r>
+            <a:r>
+              <a:rPr lang="en-ZA" dirty="0"/>
+              <a:t>/</a:t>
+            </a:r>
+            <a:r>
+              <a:rPr lang="en-ZA" dirty="0" err="1"/>
+              <a:t>Search?cc</a:t>
+            </a:r>
+            <a:r>
+              <a:rPr lang="en-ZA" dirty="0"/>
+              <a:t>=1000' OR 1=1 --‘</a:t>
+            </a:r>
+          </a:p>
+          <a:p>
+            <a:endParaRPr lang="en-ZA" dirty="0"/>
+          </a:p>
+        </p:txBody>
+      </p:sp>
+      <p:sp>
+        <p:nvSpPr>
+          <p:cNvPr id="4" name="Slide Number Placeholder 3"/>
+          <p:cNvSpPr>
+            <a:spLocks noGrp="1"/>
+          </p:cNvSpPr>
+          <p:nvPr>
+            <p:ph type="sldNum" sz="quarter" idx="10"/>
+          </p:nvPr>
+        </p:nvSpPr>
+        <p:spPr/>
+        <p:txBody>
+          <a:bodyPr/>
+          <a:lstStyle/>
+          <a:p>
+            <a:fld id="{A7854A9E-370D-40B4-9708-880369729088}" type="slidenum">
+              <a:rPr lang="en-ZA" smtClean="0"/>
+              <a:t>27</a:t>
+            </a:fld>
+            <a:endParaRPr lang="en-ZA" dirty="0"/>
+          </a:p>
+        </p:txBody>
+      </p:sp>
+    </p:spTree>
+    <p:extLst>
+      <p:ext uri="{BB962C8B-B14F-4D97-AF65-F5344CB8AC3E}">
+        <p14:creationId xmlns:p14="http://schemas.microsoft.com/office/powerpoint/2010/main" val="2219131350"/>
+      </p:ext>
+    </p:extLst>
+  </p:cSld>
+  <p:clrMapOvr>
+    <a:masterClrMapping/>
+  </p:clrMapOvr>
+</p:notes>
+</file>
+
+<file path=ppt/notesSlides/notesSlide5.xml><?xml version="1.0" encoding="utf-8"?>
+<p:notes xmlns:a="http://schemas.openxmlformats.org/drawingml/2006/main" xmlns:r="http://schemas.openxmlformats.org/officeDocument/2006/relationships" xmlns:p="http://schemas.openxmlformats.org/presentationml/2006/main">
+  <p:cSld>
+    <p:spTree>
+      <p:nvGrpSpPr>
+        <p:cNvPr id="1" name=""/>
+        <p:cNvGrpSpPr/>
+        <p:nvPr/>
+      </p:nvGrpSpPr>
+      <p:grpSpPr>
+        <a:xfrm>
+          <a:off x="0" y="0"/>
+          <a:ext cx="0" cy="0"/>
+          <a:chOff x="0" y="0"/>
+          <a:chExt cx="0" cy="0"/>
+        </a:xfrm>
+      </p:grpSpPr>
+      <p:sp>
+        <p:nvSpPr>
+          <p:cNvPr id="2" name="Slide Image Placeholder 1"/>
+          <p:cNvSpPr>
+            <a:spLocks noGrp="1" noRot="1" noChangeAspect="1"/>
+          </p:cNvSpPr>
+          <p:nvPr>
+            <p:ph type="sldImg"/>
+          </p:nvPr>
+        </p:nvSpPr>
+        <p:spPr/>
+      </p:sp>
+      <p:sp>
+        <p:nvSpPr>
+          <p:cNvPr id="3" name="Notes Placeholder 2"/>
+          <p:cNvSpPr>
+            <a:spLocks noGrp="1"/>
+          </p:cNvSpPr>
+          <p:nvPr>
+            <p:ph type="body" idx="1"/>
+          </p:nvPr>
+        </p:nvSpPr>
+        <p:spPr/>
+        <p:txBody>
+          <a:bodyPr/>
+          <a:lstStyle/>
+          <a:p>
+            <a:r>
+              <a:rPr lang="en-ZA" dirty="0"/>
+              <a:t>Injection </a:t>
+            </a:r>
+            <a:r>
+              <a:rPr lang="en-ZA" dirty="0" err="1"/>
+              <a:t>url</a:t>
+            </a:r>
+            <a:r>
+              <a:rPr lang="en-ZA" dirty="0"/>
+              <a:t> parameters:</a:t>
+            </a:r>
+          </a:p>
+          <a:p>
+            <a:r>
+              <a:rPr lang="en-ZA" dirty="0" err="1"/>
+              <a:t>MotorBikesByCC</a:t>
+            </a:r>
+            <a:r>
+              <a:rPr lang="en-ZA" dirty="0"/>
+              <a:t>/</a:t>
+            </a:r>
+            <a:r>
+              <a:rPr lang="en-ZA" dirty="0" err="1"/>
+              <a:t>Search?cc</a:t>
+            </a:r>
+            <a:r>
+              <a:rPr lang="en-ZA" dirty="0"/>
+              <a:t>=1000' OR 1=1 --‘</a:t>
+            </a:r>
+          </a:p>
+          <a:p>
+            <a:endParaRPr lang="en-ZA" dirty="0"/>
+          </a:p>
+        </p:txBody>
+      </p:sp>
+      <p:sp>
+        <p:nvSpPr>
+          <p:cNvPr id="4" name="Slide Number Placeholder 3"/>
+          <p:cNvSpPr>
+            <a:spLocks noGrp="1"/>
+          </p:cNvSpPr>
+          <p:nvPr>
+            <p:ph type="sldNum" sz="quarter" idx="10"/>
+          </p:nvPr>
+        </p:nvSpPr>
+        <p:spPr/>
+        <p:txBody>
+          <a:bodyPr/>
+          <a:lstStyle/>
+          <a:p>
+            <a:fld id="{A7854A9E-370D-40B4-9708-880369729088}" type="slidenum">
+              <a:rPr lang="en-ZA" smtClean="0"/>
+              <a:t>28</a:t>
+            </a:fld>
+            <a:endParaRPr lang="en-ZA" dirty="0"/>
+          </a:p>
+        </p:txBody>
+      </p:sp>
+    </p:spTree>
+    <p:extLst>
+      <p:ext uri="{BB962C8B-B14F-4D97-AF65-F5344CB8AC3E}">
+        <p14:creationId xmlns:p14="http://schemas.microsoft.com/office/powerpoint/2010/main" val="1466310934"/>
+      </p:ext>
+    </p:extLst>
+  </p:cSld>
+  <p:clrMapOvr>
+    <a:masterClrMapping/>
+  </p:clrMapOvr>
+</p:notes>
+</file>
+
+<file path=ppt/notesSlides/notesSlide6.xml><?xml version="1.0" encoding="utf-8"?>
+<p:notes xmlns:a="http://schemas.openxmlformats.org/drawingml/2006/main" xmlns:r="http://schemas.openxmlformats.org/officeDocument/2006/relationships" xmlns:p="http://schemas.openxmlformats.org/presentationml/2006/main">
+  <p:cSld>
+    <p:spTree>
+      <p:nvGrpSpPr>
+        <p:cNvPr id="1" name=""/>
+        <p:cNvGrpSpPr/>
+        <p:nvPr/>
+      </p:nvGrpSpPr>
+      <p:grpSpPr>
+        <a:xfrm>
+          <a:off x="0" y="0"/>
+          <a:ext cx="0" cy="0"/>
+          <a:chOff x="0" y="0"/>
+          <a:chExt cx="0" cy="0"/>
+        </a:xfrm>
+      </p:grpSpPr>
+      <p:sp>
+        <p:nvSpPr>
+          <p:cNvPr id="2" name="Slide Image Placeholder 1"/>
+          <p:cNvSpPr>
+            <a:spLocks noGrp="1" noRot="1" noChangeAspect="1"/>
+          </p:cNvSpPr>
+          <p:nvPr>
+            <p:ph type="sldImg"/>
+          </p:nvPr>
+        </p:nvSpPr>
+        <p:spPr/>
+      </p:sp>
+      <p:sp>
+        <p:nvSpPr>
+          <p:cNvPr id="3" name="Notes Placeholder 2"/>
+          <p:cNvSpPr>
+            <a:spLocks noGrp="1"/>
+          </p:cNvSpPr>
+          <p:nvPr>
+            <p:ph type="body" idx="1"/>
+          </p:nvPr>
+        </p:nvSpPr>
+        <p:spPr/>
+        <p:txBody>
+          <a:bodyPr/>
+          <a:lstStyle/>
+          <a:p>
+            <a:r>
+              <a:rPr lang="en-ZA" dirty="0"/>
+              <a:t>/</a:t>
+            </a:r>
+            <a:r>
+              <a:rPr lang="en-ZA" dirty="0" err="1"/>
+              <a:t>MotorBikesByCC</a:t>
+            </a:r>
+            <a:r>
+              <a:rPr lang="en-ZA" dirty="0"/>
+              <a:t>/</a:t>
+            </a:r>
+            <a:r>
+              <a:rPr lang="en-ZA" dirty="0" err="1"/>
+              <a:t>Search?cc</a:t>
+            </a:r>
+            <a:r>
+              <a:rPr lang="en-ZA" dirty="0"/>
+              <a:t>=1000' union select * from votes -- ‘</a:t>
+            </a:r>
+          </a:p>
+          <a:p>
+            <a:endParaRPr lang="en-ZA" dirty="0"/>
+          </a:p>
+          <a:p>
+            <a:r>
+              <a:rPr lang="en-ZA" dirty="0"/>
+              <a:t>Insert </a:t>
+            </a:r>
+            <a:r>
+              <a:rPr lang="en-ZA" dirty="0" err="1"/>
+              <a:t>searchordered</a:t>
+            </a:r>
+            <a:endParaRPr lang="en-ZA" dirty="0"/>
+          </a:p>
+          <a:p>
+            <a:endParaRPr lang="en-ZA" dirty="0"/>
+          </a:p>
+          <a:p>
+            <a:pPr marL="0" marR="0" lvl="0" indent="0" algn="l" defTabSz="914400" rtl="0" eaLnBrk="1" fontAlgn="auto" latinLnBrk="0" hangingPunct="1">
+              <a:lnSpc>
+                <a:spcPct val="100000"/>
+              </a:lnSpc>
+              <a:spcBef>
+                <a:spcPts val="0"/>
+              </a:spcBef>
+              <a:spcAft>
+                <a:spcPts val="0"/>
+              </a:spcAft>
+              <a:buClrTx/>
+              <a:buSzTx/>
+              <a:buFontTx/>
+              <a:buNone/>
+              <a:tabLst/>
+              <a:defRPr/>
+            </a:pPr>
+            <a:r>
+              <a:rPr lang="en-ZA" dirty="0"/>
+              <a:t>' UNION SELECT * FROM Makes -- ‘   Replace * with bar</a:t>
+            </a:r>
+          </a:p>
+          <a:p>
+            <a:pPr marL="0" marR="0" lvl="0" indent="0" algn="l" defTabSz="914400" rtl="0" eaLnBrk="1" fontAlgn="auto" latinLnBrk="0" hangingPunct="1">
+              <a:lnSpc>
+                <a:spcPct val="100000"/>
+              </a:lnSpc>
+              <a:spcBef>
+                <a:spcPts val="0"/>
+              </a:spcBef>
+              <a:spcAft>
+                <a:spcPts val="0"/>
+              </a:spcAft>
+              <a:buClrTx/>
+              <a:buSzTx/>
+              <a:buFontTx/>
+              <a:buNone/>
+              <a:tabLst/>
+              <a:defRPr/>
+            </a:pPr>
+            <a:endParaRPr lang="en-ZA" dirty="0"/>
+          </a:p>
+          <a:p>
+            <a:endParaRPr lang="en-ZA" dirty="0"/>
+          </a:p>
+        </p:txBody>
+      </p:sp>
+      <p:sp>
+        <p:nvSpPr>
+          <p:cNvPr id="4" name="Slide Number Placeholder 3"/>
+          <p:cNvSpPr>
+            <a:spLocks noGrp="1"/>
+          </p:cNvSpPr>
+          <p:nvPr>
+            <p:ph type="sldNum" sz="quarter" idx="10"/>
+          </p:nvPr>
+        </p:nvSpPr>
+        <p:spPr/>
+        <p:txBody>
+          <a:bodyPr/>
+          <a:lstStyle/>
+          <a:p>
+            <a:fld id="{A7854A9E-370D-40B4-9708-880369729088}" type="slidenum">
+              <a:rPr lang="en-ZA" smtClean="0"/>
+              <a:t>29</a:t>
+            </a:fld>
+            <a:endParaRPr lang="en-ZA" dirty="0"/>
+          </a:p>
+        </p:txBody>
+      </p:sp>
+    </p:spTree>
+    <p:extLst>
+      <p:ext uri="{BB962C8B-B14F-4D97-AF65-F5344CB8AC3E}">
+        <p14:creationId xmlns:p14="http://schemas.microsoft.com/office/powerpoint/2010/main" val="1638108018"/>
+      </p:ext>
+    </p:extLst>
+  </p:cSld>
+  <p:clrMapOvr>
+    <a:masterClrMapping/>
+  </p:clrMapOvr>
+</p:notes>
+</file>
+
+<file path=ppt/notesSlides/notesSlide7.xml><?xml version="1.0" encoding="utf-8"?>
+<p:notes xmlns:a="http://schemas.openxmlformats.org/drawingml/2006/main" xmlns:r="http://schemas.openxmlformats.org/officeDocument/2006/relationships" xmlns:p="http://schemas.openxmlformats.org/presentationml/2006/main">
+  <p:cSld>
+    <p:spTree>
+      <p:nvGrpSpPr>
+        <p:cNvPr id="1" name=""/>
+        <p:cNvGrpSpPr/>
+        <p:nvPr/>
+      </p:nvGrpSpPr>
+      <p:grpSpPr>
+        <a:xfrm>
+          <a:off x="0" y="0"/>
+          <a:ext cx="0" cy="0"/>
+          <a:chOff x="0" y="0"/>
+          <a:chExt cx="0" cy="0"/>
+        </a:xfrm>
+      </p:grpSpPr>
+      <p:sp>
+        <p:nvSpPr>
+          <p:cNvPr id="2" name="Slide Image Placeholder 1"/>
+          <p:cNvSpPr>
+            <a:spLocks noGrp="1" noRot="1" noChangeAspect="1"/>
+          </p:cNvSpPr>
+          <p:nvPr>
+            <p:ph type="sldImg"/>
+          </p:nvPr>
+        </p:nvSpPr>
+        <p:spPr/>
+      </p:sp>
+      <p:sp>
+        <p:nvSpPr>
+          <p:cNvPr id="3" name="Notes Placeholder 2"/>
+          <p:cNvSpPr>
+            <a:spLocks noGrp="1"/>
+          </p:cNvSpPr>
+          <p:nvPr>
+            <p:ph type="body" idx="1"/>
+          </p:nvPr>
+        </p:nvSpPr>
+        <p:spPr/>
+        <p:txBody>
+          <a:bodyPr/>
+          <a:lstStyle/>
+          <a:p>
+            <a:endParaRPr lang="en-ZA" dirty="0"/>
+          </a:p>
+          <a:p>
+            <a:r>
+              <a:rPr lang="en-ZA" dirty="0"/>
+              <a:t>/</a:t>
+            </a:r>
+            <a:r>
+              <a:rPr lang="en-ZA" dirty="0" err="1"/>
+              <a:t>MotorBikesByCC</a:t>
+            </a:r>
+            <a:r>
+              <a:rPr lang="en-ZA" dirty="0"/>
+              <a:t>/</a:t>
+            </a:r>
+            <a:r>
+              <a:rPr lang="en-ZA" dirty="0" err="1"/>
+              <a:t>SearchOrdered?cc</a:t>
+            </a:r>
+            <a:r>
+              <a:rPr lang="en-ZA" dirty="0"/>
+              <a:t>=1000'; INSERT INTO votes (Comments, </a:t>
+            </a:r>
+            <a:r>
+              <a:rPr lang="en-ZA" dirty="0" err="1"/>
+              <a:t>MotorBikeId</a:t>
+            </a:r>
+            <a:r>
+              <a:rPr lang="en-ZA" dirty="0"/>
+              <a:t>, </a:t>
+            </a:r>
+            <a:r>
+              <a:rPr lang="en-ZA" dirty="0" err="1"/>
+              <a:t>UserId</a:t>
+            </a:r>
+            <a:r>
+              <a:rPr lang="en-ZA" dirty="0"/>
+              <a:t>) VALUES ('Hacked Bike', '0', '1'); -- '</a:t>
+            </a:r>
+          </a:p>
+        </p:txBody>
+      </p:sp>
+      <p:sp>
+        <p:nvSpPr>
+          <p:cNvPr id="4" name="Slide Number Placeholder 3"/>
+          <p:cNvSpPr>
+            <a:spLocks noGrp="1"/>
+          </p:cNvSpPr>
+          <p:nvPr>
+            <p:ph type="sldNum" sz="quarter" idx="10"/>
+          </p:nvPr>
+        </p:nvSpPr>
+        <p:spPr/>
+        <p:txBody>
+          <a:bodyPr/>
+          <a:lstStyle/>
+          <a:p>
+            <a:fld id="{A7854A9E-370D-40B4-9708-880369729088}" type="slidenum">
+              <a:rPr lang="en-ZA" smtClean="0"/>
+              <a:t>30</a:t>
+            </a:fld>
+            <a:endParaRPr lang="en-ZA" dirty="0"/>
+          </a:p>
+        </p:txBody>
+      </p:sp>
+    </p:spTree>
+    <p:extLst>
+      <p:ext uri="{BB962C8B-B14F-4D97-AF65-F5344CB8AC3E}">
+        <p14:creationId xmlns:p14="http://schemas.microsoft.com/office/powerpoint/2010/main" val="2568135245"/>
+      </p:ext>
+    </p:extLst>
+  </p:cSld>
+  <p:clrMapOvr>
+    <a:masterClrMapping/>
+  </p:clrMapOvr>
+</p:notes>
+</file>
+
+<file path=ppt/notesSlides/notesSlide8.xml><?xml version="1.0" encoding="utf-8"?>
+<p:notes xmlns:a="http://schemas.openxmlformats.org/drawingml/2006/main" xmlns:r="http://schemas.openxmlformats.org/officeDocument/2006/relationships" xmlns:p="http://schemas.openxmlformats.org/presentationml/2006/main">
+  <p:cSld>
+    <p:spTree>
+      <p:nvGrpSpPr>
+        <p:cNvPr id="1" name=""/>
+        <p:cNvGrpSpPr/>
+        <p:nvPr/>
+      </p:nvGrpSpPr>
+      <p:grpSpPr>
+        <a:xfrm>
+          <a:off x="0" y="0"/>
+          <a:ext cx="0" cy="0"/>
+          <a:chOff x="0" y="0"/>
+          <a:chExt cx="0" cy="0"/>
+        </a:xfrm>
+      </p:grpSpPr>
+      <p:sp>
+        <p:nvSpPr>
+          <p:cNvPr id="2" name="Slide Image Placeholder 1"/>
+          <p:cNvSpPr>
+            <a:spLocks noGrp="1" noRot="1" noChangeAspect="1"/>
+          </p:cNvSpPr>
+          <p:nvPr>
+            <p:ph type="sldImg"/>
+          </p:nvPr>
+        </p:nvSpPr>
+        <p:spPr/>
+      </p:sp>
+      <p:sp>
+        <p:nvSpPr>
+          <p:cNvPr id="3" name="Notes Placeholder 2"/>
+          <p:cNvSpPr>
+            <a:spLocks noGrp="1"/>
+          </p:cNvSpPr>
+          <p:nvPr>
+            <p:ph type="body" idx="1"/>
+          </p:nvPr>
+        </p:nvSpPr>
+        <p:spPr/>
+        <p:txBody>
+          <a:bodyPr/>
+          <a:lstStyle/>
+          <a:p>
+            <a:r>
+              <a:rPr lang="en-ZA" dirty="0"/>
+              <a:t>/</a:t>
+            </a:r>
+            <a:r>
+              <a:rPr lang="en-ZA" dirty="0" err="1"/>
+              <a:t>MotorBike</a:t>
+            </a:r>
+            <a:r>
+              <a:rPr lang="en-ZA" dirty="0"/>
+              <a:t>/</a:t>
+            </a:r>
+            <a:r>
+              <a:rPr lang="en-ZA" dirty="0" err="1"/>
+              <a:t>Leaderboard?orderBy</a:t>
+            </a:r>
+            <a:r>
+              <a:rPr lang="en-ZA" dirty="0"/>
+              <a:t>=</a:t>
+            </a:r>
+            <a:r>
+              <a:rPr lang="en-ZA" dirty="0" err="1"/>
+              <a:t>votes&amp;asc</a:t>
+            </a:r>
+            <a:r>
+              <a:rPr lang="en-ZA" dirty="0"/>
+              <a:t>=false</a:t>
+            </a:r>
+          </a:p>
+          <a:p>
+            <a:endParaRPr lang="en-ZA" dirty="0"/>
+          </a:p>
+        </p:txBody>
+      </p:sp>
+      <p:sp>
+        <p:nvSpPr>
+          <p:cNvPr id="4" name="Slide Number Placeholder 3"/>
+          <p:cNvSpPr>
+            <a:spLocks noGrp="1"/>
+          </p:cNvSpPr>
+          <p:nvPr>
+            <p:ph type="sldNum" sz="quarter" idx="10"/>
+          </p:nvPr>
+        </p:nvSpPr>
+        <p:spPr/>
+        <p:txBody>
+          <a:bodyPr/>
+          <a:lstStyle/>
+          <a:p>
+            <a:fld id="{A7854A9E-370D-40B4-9708-880369729088}" type="slidenum">
+              <a:rPr lang="en-ZA" smtClean="0"/>
+              <a:t>31</a:t>
+            </a:fld>
+            <a:endParaRPr lang="en-ZA" dirty="0"/>
+          </a:p>
+        </p:txBody>
+      </p:sp>
+    </p:spTree>
+    <p:extLst>
+      <p:ext uri="{BB962C8B-B14F-4D97-AF65-F5344CB8AC3E}">
+        <p14:creationId xmlns:p14="http://schemas.microsoft.com/office/powerpoint/2010/main" val="2962505646"/>
       </p:ext>
     </p:extLst>
   </p:cSld>
@@ -11281,7 +12083,6 @@
               <a:rPr lang="en-ZA" dirty="0"/>
               <a:t>Rufus:</a:t>
             </a:r>
-            <a:endParaRPr lang="en-ZA" dirty="0"/>
           </a:p>
           <a:p>
             <a:endParaRPr lang="en-ZA" dirty="0"/>
@@ -11329,11 +12130,7 @@
           <a:p>
             <a:r>
               <a:rPr lang="en-ZA" dirty="0"/>
-              <a:t>Create a bootable penetration testing USB drive from Windows</a:t>
-            </a:r>
-            <a:r>
-              <a:rPr lang="en-ZA" dirty="0"/>
-              <a:t>.</a:t>
+              <a:t>Create a bootable penetration testing USB drive from Windows.</a:t>
             </a:r>
           </a:p>
         </p:txBody>
@@ -11777,13 +12574,8 @@
           <a:p>
             <a:r>
               <a:rPr lang="en-ZA" dirty="0"/>
-              <a:t>MiniTool Partition Wizard </a:t>
-            </a:r>
-            <a:r>
-              <a:rPr lang="en-ZA" dirty="0"/>
-              <a:t>:</a:t>
-            </a:r>
-            <a:endParaRPr lang="en-ZA" dirty="0"/>
+              <a:t>MiniTool Partition Wizard :</a:t>
+            </a:r>
           </a:p>
           <a:p>
             <a:endParaRPr lang="en-ZA" dirty="0"/>
@@ -11831,15 +12623,7 @@
           <a:p>
             <a:r>
               <a:rPr lang="en-ZA" dirty="0"/>
-              <a:t>Create a bootable penetration testing USB drive</a:t>
-            </a:r>
-            <a:r>
-              <a:rPr lang="en-ZA" dirty="0"/>
-              <a:t> from Windows</a:t>
-            </a:r>
-            <a:r>
-              <a:rPr lang="en-ZA" dirty="0"/>
-              <a:t>.</a:t>
+              <a:t>Create a bootable penetration testing USB drive from Windows.</a:t>
             </a:r>
           </a:p>
         </p:txBody>
@@ -12244,13 +13028,8 @@
           <a:p>
             <a:r>
               <a:rPr lang="en-ZA" dirty="0"/>
-              <a:t>MiniTool Partition Wizard </a:t>
-            </a:r>
-            <a:r>
-              <a:rPr lang="en-ZA" dirty="0"/>
-              <a:t>:</a:t>
-            </a:r>
-            <a:endParaRPr lang="en-ZA" dirty="0"/>
+              <a:t>MiniTool Partition Wizard :</a:t>
+            </a:r>
           </a:p>
           <a:p>
             <a:endParaRPr lang="en-ZA" dirty="0"/>
@@ -12298,15 +13077,7 @@
           <a:p>
             <a:r>
               <a:rPr lang="en-ZA" dirty="0"/>
-              <a:t>Create a bootable penetration testing USB drive</a:t>
-            </a:r>
-            <a:r>
-              <a:rPr lang="en-ZA" dirty="0"/>
-              <a:t> from Windows</a:t>
-            </a:r>
-            <a:r>
-              <a:rPr lang="en-ZA" dirty="0"/>
-              <a:t>.</a:t>
+              <a:t>Create a bootable penetration testing USB drive from Windows.</a:t>
             </a:r>
           </a:p>
         </p:txBody>
@@ -12698,13 +13469,8 @@
           <a:p>
             <a:r>
               <a:rPr lang="en-ZA" dirty="0"/>
-              <a:t>MiniTool Partition Wizard </a:t>
-            </a:r>
-            <a:r>
-              <a:rPr lang="en-ZA" dirty="0"/>
-              <a:t>:</a:t>
-            </a:r>
-            <a:endParaRPr lang="en-ZA" dirty="0"/>
+              <a:t>MiniTool Partition Wizard :</a:t>
+            </a:r>
           </a:p>
           <a:p>
             <a:endParaRPr lang="en-ZA" dirty="0"/>
@@ -12752,15 +13518,7 @@
           <a:p>
             <a:r>
               <a:rPr lang="en-ZA" dirty="0"/>
-              <a:t>Create a bootable penetration testing USB drive</a:t>
-            </a:r>
-            <a:r>
-              <a:rPr lang="en-ZA" dirty="0"/>
-              <a:t> from Windows</a:t>
-            </a:r>
-            <a:r>
-              <a:rPr lang="en-ZA" dirty="0"/>
-              <a:t>.</a:t>
+              <a:t>Create a bootable penetration testing USB drive from Windows.</a:t>
             </a:r>
           </a:p>
         </p:txBody>
@@ -12797,11 +13555,7 @@
             </a:r>
             <a:r>
               <a:rPr lang="en-ZA" sz="1600" dirty="0"/>
-              <a:t>. </a:t>
-            </a:r>
-            <a:r>
-              <a:rPr lang="en-ZA" sz="1600" dirty="0"/>
-              <a:t>Choose the Unallocated Partition.</a:t>
+              <a:t>. Choose the Unallocated Partition.</a:t>
             </a:r>
             <a:endParaRPr lang="en-ZA" sz="1600" dirty="0">
               <a:solidFill>
@@ -12843,15 +13597,7 @@
             </a:r>
             <a:r>
               <a:rPr lang="en-ZA" sz="1600" dirty="0"/>
-              <a:t>Click Create </a:t>
-            </a:r>
-            <a:r>
-              <a:rPr lang="en-ZA" sz="1600" dirty="0"/>
-              <a:t>and accept the warning</a:t>
-            </a:r>
-            <a:r>
-              <a:rPr lang="en-ZA" sz="1600" dirty="0"/>
-              <a:t>.</a:t>
+              <a:t>Click Create and accept the warning.</a:t>
             </a:r>
             <a:endParaRPr lang="en-ZA" sz="1600" dirty="0">
               <a:solidFill>
@@ -13182,13 +13928,8 @@
           <a:p>
             <a:r>
               <a:rPr lang="en-ZA" dirty="0"/>
-              <a:t>MiniTool Partition Wizard </a:t>
-            </a:r>
-            <a:r>
-              <a:rPr lang="en-ZA" dirty="0"/>
-              <a:t>:</a:t>
-            </a:r>
-            <a:endParaRPr lang="en-ZA" dirty="0"/>
+              <a:t>MiniTool Partition Wizard :</a:t>
+            </a:r>
           </a:p>
           <a:p>
             <a:endParaRPr lang="en-ZA" dirty="0"/>
@@ -13236,15 +13977,7 @@
           <a:p>
             <a:r>
               <a:rPr lang="en-ZA" dirty="0"/>
-              <a:t>Create a bootable penetration testing USB drive</a:t>
-            </a:r>
-            <a:r>
-              <a:rPr lang="en-ZA" dirty="0"/>
-              <a:t> from Windows</a:t>
-            </a:r>
-            <a:r>
-              <a:rPr lang="en-ZA" dirty="0"/>
-              <a:t>.</a:t>
+              <a:t>Create a bootable penetration testing USB drive from Windows.</a:t>
             </a:r>
           </a:p>
         </p:txBody>
@@ -13281,11 +14014,7 @@
             </a:r>
             <a:r>
               <a:rPr lang="en-ZA" sz="1600" dirty="0"/>
-              <a:t>. </a:t>
-            </a:r>
-            <a:r>
-              <a:rPr lang="en-ZA" sz="1600" dirty="0"/>
-              <a:t>Enter these options:</a:t>
+              <a:t>. Enter these options:</a:t>
             </a:r>
             <a:br>
               <a:rPr lang="en-ZA" sz="1600" dirty="0"/>
@@ -13684,13 +14413,8 @@
           <a:p>
             <a:r>
               <a:rPr lang="en-ZA" dirty="0"/>
-              <a:t>MiniTool Partition Wizard </a:t>
-            </a:r>
-            <a:r>
-              <a:rPr lang="en-ZA" dirty="0"/>
-              <a:t>:</a:t>
-            </a:r>
-            <a:endParaRPr lang="en-ZA" dirty="0"/>
+              <a:t>MiniTool Partition Wizard :</a:t>
+            </a:r>
           </a:p>
           <a:p>
             <a:endParaRPr lang="en-ZA" dirty="0"/>
@@ -13738,15 +14462,7 @@
           <a:p>
             <a:r>
               <a:rPr lang="en-ZA" dirty="0"/>
-              <a:t>Create a bootable penetration testing USB drive</a:t>
-            </a:r>
-            <a:r>
-              <a:rPr lang="en-ZA" dirty="0"/>
-              <a:t> from Windows</a:t>
-            </a:r>
-            <a:r>
-              <a:rPr lang="en-ZA" dirty="0"/>
-              <a:t>.</a:t>
+              <a:t>Create a bootable penetration testing USB drive from Windows.</a:t>
             </a:r>
           </a:p>
         </p:txBody>
@@ -14253,13 +14969,8 @@
           <a:p>
             <a:r>
               <a:rPr lang="en-ZA" dirty="0"/>
-              <a:t>MiniTool Partition Wizard </a:t>
-            </a:r>
-            <a:r>
-              <a:rPr lang="en-ZA" dirty="0"/>
-              <a:t>:</a:t>
-            </a:r>
-            <a:endParaRPr lang="en-ZA" dirty="0"/>
+              <a:t>MiniTool Partition Wizard :</a:t>
+            </a:r>
           </a:p>
           <a:p>
             <a:endParaRPr lang="en-ZA" dirty="0"/>
@@ -14307,15 +15018,7 @@
           <a:p>
             <a:r>
               <a:rPr lang="en-ZA" dirty="0"/>
-              <a:t>Create a bootable penetration testing USB drive</a:t>
-            </a:r>
-            <a:r>
-              <a:rPr lang="en-ZA" dirty="0"/>
-              <a:t> from Windows</a:t>
-            </a:r>
-            <a:r>
-              <a:rPr lang="en-ZA" dirty="0"/>
-              <a:t>.</a:t>
+              <a:t>Create a bootable penetration testing USB drive from Windows.</a:t>
             </a:r>
           </a:p>
         </p:txBody>
@@ -14892,15 +15595,7 @@
           <a:p>
             <a:r>
               <a:rPr lang="en-ZA" dirty="0"/>
-              <a:t>Create a bootable penetration testing USB drive</a:t>
-            </a:r>
-            <a:r>
-              <a:rPr lang="en-ZA" dirty="0"/>
-              <a:t> from Kali Linux</a:t>
-            </a:r>
-            <a:r>
-              <a:rPr lang="en-ZA" dirty="0"/>
-              <a:t>.</a:t>
+              <a:t>Create a bootable penetration testing USB drive from Kali Linux.</a:t>
             </a:r>
           </a:p>
         </p:txBody>
@@ -15406,6 +16101,55 @@
                       </p:childTnLst>
                     </p:cTn>
                   </p:par>
+                  <p:par>
+                    <p:cTn id="19" fill="hold">
+                      <p:stCondLst>
+                        <p:cond delay="indefinite"/>
+                      </p:stCondLst>
+                      <p:childTnLst>
+                        <p:par>
+                          <p:cTn id="20" fill="hold">
+                            <p:stCondLst>
+                              <p:cond delay="0"/>
+                            </p:stCondLst>
+                            <p:childTnLst>
+                              <p:par>
+                                <p:cTn id="21" presetID="1" presetClass="entr" presetSubtype="0" fill="hold" nodeType="clickEffect">
+                                  <p:stCondLst>
+                                    <p:cond delay="0"/>
+                                  </p:stCondLst>
+                                  <p:childTnLst>
+                                    <p:set>
+                                      <p:cBhvr>
+                                        <p:cTn id="22" dur="1" fill="hold">
+                                          <p:stCondLst>
+                                            <p:cond delay="0"/>
+                                          </p:stCondLst>
+                                        </p:cTn>
+                                        <p:tgtEl>
+                                          <p:spTgt spid="9">
+                                            <p:txEl>
+                                              <p:pRg st="0" end="0"/>
+                                            </p:txEl>
+                                          </p:spTgt>
+                                        </p:tgtEl>
+                                        <p:attrNameLst>
+                                          <p:attrName>style.visibility</p:attrName>
+                                        </p:attrNameLst>
+                                      </p:cBhvr>
+                                      <p:to>
+                                        <p:strVal val="visible"/>
+                                      </p:to>
+                                    </p:set>
+                                  </p:childTnLst>
+                                </p:cTn>
+                              </p:par>
+                            </p:childTnLst>
+                          </p:cTn>
+                        </p:par>
+                      </p:childTnLst>
+                    </p:cTn>
+                  </p:par>
                 </p:childTnLst>
               </p:cTn>
               <p:prevCondLst>
@@ -15520,15 +16264,7 @@
           <a:p>
             <a:r>
               <a:rPr lang="en-ZA" dirty="0"/>
-              <a:t>Create a bootable penetration testing USB drive</a:t>
-            </a:r>
-            <a:r>
-              <a:rPr lang="en-ZA" dirty="0"/>
-              <a:t> from Kali Linux</a:t>
-            </a:r>
-            <a:r>
-              <a:rPr lang="en-ZA" dirty="0"/>
-              <a:t>.</a:t>
+              <a:t>Create a bootable penetration testing USB drive from Kali Linux.</a:t>
             </a:r>
           </a:p>
         </p:txBody>
@@ -15692,7 +16428,6 @@
               <a:rPr lang="en-ZA" dirty="0"/>
               <a:t>Install .NET Core on Ubuntu Linux.</a:t>
             </a:r>
-            <a:endParaRPr lang="en-ZA" dirty="0"/>
           </a:p>
           <a:p>
             <a:r>
@@ -16006,67 +16741,11 @@
           <a:p>
             <a:r>
               <a:rPr lang="en-ZA" dirty="0"/>
-              <a:t>Get Visual Studio Code running on </a:t>
-            </a:r>
-            <a:r>
-              <a:rPr lang="en-ZA" dirty="0"/>
-              <a:t>Ubuntu </a:t>
-            </a:r>
-            <a:r>
-              <a:rPr lang="en-ZA" dirty="0"/>
-              <a:t>Linux.</a:t>
-            </a:r>
-          </a:p>
-        </p:txBody>
-      </p:sp>
-      <p:pic>
-        <p:nvPicPr>
-          <p:cNvPr id="4" name="Picture 3"/>
-          <p:cNvPicPr>
-            <a:picLocks noChangeAspect="1"/>
-          </p:cNvPicPr>
-          <p:nvPr/>
-        </p:nvPicPr>
-        <p:blipFill>
-          <a:blip r:embed="rId2"/>
-          <a:stretch>
-            <a:fillRect/>
-          </a:stretch>
-        </p:blipFill>
-        <p:spPr>
-          <a:xfrm>
-            <a:off x="555314" y="2628529"/>
-            <a:ext cx="3528392" cy="1606519"/>
-          </a:xfrm>
-          <a:prstGeom prst="rect">
-            <a:avLst/>
-          </a:prstGeom>
-        </p:spPr>
-      </p:pic>
-      <p:pic>
-        <p:nvPicPr>
-          <p:cNvPr id="5" name="Picture 4"/>
-          <p:cNvPicPr>
-            <a:picLocks noChangeAspect="1"/>
-          </p:cNvPicPr>
-          <p:nvPr/>
-        </p:nvPicPr>
-        <p:blipFill>
-          <a:blip r:embed="rId3"/>
-          <a:stretch>
-            <a:fillRect/>
-          </a:stretch>
-        </p:blipFill>
-        <p:spPr>
-          <a:xfrm>
-            <a:off x="4283968" y="2569720"/>
-            <a:ext cx="4547718" cy="1724135"/>
-          </a:xfrm>
-          <a:prstGeom prst="rect">
-            <a:avLst/>
-          </a:prstGeom>
-        </p:spPr>
-      </p:pic>
+              <a:t>Get Visual Studio Code running on Ubuntu Linux.</a:t>
+            </a:r>
+          </a:p>
+        </p:txBody>
+      </p:sp>
       <p:graphicFrame>
         <p:nvGraphicFramePr>
           <p:cNvPr id="3" name="Table 2"/>
@@ -16076,7 +16755,7 @@
           <p:nvPr>
             <p:extLst>
               <p:ext uri="{D42A27DB-BD31-4B8C-83A1-F6EECF244321}">
-                <p14:modId xmlns:p14="http://schemas.microsoft.com/office/powerpoint/2010/main" val="1377556211"/>
+                <p14:modId xmlns:p14="http://schemas.microsoft.com/office/powerpoint/2010/main" val="2997606785"/>
               </p:ext>
             </p:extLst>
           </p:nvPr>
@@ -16128,7 +16807,7 @@
                       </a:r>
                       <a:r>
                         <a:rPr lang="en-ZA" dirty="0"/>
-                        <a:t> code_1.6.1-1476373175_amd64.deb</a:t>
+                        <a:t> code_1.7.1-1478180561_amd64.deb</a:t>
                       </a:r>
                     </a:p>
                   </a:txBody>
@@ -16144,6 +16823,69 @@
           </a:graphicData>
         </a:graphic>
       </p:graphicFrame>
+      <p:pic>
+        <p:nvPicPr>
+          <p:cNvPr id="6" name="Picture 5"/>
+          <p:cNvPicPr>
+            <a:picLocks noChangeAspect="1"/>
+          </p:cNvPicPr>
+          <p:nvPr/>
+        </p:nvPicPr>
+        <p:blipFill>
+          <a:blip r:embed="rId2"/>
+          <a:stretch>
+            <a:fillRect/>
+          </a:stretch>
+        </p:blipFill>
+        <p:spPr>
+          <a:xfrm>
+            <a:off x="899592" y="2549688"/>
+            <a:ext cx="2500431" cy="1693446"/>
+          </a:xfrm>
+          <a:prstGeom prst="rect">
+            <a:avLst/>
+          </a:prstGeom>
+          <a:effectLst>
+            <a:outerShdw blurRad="50800" dist="38100" dir="2700000" algn="tl" rotWithShape="0">
+              <a:prstClr val="black">
+                <a:alpha val="40000"/>
+              </a:prstClr>
+            </a:outerShdw>
+            <a:softEdge rad="12700"/>
+          </a:effectLst>
+        </p:spPr>
+      </p:pic>
+      <p:pic>
+        <p:nvPicPr>
+          <p:cNvPr id="7" name="Picture 6"/>
+          <p:cNvPicPr>
+            <a:picLocks noChangeAspect="1"/>
+          </p:cNvPicPr>
+          <p:nvPr/>
+        </p:nvPicPr>
+        <p:blipFill>
+          <a:blip r:embed="rId3"/>
+          <a:stretch>
+            <a:fillRect/>
+          </a:stretch>
+        </p:blipFill>
+        <p:spPr>
+          <a:xfrm>
+            <a:off x="4490433" y="2507192"/>
+            <a:ext cx="4086225" cy="2452688"/>
+          </a:xfrm>
+          <a:prstGeom prst="rect">
+            <a:avLst/>
+          </a:prstGeom>
+          <a:effectLst>
+            <a:outerShdw blurRad="50800" dist="38100" dir="8100000" algn="tr" rotWithShape="0">
+              <a:prstClr val="black">
+                <a:alpha val="40000"/>
+              </a:prstClr>
+            </a:outerShdw>
+          </a:effectLst>
+        </p:spPr>
+      </p:pic>
     </p:spTree>
     <p:extLst>
       <p:ext uri="{BB962C8B-B14F-4D97-AF65-F5344CB8AC3E}">
@@ -16265,11 +17007,7 @@
           <a:p>
             <a:r>
               <a:rPr lang="en-ZA" dirty="0"/>
-              <a:t>Install .NET Core </a:t>
-            </a:r>
-            <a:r>
-              <a:rPr lang="en-ZA" dirty="0"/>
-              <a:t>on Linux.</a:t>
+              <a:t>Install .NET Core on Linux.</a:t>
             </a:r>
           </a:p>
         </p:txBody>
@@ -16578,28 +17316,68 @@
             <p:ph type="body" sz="quarter" idx="10"/>
           </p:nvPr>
         </p:nvSpPr>
-        <p:spPr/>
+        <p:spPr>
+          <a:xfrm>
+            <a:off x="4932040" y="1203598"/>
+            <a:ext cx="4104455" cy="3510390"/>
+          </a:xfrm>
+        </p:spPr>
         <p:txBody>
           <a:bodyPr/>
           <a:lstStyle/>
           <a:p>
             <a:r>
+              <a:rPr lang="en-ZA" dirty="0"/>
+              <a:t>From a terminal :</a:t>
+            </a:r>
+          </a:p>
+          <a:p>
+            <a:pPr lvl="1"/>
+            <a:r>
               <a:rPr lang="en-ZA" dirty="0" err="1"/>
               <a:t>Dotnet</a:t>
             </a:r>
             <a:r>
               <a:rPr lang="en-ZA" dirty="0"/>
-              <a:t> run</a:t>
-            </a:r>
-          </a:p>
-          <a:p>
+              <a:t> restore </a:t>
+            </a:r>
+          </a:p>
+          <a:p>
+            <a:pPr lvl="1"/>
             <a:r>
               <a:rPr lang="en-ZA" dirty="0" err="1"/>
               <a:t>Dotnet</a:t>
             </a:r>
             <a:r>
               <a:rPr lang="en-ZA" dirty="0"/>
-              <a:t> run --</a:t>
+              <a:t> build</a:t>
+            </a:r>
+          </a:p>
+          <a:p>
+            <a:pPr lvl="1"/>
+            <a:r>
+              <a:rPr lang="en-ZA" dirty="0" err="1"/>
+              <a:t>Dotnet</a:t>
+            </a:r>
+            <a:r>
+              <a:rPr lang="en-ZA" dirty="0"/>
+              <a:t> run</a:t>
+            </a:r>
+          </a:p>
+          <a:p>
+            <a:pPr lvl="1"/>
+            <a:r>
+              <a:rPr lang="en-ZA" dirty="0"/>
+              <a:t>Remote access:</a:t>
+            </a:r>
+          </a:p>
+          <a:p>
+            <a:pPr marL="457200" lvl="1" indent="0">
+              <a:buNone/>
+            </a:pPr>
+            <a:r>
+              <a:rPr lang="en-ZA" dirty="0"/>
+              <a:t>	--</a:t>
             </a:r>
             <a:r>
               <a:rPr lang="en-ZA" dirty="0" err="1"/>
@@ -16661,6 +17439,30 @@
           </a:p>
         </p:txBody>
       </p:sp>
+      <p:pic>
+        <p:nvPicPr>
+          <p:cNvPr id="4" name="Picture 3"/>
+          <p:cNvPicPr>
+            <a:picLocks noChangeAspect="1"/>
+          </p:cNvPicPr>
+          <p:nvPr/>
+        </p:nvPicPr>
+        <p:blipFill>
+          <a:blip r:embed="rId2"/>
+          <a:stretch>
+            <a:fillRect/>
+          </a:stretch>
+        </p:blipFill>
+        <p:spPr>
+          <a:xfrm>
+            <a:off x="323529" y="1203598"/>
+            <a:ext cx="4608512" cy="3468055"/>
+          </a:xfrm>
+          <a:prstGeom prst="rect">
+            <a:avLst/>
+          </a:prstGeom>
+        </p:spPr>
+      </p:pic>
     </p:spTree>
     <p:extLst>
       <p:ext uri="{BB962C8B-B14F-4D97-AF65-F5344CB8AC3E}">
@@ -16691,6 +17493,30 @@
           <a:chExt cx="0" cy="0"/>
         </a:xfrm>
       </p:grpSpPr>
+      <p:pic>
+        <p:nvPicPr>
+          <p:cNvPr id="4" name="Picture 3"/>
+          <p:cNvPicPr>
+            <a:picLocks noChangeAspect="1"/>
+          </p:cNvPicPr>
+          <p:nvPr/>
+        </p:nvPicPr>
+        <p:blipFill>
+          <a:blip r:embed="rId2"/>
+          <a:stretch>
+            <a:fillRect/>
+          </a:stretch>
+        </p:blipFill>
+        <p:spPr>
+          <a:xfrm>
+            <a:off x="323528" y="1175353"/>
+            <a:ext cx="8046765" cy="2037156"/>
+          </a:xfrm>
+          <a:prstGeom prst="rect">
+            <a:avLst/>
+          </a:prstGeom>
+        </p:spPr>
+      </p:pic>
       <p:sp>
         <p:nvSpPr>
           <p:cNvPr id="13" name="Text Placeholder 12"/>
@@ -16701,10 +17527,47 @@
             <p:ph type="body" sz="quarter" idx="10"/>
           </p:nvPr>
         </p:nvSpPr>
-        <p:spPr/>
+        <p:spPr>
+          <a:xfrm>
+            <a:off x="323528" y="3291830"/>
+            <a:ext cx="8280919" cy="1548172"/>
+          </a:xfrm>
+        </p:spPr>
         <p:txBody>
           <a:bodyPr/>
           <a:lstStyle/>
+          <a:p>
+            <a:r>
+              <a:rPr lang="en-ZA" dirty="0"/>
+              <a:t>Debugging from VS Code:</a:t>
+            </a:r>
+          </a:p>
+          <a:p>
+            <a:pPr lvl="1"/>
+            <a:r>
+              <a:rPr lang="en-ZA" dirty="0"/>
+              <a:t>Ensure you have the C# plugin</a:t>
+            </a:r>
+          </a:p>
+          <a:p>
+            <a:pPr lvl="1"/>
+            <a:r>
+              <a:rPr lang="en-ZA" dirty="0"/>
+              <a:t>Ensure you have setup a </a:t>
+            </a:r>
+            <a:r>
+              <a:rPr lang="en-ZA" dirty="0" err="1"/>
+              <a:t>launch.json</a:t>
+            </a:r>
+            <a:endParaRPr lang="en-ZA" dirty="0"/>
+          </a:p>
+          <a:p>
+            <a:pPr lvl="1"/>
+            <a:r>
+              <a:rPr lang="en-ZA" dirty="0"/>
+              <a:t>Choose .NET Core Launch (web) and click the run button</a:t>
+            </a:r>
+          </a:p>
           <a:p>
             <a:endParaRPr lang="en-ZA" dirty="0"/>
           </a:p>
@@ -16751,7 +17614,7 @@
           <a:p>
             <a:r>
               <a:rPr lang="en-ZA" dirty="0"/>
-              <a:t>SQL injection.</a:t>
+              <a:t>Host a asp.net core website on Linux.</a:t>
             </a:r>
           </a:p>
         </p:txBody>
@@ -16759,7 +17622,7 @@
     </p:spTree>
     <p:extLst>
       <p:ext uri="{BB962C8B-B14F-4D97-AF65-F5344CB8AC3E}">
-        <p14:creationId xmlns:p14="http://schemas.microsoft.com/office/powerpoint/2010/main" val="2542990427"/>
+        <p14:creationId xmlns:p14="http://schemas.microsoft.com/office/powerpoint/2010/main" val="2993784051"/>
       </p:ext>
     </p:extLst>
   </p:cSld>
@@ -16788,6 +17651,705 @@
       </p:grpSpPr>
       <p:sp>
         <p:nvSpPr>
+          <p:cNvPr id="3" name="Title 2"/>
+          <p:cNvSpPr>
+            <a:spLocks noGrp="1"/>
+          </p:cNvSpPr>
+          <p:nvPr>
+            <p:ph type="title"/>
+          </p:nvPr>
+        </p:nvSpPr>
+        <p:spPr/>
+        <p:txBody>
+          <a:bodyPr/>
+          <a:lstStyle/>
+          <a:p>
+            <a:r>
+              <a:rPr lang="en-ZA" dirty="0"/>
+              <a:t>Penetration Testing</a:t>
+            </a:r>
+          </a:p>
+        </p:txBody>
+      </p:sp>
+      <p:sp>
+        <p:nvSpPr>
+          <p:cNvPr id="4" name="Text Placeholder 3"/>
+          <p:cNvSpPr>
+            <a:spLocks noGrp="1"/>
+          </p:cNvSpPr>
+          <p:nvPr>
+            <p:ph type="body" idx="1"/>
+          </p:nvPr>
+        </p:nvSpPr>
+        <p:spPr/>
+        <p:txBody>
+          <a:bodyPr/>
+          <a:lstStyle/>
+          <a:p>
+            <a:r>
+              <a:rPr lang="en-ZA" dirty="0"/>
+              <a:t>Host a asp.net core website on Linux.</a:t>
+            </a:r>
+          </a:p>
+          <a:p>
+            <a:endParaRPr lang="en-ZA" dirty="0"/>
+          </a:p>
+        </p:txBody>
+      </p:sp>
+      <p:pic>
+        <p:nvPicPr>
+          <p:cNvPr id="8" name="Picture 7"/>
+          <p:cNvPicPr>
+            <a:picLocks noChangeAspect="1"/>
+          </p:cNvPicPr>
+          <p:nvPr/>
+        </p:nvPicPr>
+        <p:blipFill>
+          <a:blip r:embed="rId2"/>
+          <a:stretch>
+            <a:fillRect/>
+          </a:stretch>
+        </p:blipFill>
+        <p:spPr>
+          <a:xfrm>
+            <a:off x="309482" y="1186103"/>
+            <a:ext cx="4308269" cy="2825807"/>
+          </a:xfrm>
+          <a:prstGeom prst="rect">
+            <a:avLst/>
+          </a:prstGeom>
+        </p:spPr>
+      </p:pic>
+      <p:pic>
+        <p:nvPicPr>
+          <p:cNvPr id="9" name="Picture 8"/>
+          <p:cNvPicPr>
+            <a:picLocks noChangeAspect="1"/>
+          </p:cNvPicPr>
+          <p:nvPr/>
+        </p:nvPicPr>
+        <p:blipFill>
+          <a:blip r:embed="rId3"/>
+          <a:stretch>
+            <a:fillRect/>
+          </a:stretch>
+        </p:blipFill>
+        <p:spPr>
+          <a:xfrm>
+            <a:off x="4738388" y="1185683"/>
+            <a:ext cx="4024725" cy="2826227"/>
+          </a:xfrm>
+          <a:prstGeom prst="rect">
+            <a:avLst/>
+          </a:prstGeom>
+        </p:spPr>
+      </p:pic>
+      <p:sp>
+        <p:nvSpPr>
+          <p:cNvPr id="10" name="TextBox 9"/>
+          <p:cNvSpPr txBox="1"/>
+          <p:nvPr/>
+        </p:nvSpPr>
+        <p:spPr>
+          <a:xfrm>
+            <a:off x="1461007" y="4155926"/>
+            <a:ext cx="7143441" cy="338554"/>
+          </a:xfrm>
+          <a:prstGeom prst="rect">
+            <a:avLst/>
+          </a:prstGeom>
+          <a:noFill/>
+        </p:spPr>
+        <p:txBody>
+          <a:bodyPr wrap="square" rtlCol="0">
+            <a:spAutoFit/>
+          </a:bodyPr>
+          <a:lstStyle/>
+          <a:p>
+            <a:r>
+              <a:rPr lang="en-ZA" sz="1600" dirty="0"/>
+              <a:t>Hosting on Localhost			           Accessible from remote</a:t>
+            </a:r>
+            <a:endParaRPr lang="en-ZA" sz="1600" dirty="0">
+              <a:solidFill>
+                <a:schemeClr val="tx1"/>
+              </a:solidFill>
+            </a:endParaRPr>
+          </a:p>
+        </p:txBody>
+      </p:sp>
+    </p:spTree>
+    <p:extLst>
+      <p:ext uri="{BB962C8B-B14F-4D97-AF65-F5344CB8AC3E}">
+        <p14:creationId xmlns:p14="http://schemas.microsoft.com/office/powerpoint/2010/main" val="1643231936"/>
+      </p:ext>
+    </p:extLst>
+  </p:cSld>
+  <p:clrMapOvr>
+    <a:masterClrMapping/>
+  </p:clrMapOvr>
+</p:sld>
+</file>
+
+<file path=ppt/slides/slide26.xml><?xml version="1.0" encoding="utf-8"?>
+<p:sld xmlns:a="http://schemas.openxmlformats.org/drawingml/2006/main" xmlns:r="http://schemas.openxmlformats.org/officeDocument/2006/relationships" xmlns:p="http://schemas.openxmlformats.org/presentationml/2006/main">
+  <p:cSld>
+    <p:spTree>
+      <p:nvGrpSpPr>
+        <p:cNvPr id="1" name=""/>
+        <p:cNvGrpSpPr/>
+        <p:nvPr/>
+      </p:nvGrpSpPr>
+      <p:grpSpPr>
+        <a:xfrm>
+          <a:off x="0" y="0"/>
+          <a:ext cx="0" cy="0"/>
+          <a:chOff x="0" y="0"/>
+          <a:chExt cx="0" cy="0"/>
+        </a:xfrm>
+      </p:grpSpPr>
+      <p:sp>
+        <p:nvSpPr>
+          <p:cNvPr id="2" name="Title 1"/>
+          <p:cNvSpPr>
+            <a:spLocks noGrp="1"/>
+          </p:cNvSpPr>
+          <p:nvPr>
+            <p:ph type="title"/>
+          </p:nvPr>
+        </p:nvSpPr>
+        <p:spPr/>
+        <p:txBody>
+          <a:bodyPr/>
+          <a:lstStyle/>
+          <a:p>
+            <a:r>
+              <a:rPr lang="en-ZA" dirty="0"/>
+              <a:t>Penetration Testing</a:t>
+            </a:r>
+          </a:p>
+        </p:txBody>
+      </p:sp>
+      <p:sp>
+        <p:nvSpPr>
+          <p:cNvPr id="8" name="Text Placeholder 7"/>
+          <p:cNvSpPr>
+            <a:spLocks noGrp="1"/>
+          </p:cNvSpPr>
+          <p:nvPr>
+            <p:ph type="body" idx="1"/>
+          </p:nvPr>
+        </p:nvSpPr>
+        <p:spPr/>
+        <p:txBody>
+          <a:bodyPr>
+            <a:normAutofit/>
+          </a:bodyPr>
+          <a:lstStyle/>
+          <a:p>
+            <a:r>
+              <a:rPr lang="en-ZA" dirty="0"/>
+              <a:t>SQL injection – 3 Types.</a:t>
+            </a:r>
+          </a:p>
+        </p:txBody>
+      </p:sp>
+      <p:pic>
+        <p:nvPicPr>
+          <p:cNvPr id="3" name="Picture 2"/>
+          <p:cNvPicPr>
+            <a:picLocks noChangeAspect="1"/>
+          </p:cNvPicPr>
+          <p:nvPr/>
+        </p:nvPicPr>
+        <p:blipFill>
+          <a:blip r:embed="rId2">
+            <a:extLst>
+              <a:ext uri="{28A0092B-C50C-407E-A947-70E740481C1C}">
+                <a14:useLocalDpi xmlns:a14="http://schemas.microsoft.com/office/drawing/2010/main" val="0"/>
+              </a:ext>
+            </a:extLst>
+          </a:blip>
+          <a:stretch>
+            <a:fillRect/>
+          </a:stretch>
+        </p:blipFill>
+        <p:spPr>
+          <a:xfrm>
+            <a:off x="467544" y="1635646"/>
+            <a:ext cx="1728192" cy="1728192"/>
+          </a:xfrm>
+          <a:prstGeom prst="rect">
+            <a:avLst/>
+          </a:prstGeom>
+        </p:spPr>
+      </p:pic>
+      <p:pic>
+        <p:nvPicPr>
+          <p:cNvPr id="5" name="Picture 4"/>
+          <p:cNvPicPr>
+            <a:picLocks noChangeAspect="1"/>
+          </p:cNvPicPr>
+          <p:nvPr/>
+        </p:nvPicPr>
+        <p:blipFill>
+          <a:blip r:embed="rId3">
+            <a:extLst>
+              <a:ext uri="{28A0092B-C50C-407E-A947-70E740481C1C}">
+                <a14:useLocalDpi xmlns:a14="http://schemas.microsoft.com/office/drawing/2010/main" val="0"/>
+              </a:ext>
+            </a:extLst>
+          </a:blip>
+          <a:stretch>
+            <a:fillRect/>
+          </a:stretch>
+        </p:blipFill>
+        <p:spPr>
+          <a:xfrm>
+            <a:off x="2743555" y="1824131"/>
+            <a:ext cx="2504762" cy="1495238"/>
+          </a:xfrm>
+          <a:prstGeom prst="rect">
+            <a:avLst/>
+          </a:prstGeom>
+        </p:spPr>
+      </p:pic>
+      <p:pic>
+        <p:nvPicPr>
+          <p:cNvPr id="6" name="Picture 5"/>
+          <p:cNvPicPr>
+            <a:picLocks noChangeAspect="1"/>
+          </p:cNvPicPr>
+          <p:nvPr/>
+        </p:nvPicPr>
+        <p:blipFill>
+          <a:blip r:embed="rId4">
+            <a:extLst>
+              <a:ext uri="{28A0092B-C50C-407E-A947-70E740481C1C}">
+                <a14:useLocalDpi xmlns:a14="http://schemas.microsoft.com/office/drawing/2010/main" val="0"/>
+              </a:ext>
+            </a:extLst>
+          </a:blip>
+          <a:stretch>
+            <a:fillRect/>
+          </a:stretch>
+        </p:blipFill>
+        <p:spPr>
+          <a:xfrm>
+            <a:off x="5796136" y="1131590"/>
+            <a:ext cx="2438400" cy="2438400"/>
+          </a:xfrm>
+          <a:prstGeom prst="rect">
+            <a:avLst/>
+          </a:prstGeom>
+        </p:spPr>
+      </p:pic>
+      <p:sp>
+        <p:nvSpPr>
+          <p:cNvPr id="7" name="TextBox 6"/>
+          <p:cNvSpPr txBox="1"/>
+          <p:nvPr/>
+        </p:nvSpPr>
+        <p:spPr>
+          <a:xfrm>
+            <a:off x="683568" y="3435846"/>
+            <a:ext cx="1296144" cy="338554"/>
+          </a:xfrm>
+          <a:prstGeom prst="rect">
+            <a:avLst/>
+          </a:prstGeom>
+          <a:noFill/>
+        </p:spPr>
+        <p:txBody>
+          <a:bodyPr wrap="square" rtlCol="0">
+            <a:spAutoFit/>
+          </a:bodyPr>
+          <a:lstStyle/>
+          <a:p>
+            <a:r>
+              <a:rPr lang="en-ZA" sz="1600" b="1" dirty="0">
+                <a:solidFill>
+                  <a:schemeClr val="tx1"/>
+                </a:solidFill>
+              </a:rPr>
+              <a:t>Error Based</a:t>
+            </a:r>
+          </a:p>
+        </p:txBody>
+      </p:sp>
+      <p:sp>
+        <p:nvSpPr>
+          <p:cNvPr id="10" name="TextBox 9"/>
+          <p:cNvSpPr txBox="1"/>
+          <p:nvPr/>
+        </p:nvSpPr>
+        <p:spPr>
+          <a:xfrm>
+            <a:off x="3635896" y="3435846"/>
+            <a:ext cx="720080" cy="338554"/>
+          </a:xfrm>
+          <a:prstGeom prst="rect">
+            <a:avLst/>
+          </a:prstGeom>
+          <a:noFill/>
+        </p:spPr>
+        <p:txBody>
+          <a:bodyPr wrap="square" rtlCol="0">
+            <a:spAutoFit/>
+          </a:bodyPr>
+          <a:lstStyle/>
+          <a:p>
+            <a:r>
+              <a:rPr lang="en-ZA" sz="1600" b="1" dirty="0">
+                <a:solidFill>
+                  <a:schemeClr val="tx1"/>
+                </a:solidFill>
+              </a:rPr>
+              <a:t>Union</a:t>
+            </a:r>
+          </a:p>
+        </p:txBody>
+      </p:sp>
+      <p:sp>
+        <p:nvSpPr>
+          <p:cNvPr id="11" name="TextBox 10"/>
+          <p:cNvSpPr txBox="1"/>
+          <p:nvPr/>
+        </p:nvSpPr>
+        <p:spPr>
+          <a:xfrm>
+            <a:off x="6732240" y="3435846"/>
+            <a:ext cx="1296144" cy="830997"/>
+          </a:xfrm>
+          <a:prstGeom prst="rect">
+            <a:avLst/>
+          </a:prstGeom>
+          <a:noFill/>
+        </p:spPr>
+        <p:txBody>
+          <a:bodyPr wrap="square" rtlCol="0">
+            <a:spAutoFit/>
+          </a:bodyPr>
+          <a:lstStyle/>
+          <a:p>
+            <a:r>
+              <a:rPr lang="en-ZA" sz="1600" b="1" dirty="0">
+                <a:solidFill>
+                  <a:schemeClr val="tx1"/>
+                </a:solidFill>
+              </a:rPr>
+              <a:t>Blind</a:t>
+            </a:r>
+          </a:p>
+          <a:p>
+            <a:pPr marL="285750" indent="-285750">
+              <a:buFontTx/>
+              <a:buChar char="-"/>
+            </a:pPr>
+            <a:r>
+              <a:rPr lang="en-ZA" sz="1600" b="1" dirty="0"/>
+              <a:t>Boolean</a:t>
+            </a:r>
+          </a:p>
+          <a:p>
+            <a:pPr marL="285750" indent="-285750">
+              <a:buFontTx/>
+              <a:buChar char="-"/>
+            </a:pPr>
+            <a:r>
+              <a:rPr lang="en-ZA" sz="1600" b="1" dirty="0">
+                <a:solidFill>
+                  <a:schemeClr val="tx1"/>
+                </a:solidFill>
+              </a:rPr>
+              <a:t>Timed</a:t>
+            </a:r>
+          </a:p>
+        </p:txBody>
+      </p:sp>
+    </p:spTree>
+    <p:extLst>
+      <p:ext uri="{BB962C8B-B14F-4D97-AF65-F5344CB8AC3E}">
+        <p14:creationId xmlns:p14="http://schemas.microsoft.com/office/powerpoint/2010/main" val="2542990427"/>
+      </p:ext>
+    </p:extLst>
+  </p:cSld>
+  <p:clrMapOvr>
+    <a:masterClrMapping/>
+  </p:clrMapOvr>
+  <p:timing>
+    <p:tnLst>
+      <p:par>
+        <p:cTn id="1" dur="indefinite" restart="never" nodeType="tmRoot">
+          <p:childTnLst>
+            <p:seq concurrent="1" nextAc="seek">
+              <p:cTn id="2" dur="indefinite" nodeType="mainSeq">
+                <p:childTnLst>
+                  <p:par>
+                    <p:cTn id="3" fill="hold">
+                      <p:stCondLst>
+                        <p:cond delay="indefinite"/>
+                      </p:stCondLst>
+                      <p:childTnLst>
+                        <p:par>
+                          <p:cTn id="4" fill="hold">
+                            <p:stCondLst>
+                              <p:cond delay="0"/>
+                            </p:stCondLst>
+                            <p:childTnLst>
+                              <p:par>
+                                <p:cTn id="5" presetID="1" presetClass="entr" presetSubtype="0" fill="hold" nodeType="clickEffect">
+                                  <p:stCondLst>
+                                    <p:cond delay="0"/>
+                                  </p:stCondLst>
+                                  <p:childTnLst>
+                                    <p:set>
+                                      <p:cBhvr>
+                                        <p:cTn id="6" dur="1" fill="hold">
+                                          <p:stCondLst>
+                                            <p:cond delay="0"/>
+                                          </p:stCondLst>
+                                        </p:cTn>
+                                        <p:tgtEl>
+                                          <p:spTgt spid="3"/>
+                                        </p:tgtEl>
+                                        <p:attrNameLst>
+                                          <p:attrName>style.visibility</p:attrName>
+                                        </p:attrNameLst>
+                                      </p:cBhvr>
+                                      <p:to>
+                                        <p:strVal val="visible"/>
+                                      </p:to>
+                                    </p:set>
+                                  </p:childTnLst>
+                                </p:cTn>
+                              </p:par>
+                              <p:par>
+                                <p:cTn id="7" presetID="1" presetClass="entr" presetSubtype="0" fill="hold" grpId="0" nodeType="withEffect">
+                                  <p:stCondLst>
+                                    <p:cond delay="0"/>
+                                  </p:stCondLst>
+                                  <p:childTnLst>
+                                    <p:set>
+                                      <p:cBhvr>
+                                        <p:cTn id="8" dur="1" fill="hold">
+                                          <p:stCondLst>
+                                            <p:cond delay="0"/>
+                                          </p:stCondLst>
+                                        </p:cTn>
+                                        <p:tgtEl>
+                                          <p:spTgt spid="7"/>
+                                        </p:tgtEl>
+                                        <p:attrNameLst>
+                                          <p:attrName>style.visibility</p:attrName>
+                                        </p:attrNameLst>
+                                      </p:cBhvr>
+                                      <p:to>
+                                        <p:strVal val="visible"/>
+                                      </p:to>
+                                    </p:set>
+                                  </p:childTnLst>
+                                </p:cTn>
+                              </p:par>
+                            </p:childTnLst>
+                          </p:cTn>
+                        </p:par>
+                      </p:childTnLst>
+                    </p:cTn>
+                  </p:par>
+                  <p:par>
+                    <p:cTn id="9" fill="hold">
+                      <p:stCondLst>
+                        <p:cond delay="indefinite"/>
+                      </p:stCondLst>
+                      <p:childTnLst>
+                        <p:par>
+                          <p:cTn id="10" fill="hold">
+                            <p:stCondLst>
+                              <p:cond delay="0"/>
+                            </p:stCondLst>
+                            <p:childTnLst>
+                              <p:par>
+                                <p:cTn id="11" presetID="1" presetClass="entr" presetSubtype="0" fill="hold" nodeType="clickEffect">
+                                  <p:stCondLst>
+                                    <p:cond delay="0"/>
+                                  </p:stCondLst>
+                                  <p:childTnLst>
+                                    <p:set>
+                                      <p:cBhvr>
+                                        <p:cTn id="12" dur="1" fill="hold">
+                                          <p:stCondLst>
+                                            <p:cond delay="0"/>
+                                          </p:stCondLst>
+                                        </p:cTn>
+                                        <p:tgtEl>
+                                          <p:spTgt spid="5"/>
+                                        </p:tgtEl>
+                                        <p:attrNameLst>
+                                          <p:attrName>style.visibility</p:attrName>
+                                        </p:attrNameLst>
+                                      </p:cBhvr>
+                                      <p:to>
+                                        <p:strVal val="visible"/>
+                                      </p:to>
+                                    </p:set>
+                                  </p:childTnLst>
+                                </p:cTn>
+                              </p:par>
+                              <p:par>
+                                <p:cTn id="13" presetID="1" presetClass="entr" presetSubtype="0" fill="hold" grpId="0" nodeType="withEffect">
+                                  <p:stCondLst>
+                                    <p:cond delay="0"/>
+                                  </p:stCondLst>
+                                  <p:childTnLst>
+                                    <p:set>
+                                      <p:cBhvr>
+                                        <p:cTn id="14" dur="1" fill="hold">
+                                          <p:stCondLst>
+                                            <p:cond delay="0"/>
+                                          </p:stCondLst>
+                                        </p:cTn>
+                                        <p:tgtEl>
+                                          <p:spTgt spid="10"/>
+                                        </p:tgtEl>
+                                        <p:attrNameLst>
+                                          <p:attrName>style.visibility</p:attrName>
+                                        </p:attrNameLst>
+                                      </p:cBhvr>
+                                      <p:to>
+                                        <p:strVal val="visible"/>
+                                      </p:to>
+                                    </p:set>
+                                  </p:childTnLst>
+                                </p:cTn>
+                              </p:par>
+                            </p:childTnLst>
+                          </p:cTn>
+                        </p:par>
+                      </p:childTnLst>
+                    </p:cTn>
+                  </p:par>
+                  <p:par>
+                    <p:cTn id="15" fill="hold">
+                      <p:stCondLst>
+                        <p:cond delay="indefinite"/>
+                      </p:stCondLst>
+                      <p:childTnLst>
+                        <p:par>
+                          <p:cTn id="16" fill="hold">
+                            <p:stCondLst>
+                              <p:cond delay="0"/>
+                            </p:stCondLst>
+                            <p:childTnLst>
+                              <p:par>
+                                <p:cTn id="17" presetID="1" presetClass="entr" presetSubtype="0" fill="hold" nodeType="clickEffect">
+                                  <p:stCondLst>
+                                    <p:cond delay="0"/>
+                                  </p:stCondLst>
+                                  <p:childTnLst>
+                                    <p:set>
+                                      <p:cBhvr>
+                                        <p:cTn id="18" dur="1" fill="hold">
+                                          <p:stCondLst>
+                                            <p:cond delay="0"/>
+                                          </p:stCondLst>
+                                        </p:cTn>
+                                        <p:tgtEl>
+                                          <p:spTgt spid="6"/>
+                                        </p:tgtEl>
+                                        <p:attrNameLst>
+                                          <p:attrName>style.visibility</p:attrName>
+                                        </p:attrNameLst>
+                                      </p:cBhvr>
+                                      <p:to>
+                                        <p:strVal val="visible"/>
+                                      </p:to>
+                                    </p:set>
+                                  </p:childTnLst>
+                                </p:cTn>
+                              </p:par>
+                              <p:par>
+                                <p:cTn id="19" presetID="1" presetClass="entr" presetSubtype="0" fill="hold" grpId="0" nodeType="withEffect">
+                                  <p:stCondLst>
+                                    <p:cond delay="0"/>
+                                  </p:stCondLst>
+                                  <p:childTnLst>
+                                    <p:set>
+                                      <p:cBhvr>
+                                        <p:cTn id="20" dur="1" fill="hold">
+                                          <p:stCondLst>
+                                            <p:cond delay="0"/>
+                                          </p:stCondLst>
+                                        </p:cTn>
+                                        <p:tgtEl>
+                                          <p:spTgt spid="11"/>
+                                        </p:tgtEl>
+                                        <p:attrNameLst>
+                                          <p:attrName>style.visibility</p:attrName>
+                                        </p:attrNameLst>
+                                      </p:cBhvr>
+                                      <p:to>
+                                        <p:strVal val="visible"/>
+                                      </p:to>
+                                    </p:set>
+                                  </p:childTnLst>
+                                </p:cTn>
+                              </p:par>
+                            </p:childTnLst>
+                          </p:cTn>
+                        </p:par>
+                      </p:childTnLst>
+                    </p:cTn>
+                  </p:par>
+                </p:childTnLst>
+              </p:cTn>
+              <p:prevCondLst>
+                <p:cond evt="onPrev" delay="0">
+                  <p:tgtEl>
+                    <p:sldTgt/>
+                  </p:tgtEl>
+                </p:cond>
+              </p:prevCondLst>
+              <p:nextCondLst>
+                <p:cond evt="onNext" delay="0">
+                  <p:tgtEl>
+                    <p:sldTgt/>
+                  </p:tgtEl>
+                </p:cond>
+              </p:nextCondLst>
+            </p:seq>
+          </p:childTnLst>
+        </p:cTn>
+      </p:par>
+    </p:tnLst>
+    <p:bldLst>
+      <p:bldP spid="7" grpId="0"/>
+      <p:bldP spid="10" grpId="0"/>
+      <p:bldP spid="11" grpId="0"/>
+    </p:bldLst>
+  </p:timing>
+</p:sld>
+</file>
+
+<file path=ppt/slides/slide27.xml><?xml version="1.0" encoding="utf-8"?>
+<p:sld xmlns:a="http://schemas.openxmlformats.org/drawingml/2006/main" xmlns:r="http://schemas.openxmlformats.org/officeDocument/2006/relationships" xmlns:p="http://schemas.openxmlformats.org/presentationml/2006/main">
+  <p:cSld>
+    <p:spTree>
+      <p:nvGrpSpPr>
+        <p:cNvPr id="1" name=""/>
+        <p:cNvGrpSpPr/>
+        <p:nvPr/>
+      </p:nvGrpSpPr>
+      <p:grpSpPr>
+        <a:xfrm>
+          <a:off x="0" y="0"/>
+          <a:ext cx="0" cy="0"/>
+          <a:chOff x="0" y="0"/>
+          <a:chExt cx="0" cy="0"/>
+        </a:xfrm>
+      </p:grpSpPr>
+      <p:sp>
+        <p:nvSpPr>
           <p:cNvPr id="13" name="Text Placeholder 12"/>
           <p:cNvSpPr>
             <a:spLocks noGrp="1"/>
@@ -16798,36 +18360,107 @@
         </p:nvSpPr>
         <p:spPr/>
         <p:txBody>
-          <a:bodyPr/>
+          <a:bodyPr>
+            <a:normAutofit lnSpcReduction="10000"/>
+          </a:bodyPr>
           <a:lstStyle/>
           <a:p>
             <a:r>
               <a:rPr lang="en-ZA" dirty="0"/>
-              <a:t>If you are going to use SQL in your code ensure it is parameterised.</a:t>
-            </a:r>
-          </a:p>
-          <a:p>
+              <a:t>What is error based SQL injection?</a:t>
+            </a:r>
+          </a:p>
+          <a:p>
+            <a:pPr lvl="1"/>
             <a:r>
               <a:rPr lang="en-ZA" dirty="0"/>
-              <a:t>Entity Framework Security considerations:</a:t>
+              <a:t>Exploit the develops lack of hiding exceptions.</a:t>
+            </a:r>
+          </a:p>
+          <a:p>
+            <a:r>
+              <a:rPr lang="en-ZA" dirty="0"/>
+              <a:t>What is the easiest way to test this?</a:t>
+            </a:r>
+          </a:p>
+          <a:p>
+            <a:pPr lvl="1"/>
+            <a:r>
+              <a:rPr lang="en-ZA" b="1" dirty="0"/>
+              <a:t>‘   Single quote</a:t>
+            </a:r>
+          </a:p>
+          <a:p>
+            <a:pPr lvl="1"/>
+            <a:r>
+              <a:rPr lang="en-ZA" b="1" dirty="0"/>
+              <a:t>‘ OR 1=1 -- ’</a:t>
+            </a:r>
+          </a:p>
+          <a:p>
+            <a:r>
+              <a:rPr lang="en-ZA" dirty="0"/>
+              <a:t>Wat is a Tautology?</a:t>
+            </a:r>
+          </a:p>
+          <a:p>
+            <a:pPr lvl="1"/>
+            <a:r>
+              <a:rPr lang="en-ZA" dirty="0"/>
+              <a:t>In logic, a </a:t>
+            </a:r>
+            <a:r>
+              <a:rPr lang="en-ZA" b="1" dirty="0"/>
+              <a:t>tautology</a:t>
+            </a:r>
+            <a:r>
+              <a:rPr lang="en-ZA" dirty="0"/>
+              <a:t> (from the Greek word τα</a:t>
+            </a:r>
+            <a:r>
+              <a:rPr lang="en-ZA" dirty="0" err="1"/>
+              <a:t>υτολογί</a:t>
+            </a:r>
+            <a:r>
+              <a:rPr lang="en-ZA" dirty="0"/>
+              <a:t>α) is a formula which is true in every possible interpretation. ... </a:t>
+            </a:r>
+            <a:r>
+              <a:rPr lang="en-ZA" b="1" dirty="0"/>
+              <a:t>Tautology</a:t>
+            </a:r>
+            <a:r>
+              <a:rPr lang="en-ZA" dirty="0"/>
+              <a:t>-based </a:t>
+            </a:r>
+            <a:r>
+              <a:rPr lang="en-ZA" b="1" dirty="0"/>
+              <a:t>SQL injection </a:t>
+            </a:r>
+            <a:r>
+              <a:rPr lang="en-ZA" dirty="0"/>
+              <a:t>attacks are usually bypass user authentication and extract data by inserting a </a:t>
+            </a:r>
+            <a:r>
+              <a:rPr lang="en-ZA" b="1" dirty="0"/>
+              <a:t>tautology</a:t>
+            </a:r>
+            <a:r>
+              <a:rPr lang="en-ZA" dirty="0"/>
+              <a:t> in the WHERE clause of a </a:t>
+            </a:r>
+            <a:r>
+              <a:rPr lang="en-ZA" b="1" dirty="0"/>
+              <a:t>SQL</a:t>
+            </a:r>
+            <a:r>
+              <a:rPr lang="en-ZA" dirty="0"/>
+              <a:t> query.</a:t>
             </a:r>
             <a:br>
-              <a:rPr lang="en-ZA" dirty="0"/>
+              <a:rPr lang="en-ZA" b="1" dirty="0"/>
             </a:br>
-            <a:r>
-              <a:rPr lang="en-ZA" dirty="0">
-                <a:hlinkClick r:id="rId2"/>
-              </a:rPr>
-              <a:t>https://msdn.microsoft.com/en-us/library/cc716760.aspx</a:t>
-            </a:r>
-            <a:endParaRPr lang="en-ZA" dirty="0"/>
-          </a:p>
-          <a:p>
-            <a:r>
-              <a:rPr lang="en-ZA" dirty="0" err="1"/>
-              <a:t>Odata</a:t>
-            </a:r>
-            <a:endParaRPr lang="en-ZA" dirty="0"/>
+            <a:endParaRPr lang="en-ZA" b="1" dirty="0"/>
           </a:p>
           <a:p>
             <a:endParaRPr lang="en-ZA" dirty="0"/>
@@ -16875,15 +18508,1004 @@
           <a:p>
             <a:r>
               <a:rPr lang="en-ZA" dirty="0"/>
-              <a:t>Securing against SQL injections.</a:t>
-            </a:r>
-          </a:p>
-        </p:txBody>
-      </p:sp>
+              <a:t>SQL injection – Error Based.</a:t>
+            </a:r>
+          </a:p>
+        </p:txBody>
+      </p:sp>
+      <p:pic>
+        <p:nvPicPr>
+          <p:cNvPr id="3" name="Picture 2"/>
+          <p:cNvPicPr>
+            <a:picLocks noChangeAspect="1"/>
+          </p:cNvPicPr>
+          <p:nvPr/>
+        </p:nvPicPr>
+        <p:blipFill>
+          <a:blip r:embed="rId3" cstate="print">
+            <a:extLst>
+              <a:ext uri="{28A0092B-C50C-407E-A947-70E740481C1C}">
+                <a14:useLocalDpi xmlns:a14="http://schemas.microsoft.com/office/drawing/2010/main" val="0"/>
+              </a:ext>
+            </a:extLst>
+          </a:blip>
+          <a:stretch>
+            <a:fillRect/>
+          </a:stretch>
+        </p:blipFill>
+        <p:spPr>
+          <a:xfrm>
+            <a:off x="3328202" y="573529"/>
+            <a:ext cx="486054" cy="486054"/>
+          </a:xfrm>
+          <a:prstGeom prst="rect">
+            <a:avLst/>
+          </a:prstGeom>
+        </p:spPr>
+      </p:pic>
     </p:spTree>
     <p:extLst>
       <p:ext uri="{BB962C8B-B14F-4D97-AF65-F5344CB8AC3E}">
-        <p14:creationId xmlns:p14="http://schemas.microsoft.com/office/powerpoint/2010/main" val="1416094923"/>
+        <p14:creationId xmlns:p14="http://schemas.microsoft.com/office/powerpoint/2010/main" val="1177456935"/>
+      </p:ext>
+    </p:extLst>
+  </p:cSld>
+  <p:clrMapOvr>
+    <a:masterClrMapping/>
+  </p:clrMapOvr>
+  <p:timing>
+    <p:tnLst>
+      <p:par>
+        <p:cTn id="1" dur="indefinite" restart="never" nodeType="tmRoot">
+          <p:childTnLst>
+            <p:seq concurrent="1" nextAc="seek">
+              <p:cTn id="2" dur="indefinite" nodeType="mainSeq">
+                <p:childTnLst>
+                  <p:par>
+                    <p:cTn id="3" fill="hold">
+                      <p:stCondLst>
+                        <p:cond delay="indefinite"/>
+                      </p:stCondLst>
+                      <p:childTnLst>
+                        <p:par>
+                          <p:cTn id="4" fill="hold">
+                            <p:stCondLst>
+                              <p:cond delay="0"/>
+                            </p:stCondLst>
+                            <p:childTnLst>
+                              <p:par>
+                                <p:cTn id="5" presetID="1" presetClass="entr" presetSubtype="0" fill="hold" nodeType="clickEffect">
+                                  <p:stCondLst>
+                                    <p:cond delay="0"/>
+                                  </p:stCondLst>
+                                  <p:childTnLst>
+                                    <p:set>
+                                      <p:cBhvr>
+                                        <p:cTn id="6" dur="1" fill="hold">
+                                          <p:stCondLst>
+                                            <p:cond delay="0"/>
+                                          </p:stCondLst>
+                                        </p:cTn>
+                                        <p:tgtEl>
+                                          <p:spTgt spid="13">
+                                            <p:txEl>
+                                              <p:pRg st="2" end="2"/>
+                                            </p:txEl>
+                                          </p:spTgt>
+                                        </p:tgtEl>
+                                        <p:attrNameLst>
+                                          <p:attrName>style.visibility</p:attrName>
+                                        </p:attrNameLst>
+                                      </p:cBhvr>
+                                      <p:to>
+                                        <p:strVal val="visible"/>
+                                      </p:to>
+                                    </p:set>
+                                  </p:childTnLst>
+                                </p:cTn>
+                              </p:par>
+                            </p:childTnLst>
+                          </p:cTn>
+                        </p:par>
+                      </p:childTnLst>
+                    </p:cTn>
+                  </p:par>
+                  <p:par>
+                    <p:cTn id="7" fill="hold">
+                      <p:stCondLst>
+                        <p:cond delay="indefinite"/>
+                      </p:stCondLst>
+                      <p:childTnLst>
+                        <p:par>
+                          <p:cTn id="8" fill="hold">
+                            <p:stCondLst>
+                              <p:cond delay="0"/>
+                            </p:stCondLst>
+                            <p:childTnLst>
+                              <p:par>
+                                <p:cTn id="9" presetID="1" presetClass="entr" presetSubtype="0" fill="hold" nodeType="clickEffect">
+                                  <p:stCondLst>
+                                    <p:cond delay="0"/>
+                                  </p:stCondLst>
+                                  <p:childTnLst>
+                                    <p:set>
+                                      <p:cBhvr>
+                                        <p:cTn id="10" dur="1" fill="hold">
+                                          <p:stCondLst>
+                                            <p:cond delay="0"/>
+                                          </p:stCondLst>
+                                        </p:cTn>
+                                        <p:tgtEl>
+                                          <p:spTgt spid="13">
+                                            <p:txEl>
+                                              <p:pRg st="3" end="3"/>
+                                            </p:txEl>
+                                          </p:spTgt>
+                                        </p:tgtEl>
+                                        <p:attrNameLst>
+                                          <p:attrName>style.visibility</p:attrName>
+                                        </p:attrNameLst>
+                                      </p:cBhvr>
+                                      <p:to>
+                                        <p:strVal val="visible"/>
+                                      </p:to>
+                                    </p:set>
+                                  </p:childTnLst>
+                                </p:cTn>
+                              </p:par>
+                            </p:childTnLst>
+                          </p:cTn>
+                        </p:par>
+                      </p:childTnLst>
+                    </p:cTn>
+                  </p:par>
+                  <p:par>
+                    <p:cTn id="11" fill="hold">
+                      <p:stCondLst>
+                        <p:cond delay="indefinite"/>
+                      </p:stCondLst>
+                      <p:childTnLst>
+                        <p:par>
+                          <p:cTn id="12" fill="hold">
+                            <p:stCondLst>
+                              <p:cond delay="0"/>
+                            </p:stCondLst>
+                            <p:childTnLst>
+                              <p:par>
+                                <p:cTn id="13" presetID="1" presetClass="entr" presetSubtype="0" fill="hold" nodeType="clickEffect">
+                                  <p:stCondLst>
+                                    <p:cond delay="0"/>
+                                  </p:stCondLst>
+                                  <p:childTnLst>
+                                    <p:set>
+                                      <p:cBhvr>
+                                        <p:cTn id="14" dur="1" fill="hold">
+                                          <p:stCondLst>
+                                            <p:cond delay="0"/>
+                                          </p:stCondLst>
+                                        </p:cTn>
+                                        <p:tgtEl>
+                                          <p:spTgt spid="13">
+                                            <p:txEl>
+                                              <p:pRg st="4" end="4"/>
+                                            </p:txEl>
+                                          </p:spTgt>
+                                        </p:tgtEl>
+                                        <p:attrNameLst>
+                                          <p:attrName>style.visibility</p:attrName>
+                                        </p:attrNameLst>
+                                      </p:cBhvr>
+                                      <p:to>
+                                        <p:strVal val="visible"/>
+                                      </p:to>
+                                    </p:set>
+                                  </p:childTnLst>
+                                </p:cTn>
+                              </p:par>
+                            </p:childTnLst>
+                          </p:cTn>
+                        </p:par>
+                      </p:childTnLst>
+                    </p:cTn>
+                  </p:par>
+                  <p:par>
+                    <p:cTn id="15" fill="hold">
+                      <p:stCondLst>
+                        <p:cond delay="indefinite"/>
+                      </p:stCondLst>
+                      <p:childTnLst>
+                        <p:par>
+                          <p:cTn id="16" fill="hold">
+                            <p:stCondLst>
+                              <p:cond delay="0"/>
+                            </p:stCondLst>
+                            <p:childTnLst>
+                              <p:par>
+                                <p:cTn id="17" presetID="1" presetClass="entr" presetSubtype="0" fill="hold" nodeType="clickEffect">
+                                  <p:stCondLst>
+                                    <p:cond delay="0"/>
+                                  </p:stCondLst>
+                                  <p:childTnLst>
+                                    <p:set>
+                                      <p:cBhvr>
+                                        <p:cTn id="18" dur="1" fill="hold">
+                                          <p:stCondLst>
+                                            <p:cond delay="0"/>
+                                          </p:stCondLst>
+                                        </p:cTn>
+                                        <p:tgtEl>
+                                          <p:spTgt spid="13">
+                                            <p:txEl>
+                                              <p:pRg st="5" end="5"/>
+                                            </p:txEl>
+                                          </p:spTgt>
+                                        </p:tgtEl>
+                                        <p:attrNameLst>
+                                          <p:attrName>style.visibility</p:attrName>
+                                        </p:attrNameLst>
+                                      </p:cBhvr>
+                                      <p:to>
+                                        <p:strVal val="visible"/>
+                                      </p:to>
+                                    </p:set>
+                                  </p:childTnLst>
+                                </p:cTn>
+                              </p:par>
+                            </p:childTnLst>
+                          </p:cTn>
+                        </p:par>
+                      </p:childTnLst>
+                    </p:cTn>
+                  </p:par>
+                  <p:par>
+                    <p:cTn id="19" fill="hold">
+                      <p:stCondLst>
+                        <p:cond delay="indefinite"/>
+                      </p:stCondLst>
+                      <p:childTnLst>
+                        <p:par>
+                          <p:cTn id="20" fill="hold">
+                            <p:stCondLst>
+                              <p:cond delay="0"/>
+                            </p:stCondLst>
+                            <p:childTnLst>
+                              <p:par>
+                                <p:cTn id="21" presetID="1" presetClass="entr" presetSubtype="0" fill="hold" nodeType="clickEffect">
+                                  <p:stCondLst>
+                                    <p:cond delay="0"/>
+                                  </p:stCondLst>
+                                  <p:childTnLst>
+                                    <p:set>
+                                      <p:cBhvr>
+                                        <p:cTn id="22" dur="1" fill="hold">
+                                          <p:stCondLst>
+                                            <p:cond delay="0"/>
+                                          </p:stCondLst>
+                                        </p:cTn>
+                                        <p:tgtEl>
+                                          <p:spTgt spid="13">
+                                            <p:txEl>
+                                              <p:pRg st="6" end="6"/>
+                                            </p:txEl>
+                                          </p:spTgt>
+                                        </p:tgtEl>
+                                        <p:attrNameLst>
+                                          <p:attrName>style.visibility</p:attrName>
+                                        </p:attrNameLst>
+                                      </p:cBhvr>
+                                      <p:to>
+                                        <p:strVal val="visible"/>
+                                      </p:to>
+                                    </p:set>
+                                  </p:childTnLst>
+                                </p:cTn>
+                              </p:par>
+                            </p:childTnLst>
+                          </p:cTn>
+                        </p:par>
+                      </p:childTnLst>
+                    </p:cTn>
+                  </p:par>
+                </p:childTnLst>
+              </p:cTn>
+              <p:prevCondLst>
+                <p:cond evt="onPrev" delay="0">
+                  <p:tgtEl>
+                    <p:sldTgt/>
+                  </p:tgtEl>
+                </p:cond>
+              </p:prevCondLst>
+              <p:nextCondLst>
+                <p:cond evt="onNext" delay="0">
+                  <p:tgtEl>
+                    <p:sldTgt/>
+                  </p:tgtEl>
+                </p:cond>
+              </p:nextCondLst>
+            </p:seq>
+          </p:childTnLst>
+        </p:cTn>
+      </p:par>
+    </p:tnLst>
+  </p:timing>
+</p:sld>
+</file>
+
+<file path=ppt/slides/slide28.xml><?xml version="1.0" encoding="utf-8"?>
+<p:sld xmlns:a="http://schemas.openxmlformats.org/drawingml/2006/main" xmlns:r="http://schemas.openxmlformats.org/officeDocument/2006/relationships" xmlns:p="http://schemas.openxmlformats.org/presentationml/2006/main">
+  <p:cSld>
+    <p:spTree>
+      <p:nvGrpSpPr>
+        <p:cNvPr id="1" name=""/>
+        <p:cNvGrpSpPr/>
+        <p:nvPr/>
+      </p:nvGrpSpPr>
+      <p:grpSpPr>
+        <a:xfrm>
+          <a:off x="0" y="0"/>
+          <a:ext cx="0" cy="0"/>
+          <a:chOff x="0" y="0"/>
+          <a:chExt cx="0" cy="0"/>
+        </a:xfrm>
+      </p:grpSpPr>
+      <p:sp>
+        <p:nvSpPr>
+          <p:cNvPr id="13" name="Text Placeholder 12"/>
+          <p:cNvSpPr>
+            <a:spLocks noGrp="1"/>
+          </p:cNvSpPr>
+          <p:nvPr>
+            <p:ph type="body" sz="quarter" idx="10"/>
+          </p:nvPr>
+        </p:nvSpPr>
+        <p:spPr/>
+        <p:txBody>
+          <a:bodyPr>
+            <a:normAutofit/>
+          </a:bodyPr>
+          <a:lstStyle/>
+          <a:p>
+            <a:r>
+              <a:rPr lang="en-ZA" dirty="0"/>
+              <a:t>Some examples:</a:t>
+            </a:r>
+          </a:p>
+          <a:p>
+            <a:r>
+              <a:rPr lang="en-ZA" dirty="0"/>
+              <a:t>/</a:t>
+            </a:r>
+            <a:r>
+              <a:rPr lang="en-ZA" dirty="0" err="1"/>
+              <a:t>Search?cc</a:t>
+            </a:r>
+            <a:r>
+              <a:rPr lang="en-ZA" dirty="0"/>
+              <a:t>=1000’; update users set password=‘</a:t>
+            </a:r>
+            <a:r>
+              <a:rPr lang="en-ZA" dirty="0" err="1"/>
+              <a:t>foobar</a:t>
+            </a:r>
+            <a:r>
+              <a:rPr lang="en-ZA" dirty="0"/>
+              <a:t>’--’</a:t>
+            </a:r>
+          </a:p>
+          <a:p>
+            <a:r>
+              <a:rPr lang="en-ZA" dirty="0"/>
+              <a:t>/</a:t>
+            </a:r>
+            <a:r>
+              <a:rPr lang="en-ZA" dirty="0" err="1"/>
+              <a:t>Search?cc</a:t>
+            </a:r>
+            <a:r>
+              <a:rPr lang="en-ZA" dirty="0"/>
+              <a:t>=1000’; update item set price=price-1--’</a:t>
+            </a:r>
+          </a:p>
+          <a:p>
+            <a:r>
+              <a:rPr lang="en-ZA" dirty="0"/>
+              <a:t>/</a:t>
+            </a:r>
+            <a:r>
+              <a:rPr lang="en-ZA" dirty="0" err="1"/>
+              <a:t>Search?cc</a:t>
+            </a:r>
+            <a:r>
+              <a:rPr lang="en-ZA" dirty="0"/>
+              <a:t>=1000’; insert into user… </a:t>
+            </a:r>
+          </a:p>
+          <a:p>
+            <a:r>
+              <a:rPr lang="en-ZA" dirty="0"/>
+              <a:t>/</a:t>
+            </a:r>
+            <a:r>
+              <a:rPr lang="en-ZA" dirty="0" err="1"/>
+              <a:t>Search?cc</a:t>
+            </a:r>
+            <a:r>
+              <a:rPr lang="en-ZA" dirty="0"/>
+              <a:t>=1000’; drop table users--’</a:t>
+            </a:r>
+          </a:p>
+          <a:p>
+            <a:r>
+              <a:rPr lang="en-ZA" dirty="0"/>
+              <a:t>/</a:t>
+            </a:r>
+            <a:r>
+              <a:rPr lang="en-ZA" dirty="0" err="1"/>
+              <a:t>Search?cc</a:t>
+            </a:r>
+            <a:r>
+              <a:rPr lang="en-ZA" dirty="0"/>
+              <a:t>=1000’; create login….</a:t>
+            </a:r>
+          </a:p>
+          <a:p>
+            <a:endParaRPr lang="en-ZA" dirty="0"/>
+          </a:p>
+        </p:txBody>
+      </p:sp>
+      <p:sp>
+        <p:nvSpPr>
+          <p:cNvPr id="2" name="Title 1"/>
+          <p:cNvSpPr>
+            <a:spLocks noGrp="1"/>
+          </p:cNvSpPr>
+          <p:nvPr>
+            <p:ph type="title"/>
+          </p:nvPr>
+        </p:nvSpPr>
+        <p:spPr/>
+        <p:txBody>
+          <a:bodyPr/>
+          <a:lstStyle/>
+          <a:p>
+            <a:r>
+              <a:rPr lang="en-ZA" dirty="0"/>
+              <a:t>Penetration Testing</a:t>
+            </a:r>
+          </a:p>
+        </p:txBody>
+      </p:sp>
+      <p:sp>
+        <p:nvSpPr>
+          <p:cNvPr id="8" name="Text Placeholder 7"/>
+          <p:cNvSpPr>
+            <a:spLocks noGrp="1"/>
+          </p:cNvSpPr>
+          <p:nvPr>
+            <p:ph type="body" idx="1"/>
+          </p:nvPr>
+        </p:nvSpPr>
+        <p:spPr/>
+        <p:txBody>
+          <a:bodyPr>
+            <a:normAutofit/>
+          </a:bodyPr>
+          <a:lstStyle/>
+          <a:p>
+            <a:r>
+              <a:rPr lang="en-ZA" dirty="0"/>
+              <a:t>SQL injection – Error Based.</a:t>
+            </a:r>
+          </a:p>
+        </p:txBody>
+      </p:sp>
+      <p:pic>
+        <p:nvPicPr>
+          <p:cNvPr id="3" name="Picture 2"/>
+          <p:cNvPicPr>
+            <a:picLocks noChangeAspect="1"/>
+          </p:cNvPicPr>
+          <p:nvPr/>
+        </p:nvPicPr>
+        <p:blipFill>
+          <a:blip r:embed="rId3" cstate="print">
+            <a:extLst>
+              <a:ext uri="{28A0092B-C50C-407E-A947-70E740481C1C}">
+                <a14:useLocalDpi xmlns:a14="http://schemas.microsoft.com/office/drawing/2010/main" val="0"/>
+              </a:ext>
+            </a:extLst>
+          </a:blip>
+          <a:stretch>
+            <a:fillRect/>
+          </a:stretch>
+        </p:blipFill>
+        <p:spPr>
+          <a:xfrm>
+            <a:off x="3328202" y="573529"/>
+            <a:ext cx="486054" cy="486054"/>
+          </a:xfrm>
+          <a:prstGeom prst="rect">
+            <a:avLst/>
+          </a:prstGeom>
+        </p:spPr>
+      </p:pic>
+    </p:spTree>
+    <p:extLst>
+      <p:ext uri="{BB962C8B-B14F-4D97-AF65-F5344CB8AC3E}">
+        <p14:creationId xmlns:p14="http://schemas.microsoft.com/office/powerpoint/2010/main" val="1644827804"/>
+      </p:ext>
+    </p:extLst>
+  </p:cSld>
+  <p:clrMapOvr>
+    <a:masterClrMapping/>
+  </p:clrMapOvr>
+  <p:timing>
+    <p:tnLst>
+      <p:par>
+        <p:cTn id="1" dur="indefinite" restart="never" nodeType="tmRoot">
+          <p:childTnLst>
+            <p:seq concurrent="1" nextAc="seek">
+              <p:cTn id="2" dur="indefinite" nodeType="mainSeq">
+                <p:childTnLst>
+                  <p:par>
+                    <p:cTn id="3" fill="hold">
+                      <p:stCondLst>
+                        <p:cond delay="indefinite"/>
+                      </p:stCondLst>
+                      <p:childTnLst>
+                        <p:par>
+                          <p:cTn id="4" fill="hold">
+                            <p:stCondLst>
+                              <p:cond delay="0"/>
+                            </p:stCondLst>
+                            <p:childTnLst>
+                              <p:par>
+                                <p:cTn id="5" presetID="1" presetClass="entr" presetSubtype="0" fill="hold" nodeType="clickEffect">
+                                  <p:stCondLst>
+                                    <p:cond delay="0"/>
+                                  </p:stCondLst>
+                                  <p:childTnLst>
+                                    <p:set>
+                                      <p:cBhvr>
+                                        <p:cTn id="6" dur="1" fill="hold">
+                                          <p:stCondLst>
+                                            <p:cond delay="0"/>
+                                          </p:stCondLst>
+                                        </p:cTn>
+                                        <p:tgtEl>
+                                          <p:spTgt spid="13">
+                                            <p:txEl>
+                                              <p:pRg st="1" end="1"/>
+                                            </p:txEl>
+                                          </p:spTgt>
+                                        </p:tgtEl>
+                                        <p:attrNameLst>
+                                          <p:attrName>style.visibility</p:attrName>
+                                        </p:attrNameLst>
+                                      </p:cBhvr>
+                                      <p:to>
+                                        <p:strVal val="visible"/>
+                                      </p:to>
+                                    </p:set>
+                                  </p:childTnLst>
+                                </p:cTn>
+                              </p:par>
+                            </p:childTnLst>
+                          </p:cTn>
+                        </p:par>
+                      </p:childTnLst>
+                    </p:cTn>
+                  </p:par>
+                  <p:par>
+                    <p:cTn id="7" fill="hold">
+                      <p:stCondLst>
+                        <p:cond delay="indefinite"/>
+                      </p:stCondLst>
+                      <p:childTnLst>
+                        <p:par>
+                          <p:cTn id="8" fill="hold">
+                            <p:stCondLst>
+                              <p:cond delay="0"/>
+                            </p:stCondLst>
+                            <p:childTnLst>
+                              <p:par>
+                                <p:cTn id="9" presetID="1" presetClass="entr" presetSubtype="0" fill="hold" nodeType="clickEffect">
+                                  <p:stCondLst>
+                                    <p:cond delay="0"/>
+                                  </p:stCondLst>
+                                  <p:childTnLst>
+                                    <p:set>
+                                      <p:cBhvr>
+                                        <p:cTn id="10" dur="1" fill="hold">
+                                          <p:stCondLst>
+                                            <p:cond delay="0"/>
+                                          </p:stCondLst>
+                                        </p:cTn>
+                                        <p:tgtEl>
+                                          <p:spTgt spid="13">
+                                            <p:txEl>
+                                              <p:pRg st="2" end="2"/>
+                                            </p:txEl>
+                                          </p:spTgt>
+                                        </p:tgtEl>
+                                        <p:attrNameLst>
+                                          <p:attrName>style.visibility</p:attrName>
+                                        </p:attrNameLst>
+                                      </p:cBhvr>
+                                      <p:to>
+                                        <p:strVal val="visible"/>
+                                      </p:to>
+                                    </p:set>
+                                  </p:childTnLst>
+                                </p:cTn>
+                              </p:par>
+                            </p:childTnLst>
+                          </p:cTn>
+                        </p:par>
+                      </p:childTnLst>
+                    </p:cTn>
+                  </p:par>
+                  <p:par>
+                    <p:cTn id="11" fill="hold">
+                      <p:stCondLst>
+                        <p:cond delay="indefinite"/>
+                      </p:stCondLst>
+                      <p:childTnLst>
+                        <p:par>
+                          <p:cTn id="12" fill="hold">
+                            <p:stCondLst>
+                              <p:cond delay="0"/>
+                            </p:stCondLst>
+                            <p:childTnLst>
+                              <p:par>
+                                <p:cTn id="13" presetID="1" presetClass="entr" presetSubtype="0" fill="hold" nodeType="clickEffect">
+                                  <p:stCondLst>
+                                    <p:cond delay="0"/>
+                                  </p:stCondLst>
+                                  <p:childTnLst>
+                                    <p:set>
+                                      <p:cBhvr>
+                                        <p:cTn id="14" dur="1" fill="hold">
+                                          <p:stCondLst>
+                                            <p:cond delay="0"/>
+                                          </p:stCondLst>
+                                        </p:cTn>
+                                        <p:tgtEl>
+                                          <p:spTgt spid="13">
+                                            <p:txEl>
+                                              <p:pRg st="3" end="3"/>
+                                            </p:txEl>
+                                          </p:spTgt>
+                                        </p:tgtEl>
+                                        <p:attrNameLst>
+                                          <p:attrName>style.visibility</p:attrName>
+                                        </p:attrNameLst>
+                                      </p:cBhvr>
+                                      <p:to>
+                                        <p:strVal val="visible"/>
+                                      </p:to>
+                                    </p:set>
+                                  </p:childTnLst>
+                                </p:cTn>
+                              </p:par>
+                            </p:childTnLst>
+                          </p:cTn>
+                        </p:par>
+                      </p:childTnLst>
+                    </p:cTn>
+                  </p:par>
+                  <p:par>
+                    <p:cTn id="15" fill="hold">
+                      <p:stCondLst>
+                        <p:cond delay="indefinite"/>
+                      </p:stCondLst>
+                      <p:childTnLst>
+                        <p:par>
+                          <p:cTn id="16" fill="hold">
+                            <p:stCondLst>
+                              <p:cond delay="0"/>
+                            </p:stCondLst>
+                            <p:childTnLst>
+                              <p:par>
+                                <p:cTn id="17" presetID="1" presetClass="entr" presetSubtype="0" fill="hold" nodeType="clickEffect">
+                                  <p:stCondLst>
+                                    <p:cond delay="0"/>
+                                  </p:stCondLst>
+                                  <p:childTnLst>
+                                    <p:set>
+                                      <p:cBhvr>
+                                        <p:cTn id="18" dur="1" fill="hold">
+                                          <p:stCondLst>
+                                            <p:cond delay="0"/>
+                                          </p:stCondLst>
+                                        </p:cTn>
+                                        <p:tgtEl>
+                                          <p:spTgt spid="13">
+                                            <p:txEl>
+                                              <p:pRg st="4" end="4"/>
+                                            </p:txEl>
+                                          </p:spTgt>
+                                        </p:tgtEl>
+                                        <p:attrNameLst>
+                                          <p:attrName>style.visibility</p:attrName>
+                                        </p:attrNameLst>
+                                      </p:cBhvr>
+                                      <p:to>
+                                        <p:strVal val="visible"/>
+                                      </p:to>
+                                    </p:set>
+                                  </p:childTnLst>
+                                </p:cTn>
+                              </p:par>
+                            </p:childTnLst>
+                          </p:cTn>
+                        </p:par>
+                      </p:childTnLst>
+                    </p:cTn>
+                  </p:par>
+                  <p:par>
+                    <p:cTn id="19" fill="hold">
+                      <p:stCondLst>
+                        <p:cond delay="indefinite"/>
+                      </p:stCondLst>
+                      <p:childTnLst>
+                        <p:par>
+                          <p:cTn id="20" fill="hold">
+                            <p:stCondLst>
+                              <p:cond delay="0"/>
+                            </p:stCondLst>
+                            <p:childTnLst>
+                              <p:par>
+                                <p:cTn id="21" presetID="1" presetClass="entr" presetSubtype="0" fill="hold" nodeType="clickEffect">
+                                  <p:stCondLst>
+                                    <p:cond delay="0"/>
+                                  </p:stCondLst>
+                                  <p:childTnLst>
+                                    <p:set>
+                                      <p:cBhvr>
+                                        <p:cTn id="22" dur="1" fill="hold">
+                                          <p:stCondLst>
+                                            <p:cond delay="0"/>
+                                          </p:stCondLst>
+                                        </p:cTn>
+                                        <p:tgtEl>
+                                          <p:spTgt spid="13">
+                                            <p:txEl>
+                                              <p:pRg st="5" end="5"/>
+                                            </p:txEl>
+                                          </p:spTgt>
+                                        </p:tgtEl>
+                                        <p:attrNameLst>
+                                          <p:attrName>style.visibility</p:attrName>
+                                        </p:attrNameLst>
+                                      </p:cBhvr>
+                                      <p:to>
+                                        <p:strVal val="visible"/>
+                                      </p:to>
+                                    </p:set>
+                                  </p:childTnLst>
+                                </p:cTn>
+                              </p:par>
+                            </p:childTnLst>
+                          </p:cTn>
+                        </p:par>
+                      </p:childTnLst>
+                    </p:cTn>
+                  </p:par>
+                </p:childTnLst>
+              </p:cTn>
+              <p:prevCondLst>
+                <p:cond evt="onPrev" delay="0">
+                  <p:tgtEl>
+                    <p:sldTgt/>
+                  </p:tgtEl>
+                </p:cond>
+              </p:prevCondLst>
+              <p:nextCondLst>
+                <p:cond evt="onNext" delay="0">
+                  <p:tgtEl>
+                    <p:sldTgt/>
+                  </p:tgtEl>
+                </p:cond>
+              </p:nextCondLst>
+            </p:seq>
+          </p:childTnLst>
+        </p:cTn>
+      </p:par>
+    </p:tnLst>
+  </p:timing>
+</p:sld>
+</file>
+
+<file path=ppt/slides/slide29.xml><?xml version="1.0" encoding="utf-8"?>
+<p:sld xmlns:a="http://schemas.openxmlformats.org/drawingml/2006/main" xmlns:r="http://schemas.openxmlformats.org/officeDocument/2006/relationships" xmlns:p="http://schemas.openxmlformats.org/presentationml/2006/main">
+  <p:cSld>
+    <p:spTree>
+      <p:nvGrpSpPr>
+        <p:cNvPr id="1" name=""/>
+        <p:cNvGrpSpPr/>
+        <p:nvPr/>
+      </p:nvGrpSpPr>
+      <p:grpSpPr>
+        <a:xfrm>
+          <a:off x="0" y="0"/>
+          <a:ext cx="0" cy="0"/>
+          <a:chOff x="0" y="0"/>
+          <a:chExt cx="0" cy="0"/>
+        </a:xfrm>
+      </p:grpSpPr>
+      <p:sp>
+        <p:nvSpPr>
+          <p:cNvPr id="13" name="Text Placeholder 12"/>
+          <p:cNvSpPr>
+            <a:spLocks noGrp="1"/>
+          </p:cNvSpPr>
+          <p:nvPr>
+            <p:ph type="body" sz="quarter" idx="10"/>
+          </p:nvPr>
+        </p:nvSpPr>
+        <p:spPr/>
+        <p:txBody>
+          <a:bodyPr>
+            <a:normAutofit/>
+          </a:bodyPr>
+          <a:lstStyle/>
+          <a:p>
+            <a:r>
+              <a:rPr lang="en-ZA" dirty="0"/>
+              <a:t>Not all Databases are Equal!</a:t>
+            </a:r>
+          </a:p>
+          <a:p>
+            <a:r>
+              <a:rPr lang="en-ZA" dirty="0">
+                <a:hlinkClick r:id="rId3"/>
+              </a:rPr>
+              <a:t>http://www.sqlinjection.net/table-names/</a:t>
+            </a:r>
+            <a:endParaRPr lang="en-ZA" dirty="0"/>
+          </a:p>
+          <a:p>
+            <a:r>
+              <a:rPr lang="en-ZA" dirty="0">
+                <a:hlinkClick r:id="rId4"/>
+              </a:rPr>
+              <a:t>http://troels.arvin.dk/db/rdbms/</a:t>
+            </a:r>
+            <a:endParaRPr lang="en-ZA" dirty="0"/>
+          </a:p>
+          <a:p>
+            <a:endParaRPr lang="en-ZA" dirty="0"/>
+          </a:p>
+          <a:p>
+            <a:r>
+              <a:rPr lang="en-ZA" dirty="0"/>
+              <a:t>' UNION SELECT * FROM Votes -- '</a:t>
+            </a:r>
+          </a:p>
+          <a:p>
+            <a:endParaRPr lang="en-ZA" dirty="0"/>
+          </a:p>
+          <a:p>
+            <a:r>
+              <a:rPr lang="en-ZA" dirty="0"/>
+              <a:t>' UNION SELECT * FROM Makes -- '</a:t>
+            </a:r>
+          </a:p>
+          <a:p>
+            <a:r>
+              <a:rPr lang="en-ZA" dirty="0"/>
+              <a:t>' UNION SELECT </a:t>
+            </a:r>
+            <a:r>
+              <a:rPr lang="en-ZA" dirty="0" err="1"/>
+              <a:t>MakeId</a:t>
+            </a:r>
+            <a:r>
+              <a:rPr lang="en-ZA" dirty="0"/>
+              <a:t>, Name,1 FROM Makes LIMIT 1 -- '</a:t>
+            </a:r>
+          </a:p>
+          <a:p>
+            <a:pPr marL="0" indent="0">
+              <a:buNone/>
+            </a:pPr>
+            <a:endParaRPr lang="en-ZA" dirty="0"/>
+          </a:p>
+          <a:p>
+            <a:endParaRPr lang="en-ZA" dirty="0"/>
+          </a:p>
+          <a:p>
+            <a:endParaRPr lang="en-ZA" dirty="0"/>
+          </a:p>
+          <a:p>
+            <a:endParaRPr lang="en-ZA" dirty="0"/>
+          </a:p>
+          <a:p>
+            <a:endParaRPr lang="en-ZA" dirty="0"/>
+          </a:p>
+        </p:txBody>
+      </p:sp>
+      <p:sp>
+        <p:nvSpPr>
+          <p:cNvPr id="2" name="Title 1"/>
+          <p:cNvSpPr>
+            <a:spLocks noGrp="1"/>
+          </p:cNvSpPr>
+          <p:nvPr>
+            <p:ph type="title"/>
+          </p:nvPr>
+        </p:nvSpPr>
+        <p:spPr/>
+        <p:txBody>
+          <a:bodyPr/>
+          <a:lstStyle/>
+          <a:p>
+            <a:r>
+              <a:rPr lang="en-ZA" dirty="0"/>
+              <a:t>Penetration Testing</a:t>
+            </a:r>
+          </a:p>
+        </p:txBody>
+      </p:sp>
+      <p:sp>
+        <p:nvSpPr>
+          <p:cNvPr id="8" name="Text Placeholder 7"/>
+          <p:cNvSpPr>
+            <a:spLocks noGrp="1"/>
+          </p:cNvSpPr>
+          <p:nvPr>
+            <p:ph type="body" idx="1"/>
+          </p:nvPr>
+        </p:nvSpPr>
+        <p:spPr/>
+        <p:txBody>
+          <a:bodyPr>
+            <a:normAutofit/>
+          </a:bodyPr>
+          <a:lstStyle/>
+          <a:p>
+            <a:r>
+              <a:rPr lang="en-ZA" dirty="0"/>
+              <a:t>SQL injection - Union. </a:t>
+            </a:r>
+          </a:p>
+        </p:txBody>
+      </p:sp>
+      <p:pic>
+        <p:nvPicPr>
+          <p:cNvPr id="3" name="Picture 2"/>
+          <p:cNvPicPr>
+            <a:picLocks noChangeAspect="1"/>
+          </p:cNvPicPr>
+          <p:nvPr/>
+        </p:nvPicPr>
+        <p:blipFill>
+          <a:blip r:embed="rId5" cstate="print">
+            <a:extLst>
+              <a:ext uri="{28A0092B-C50C-407E-A947-70E740481C1C}">
+                <a14:useLocalDpi xmlns:a14="http://schemas.microsoft.com/office/drawing/2010/main" val="0"/>
+              </a:ext>
+            </a:extLst>
+          </a:blip>
+          <a:stretch>
+            <a:fillRect/>
+          </a:stretch>
+        </p:blipFill>
+        <p:spPr>
+          <a:xfrm>
+            <a:off x="2915816" y="584978"/>
+            <a:ext cx="920586" cy="549551"/>
+          </a:xfrm>
+          <a:prstGeom prst="rect">
+            <a:avLst/>
+          </a:prstGeom>
+        </p:spPr>
+      </p:pic>
+    </p:spTree>
+    <p:extLst>
+      <p:ext uri="{BB962C8B-B14F-4D97-AF65-F5344CB8AC3E}">
+        <p14:creationId xmlns:p14="http://schemas.microsoft.com/office/powerpoint/2010/main" val="475154547"/>
       </p:ext>
     </p:extLst>
   </p:cSld>
@@ -16969,10 +19591,2336 @@
           </a:p>
         </p:txBody>
       </p:sp>
+      <p:pic>
+        <p:nvPicPr>
+          <p:cNvPr id="1026" name="Picture 2" descr="https://66.media.tumblr.com/0d68eacae9f42c1199b24d5915555680/tumblr_inline_o8rf32ioUX1qdm5mg_540.png"/>
+          <p:cNvPicPr>
+            <a:picLocks noChangeAspect="1" noChangeArrowheads="1"/>
+          </p:cNvPicPr>
+          <p:nvPr/>
+        </p:nvPicPr>
+        <p:blipFill>
+          <a:blip r:embed="rId3" cstate="print">
+            <a:extLst>
+              <a:ext uri="{28A0092B-C50C-407E-A947-70E740481C1C}">
+                <a14:useLocalDpi xmlns:a14="http://schemas.microsoft.com/office/drawing/2010/main" val="0"/>
+              </a:ext>
+            </a:extLst>
+          </a:blip>
+          <a:srcRect/>
+          <a:stretch>
+            <a:fillRect/>
+          </a:stretch>
+        </p:blipFill>
+        <p:spPr bwMode="auto">
+          <a:xfrm>
+            <a:off x="3635896" y="3507854"/>
+            <a:ext cx="1967359" cy="1473677"/>
+          </a:xfrm>
+          <a:prstGeom prst="rect">
+            <a:avLst/>
+          </a:prstGeom>
+          <a:noFill/>
+          <a:extLst>
+            <a:ext uri="{909E8E84-426E-40DD-AFC4-6F175D3DCCD1}">
+              <a14:hiddenFill xmlns:a14="http://schemas.microsoft.com/office/drawing/2010/main">
+                <a:solidFill>
+                  <a:srgbClr val="FFFFFF"/>
+                </a:solidFill>
+              </a14:hiddenFill>
+            </a:ext>
+          </a:extLst>
+        </p:spPr>
+      </p:pic>
     </p:spTree>
     <p:extLst>
       <p:ext uri="{BB962C8B-B14F-4D97-AF65-F5344CB8AC3E}">
         <p14:creationId xmlns:p14="http://schemas.microsoft.com/office/powerpoint/2010/main" val="2270303605"/>
+      </p:ext>
+    </p:extLst>
+  </p:cSld>
+  <p:clrMapOvr>
+    <a:masterClrMapping/>
+  </p:clrMapOvr>
+</p:sld>
+</file>
+
+<file path=ppt/slides/slide30.xml><?xml version="1.0" encoding="utf-8"?>
+<p:sld xmlns:a="http://schemas.openxmlformats.org/drawingml/2006/main" xmlns:r="http://schemas.openxmlformats.org/officeDocument/2006/relationships" xmlns:p="http://schemas.openxmlformats.org/presentationml/2006/main">
+  <p:cSld>
+    <p:spTree>
+      <p:nvGrpSpPr>
+        <p:cNvPr id="1" name=""/>
+        <p:cNvGrpSpPr/>
+        <p:nvPr/>
+      </p:nvGrpSpPr>
+      <p:grpSpPr>
+        <a:xfrm>
+          <a:off x="0" y="0"/>
+          <a:ext cx="0" cy="0"/>
+          <a:chOff x="0" y="0"/>
+          <a:chExt cx="0" cy="0"/>
+        </a:xfrm>
+      </p:grpSpPr>
+      <p:sp>
+        <p:nvSpPr>
+          <p:cNvPr id="13" name="Text Placeholder 12"/>
+          <p:cNvSpPr>
+            <a:spLocks noGrp="1"/>
+          </p:cNvSpPr>
+          <p:nvPr>
+            <p:ph type="body" sz="quarter" idx="10"/>
+          </p:nvPr>
+        </p:nvSpPr>
+        <p:spPr/>
+        <p:txBody>
+          <a:bodyPr>
+            <a:normAutofit/>
+          </a:bodyPr>
+          <a:lstStyle/>
+          <a:p>
+            <a:r>
+              <a:rPr lang="en-ZA" dirty="0"/>
+              <a:t>Injecting data:</a:t>
+            </a:r>
+          </a:p>
+          <a:p>
+            <a:r>
+              <a:rPr lang="en-ZA" dirty="0"/>
+              <a:t>'; INSERT INTO votes (Comments, </a:t>
+            </a:r>
+            <a:r>
+              <a:rPr lang="en-ZA" dirty="0" err="1"/>
+              <a:t>MotorBikeId</a:t>
+            </a:r>
+            <a:r>
+              <a:rPr lang="en-ZA" dirty="0"/>
+              <a:t>, </a:t>
+            </a:r>
+            <a:r>
+              <a:rPr lang="en-ZA" dirty="0" err="1"/>
+              <a:t>UserId</a:t>
+            </a:r>
+            <a:r>
+              <a:rPr lang="en-ZA" dirty="0"/>
+              <a:t>) VALUES ('Hacked Bike', '0', '1'); -- '</a:t>
+            </a:r>
+          </a:p>
+          <a:p>
+            <a:endParaRPr lang="en-ZA" dirty="0"/>
+          </a:p>
+          <a:p>
+            <a:r>
+              <a:rPr lang="en-ZA" dirty="0"/>
+              <a:t>Updating data:</a:t>
+            </a:r>
+          </a:p>
+          <a:p>
+            <a:r>
+              <a:rPr lang="en-ZA" dirty="0"/>
+              <a:t>'; UPDATE </a:t>
+            </a:r>
+            <a:r>
+              <a:rPr lang="en-ZA" dirty="0" err="1"/>
+              <a:t>MotorBikes</a:t>
+            </a:r>
+            <a:r>
+              <a:rPr lang="en-ZA" dirty="0"/>
+              <a:t> SET Power = 1000 WHERE Id = 1; -- '</a:t>
+            </a:r>
+            <a:endParaRPr lang="en-ZA" dirty="0"/>
+          </a:p>
+          <a:p>
+            <a:pPr marL="0" indent="0">
+              <a:buNone/>
+            </a:pPr>
+            <a:endParaRPr lang="en-ZA" dirty="0"/>
+          </a:p>
+          <a:p>
+            <a:endParaRPr lang="en-ZA" dirty="0"/>
+          </a:p>
+          <a:p>
+            <a:endParaRPr lang="en-ZA" dirty="0"/>
+          </a:p>
+          <a:p>
+            <a:endParaRPr lang="en-ZA" dirty="0"/>
+          </a:p>
+          <a:p>
+            <a:endParaRPr lang="en-ZA" dirty="0"/>
+          </a:p>
+        </p:txBody>
+      </p:sp>
+      <p:sp>
+        <p:nvSpPr>
+          <p:cNvPr id="2" name="Title 1"/>
+          <p:cNvSpPr>
+            <a:spLocks noGrp="1"/>
+          </p:cNvSpPr>
+          <p:nvPr>
+            <p:ph type="title"/>
+          </p:nvPr>
+        </p:nvSpPr>
+        <p:spPr/>
+        <p:txBody>
+          <a:bodyPr/>
+          <a:lstStyle/>
+          <a:p>
+            <a:r>
+              <a:rPr lang="en-ZA" dirty="0"/>
+              <a:t>Penetration Testing</a:t>
+            </a:r>
+          </a:p>
+        </p:txBody>
+      </p:sp>
+      <p:sp>
+        <p:nvSpPr>
+          <p:cNvPr id="8" name="Text Placeholder 7"/>
+          <p:cNvSpPr>
+            <a:spLocks noGrp="1"/>
+          </p:cNvSpPr>
+          <p:nvPr>
+            <p:ph type="body" idx="1"/>
+          </p:nvPr>
+        </p:nvSpPr>
+        <p:spPr/>
+        <p:txBody>
+          <a:bodyPr>
+            <a:normAutofit/>
+          </a:bodyPr>
+          <a:lstStyle/>
+          <a:p>
+            <a:r>
+              <a:rPr lang="en-ZA" dirty="0"/>
+              <a:t>SQL injection - Union. </a:t>
+            </a:r>
+          </a:p>
+        </p:txBody>
+      </p:sp>
+      <p:pic>
+        <p:nvPicPr>
+          <p:cNvPr id="3" name="Picture 2"/>
+          <p:cNvPicPr>
+            <a:picLocks noChangeAspect="1"/>
+          </p:cNvPicPr>
+          <p:nvPr/>
+        </p:nvPicPr>
+        <p:blipFill>
+          <a:blip r:embed="rId3" cstate="print">
+            <a:extLst>
+              <a:ext uri="{28A0092B-C50C-407E-A947-70E740481C1C}">
+                <a14:useLocalDpi xmlns:a14="http://schemas.microsoft.com/office/drawing/2010/main" val="0"/>
+              </a:ext>
+            </a:extLst>
+          </a:blip>
+          <a:stretch>
+            <a:fillRect/>
+          </a:stretch>
+        </p:blipFill>
+        <p:spPr>
+          <a:xfrm>
+            <a:off x="2915816" y="584978"/>
+            <a:ext cx="920586" cy="549551"/>
+          </a:xfrm>
+          <a:prstGeom prst="rect">
+            <a:avLst/>
+          </a:prstGeom>
+        </p:spPr>
+      </p:pic>
+    </p:spTree>
+    <p:extLst>
+      <p:ext uri="{BB962C8B-B14F-4D97-AF65-F5344CB8AC3E}">
+        <p14:creationId xmlns:p14="http://schemas.microsoft.com/office/powerpoint/2010/main" val="256521270"/>
+      </p:ext>
+    </p:extLst>
+  </p:cSld>
+  <p:clrMapOvr>
+    <a:masterClrMapping/>
+  </p:clrMapOvr>
+</p:sld>
+</file>
+
+<file path=ppt/slides/slide31.xml><?xml version="1.0" encoding="utf-8"?>
+<p:sld xmlns:a="http://schemas.openxmlformats.org/drawingml/2006/main" xmlns:r="http://schemas.openxmlformats.org/officeDocument/2006/relationships" xmlns:p="http://schemas.openxmlformats.org/presentationml/2006/main">
+  <p:cSld>
+    <p:spTree>
+      <p:nvGrpSpPr>
+        <p:cNvPr id="1" name=""/>
+        <p:cNvGrpSpPr/>
+        <p:nvPr/>
+      </p:nvGrpSpPr>
+      <p:grpSpPr>
+        <a:xfrm>
+          <a:off x="0" y="0"/>
+          <a:ext cx="0" cy="0"/>
+          <a:chOff x="0" y="0"/>
+          <a:chExt cx="0" cy="0"/>
+        </a:xfrm>
+      </p:grpSpPr>
+      <p:sp>
+        <p:nvSpPr>
+          <p:cNvPr id="13" name="Text Placeholder 12"/>
+          <p:cNvSpPr>
+            <a:spLocks noGrp="1"/>
+          </p:cNvSpPr>
+          <p:nvPr>
+            <p:ph type="body" sz="quarter" idx="10"/>
+          </p:nvPr>
+        </p:nvSpPr>
+        <p:spPr/>
+        <p:txBody>
+          <a:bodyPr/>
+          <a:lstStyle/>
+          <a:p>
+            <a:r>
+              <a:rPr lang="en-ZA" dirty="0"/>
+              <a:t>This is useful when data can’t be returned in the response or you can’t get any error messages.</a:t>
+            </a:r>
+          </a:p>
+          <a:p>
+            <a:r>
+              <a:rPr lang="en-ZA" dirty="0"/>
+              <a:t>Boolean Based</a:t>
+            </a:r>
+          </a:p>
+          <a:p>
+            <a:pPr lvl="1"/>
+            <a:r>
+              <a:rPr lang="en-ZA" dirty="0"/>
+              <a:t>This style of injection is useful when the response </a:t>
+            </a:r>
+            <a:r>
+              <a:rPr lang="en-ZA" b="1" dirty="0"/>
+              <a:t>can</a:t>
+            </a:r>
+            <a:r>
+              <a:rPr lang="en-ZA" dirty="0"/>
+              <a:t> be manipulated.</a:t>
+            </a:r>
+          </a:p>
+          <a:p>
+            <a:pPr lvl="1"/>
+            <a:r>
+              <a:rPr lang="en-ZA" b="1" dirty="0"/>
+              <a:t>?</a:t>
+            </a:r>
+            <a:r>
+              <a:rPr lang="en-ZA" b="1" dirty="0" err="1"/>
+              <a:t>orderBy</a:t>
+            </a:r>
+            <a:r>
+              <a:rPr lang="en-ZA" b="1" dirty="0"/>
+              <a:t>=if(Length(database())&gt;5,'id','votes')</a:t>
+            </a:r>
+            <a:endParaRPr lang="en-ZA" b="1" dirty="0"/>
+          </a:p>
+          <a:p>
+            <a:r>
+              <a:rPr lang="en-ZA" dirty="0"/>
+              <a:t>Timed Based</a:t>
+            </a:r>
+          </a:p>
+          <a:p>
+            <a:pPr lvl="1"/>
+            <a:r>
+              <a:rPr lang="en-ZA" dirty="0"/>
+              <a:t>This style of injection is useful when the response </a:t>
+            </a:r>
+            <a:r>
+              <a:rPr lang="en-ZA" b="1" dirty="0"/>
+              <a:t>cant</a:t>
+            </a:r>
+            <a:r>
+              <a:rPr lang="en-ZA" dirty="0"/>
+              <a:t> be manipulated.</a:t>
+            </a:r>
+          </a:p>
+          <a:p>
+            <a:pPr lvl="1"/>
+            <a:r>
+              <a:rPr lang="en-ZA" b="1" dirty="0"/>
+              <a:t>; if (1=1) </a:t>
+            </a:r>
+            <a:r>
+              <a:rPr lang="en-ZA" b="1" dirty="0" err="1"/>
+              <a:t>waitfor</a:t>
+            </a:r>
+            <a:r>
+              <a:rPr lang="en-ZA" b="1" dirty="0"/>
+              <a:t> delay '00:00:01' -- '</a:t>
+            </a:r>
+            <a:endParaRPr lang="en-ZA" b="1" dirty="0"/>
+          </a:p>
+          <a:p>
+            <a:pPr lvl="1"/>
+            <a:r>
+              <a:rPr lang="en-ZA" b="1" dirty="0"/>
+              <a:t>; if (Length(database())&gt;5) </a:t>
+            </a:r>
+            <a:r>
+              <a:rPr lang="en-ZA" b="1" dirty="0" err="1"/>
+              <a:t>waitfor</a:t>
+            </a:r>
+            <a:r>
+              <a:rPr lang="en-ZA" b="1" dirty="0"/>
+              <a:t> delay '00:00:01' -- '</a:t>
+            </a:r>
+            <a:endParaRPr lang="en-ZA" b="1" dirty="0"/>
+          </a:p>
+          <a:p>
+            <a:endParaRPr lang="en-ZA" dirty="0"/>
+          </a:p>
+          <a:p>
+            <a:endParaRPr lang="en-ZA" dirty="0"/>
+          </a:p>
+        </p:txBody>
+      </p:sp>
+      <p:sp>
+        <p:nvSpPr>
+          <p:cNvPr id="2" name="Title 1"/>
+          <p:cNvSpPr>
+            <a:spLocks noGrp="1"/>
+          </p:cNvSpPr>
+          <p:nvPr>
+            <p:ph type="title"/>
+          </p:nvPr>
+        </p:nvSpPr>
+        <p:spPr/>
+        <p:txBody>
+          <a:bodyPr/>
+          <a:lstStyle/>
+          <a:p>
+            <a:r>
+              <a:rPr lang="en-ZA" dirty="0"/>
+              <a:t>Penetration Testing</a:t>
+            </a:r>
+          </a:p>
+        </p:txBody>
+      </p:sp>
+      <p:sp>
+        <p:nvSpPr>
+          <p:cNvPr id="8" name="Text Placeholder 7"/>
+          <p:cNvSpPr>
+            <a:spLocks noGrp="1"/>
+          </p:cNvSpPr>
+          <p:nvPr>
+            <p:ph type="body" idx="1"/>
+          </p:nvPr>
+        </p:nvSpPr>
+        <p:spPr/>
+        <p:txBody>
+          <a:bodyPr>
+            <a:normAutofit/>
+          </a:bodyPr>
+          <a:lstStyle/>
+          <a:p>
+            <a:r>
+              <a:rPr lang="en-ZA" dirty="0"/>
+              <a:t>SQL injection - Blind.</a:t>
+            </a:r>
+          </a:p>
+        </p:txBody>
+      </p:sp>
+      <p:pic>
+        <p:nvPicPr>
+          <p:cNvPr id="3" name="Picture 2"/>
+          <p:cNvPicPr>
+            <a:picLocks noChangeAspect="1"/>
+          </p:cNvPicPr>
+          <p:nvPr/>
+        </p:nvPicPr>
+        <p:blipFill>
+          <a:blip r:embed="rId3" cstate="print">
+            <a:extLst>
+              <a:ext uri="{28A0092B-C50C-407E-A947-70E740481C1C}">
+                <a14:useLocalDpi xmlns:a14="http://schemas.microsoft.com/office/drawing/2010/main" val="0"/>
+              </a:ext>
+            </a:extLst>
+          </a:blip>
+          <a:stretch>
+            <a:fillRect/>
+          </a:stretch>
+        </p:blipFill>
+        <p:spPr>
+          <a:xfrm>
+            <a:off x="2699792" y="483518"/>
+            <a:ext cx="643136" cy="643136"/>
+          </a:xfrm>
+          <a:prstGeom prst="rect">
+            <a:avLst/>
+          </a:prstGeom>
+        </p:spPr>
+      </p:pic>
+    </p:spTree>
+    <p:extLst>
+      <p:ext uri="{BB962C8B-B14F-4D97-AF65-F5344CB8AC3E}">
+        <p14:creationId xmlns:p14="http://schemas.microsoft.com/office/powerpoint/2010/main" val="122192588"/>
+      </p:ext>
+    </p:extLst>
+  </p:cSld>
+  <p:clrMapOvr>
+    <a:masterClrMapping/>
+  </p:clrMapOvr>
+</p:sld>
+</file>
+
+<file path=ppt/slides/slide32.xml><?xml version="1.0" encoding="utf-8"?>
+<p:sld xmlns:a="http://schemas.openxmlformats.org/drawingml/2006/main" xmlns:r="http://schemas.openxmlformats.org/officeDocument/2006/relationships" xmlns:p="http://schemas.openxmlformats.org/presentationml/2006/main">
+  <p:cSld>
+    <p:spTree>
+      <p:nvGrpSpPr>
+        <p:cNvPr id="1" name=""/>
+        <p:cNvGrpSpPr/>
+        <p:nvPr/>
+      </p:nvGrpSpPr>
+      <p:grpSpPr>
+        <a:xfrm>
+          <a:off x="0" y="0"/>
+          <a:ext cx="0" cy="0"/>
+          <a:chOff x="0" y="0"/>
+          <a:chExt cx="0" cy="0"/>
+        </a:xfrm>
+      </p:grpSpPr>
+      <p:sp>
+        <p:nvSpPr>
+          <p:cNvPr id="13" name="Text Placeholder 12"/>
+          <p:cNvSpPr>
+            <a:spLocks noGrp="1"/>
+          </p:cNvSpPr>
+          <p:nvPr>
+            <p:ph type="body" sz="quarter" idx="10"/>
+          </p:nvPr>
+        </p:nvSpPr>
+        <p:spPr>
+          <a:xfrm>
+            <a:off x="498609" y="1329612"/>
+            <a:ext cx="7307256" cy="3510390"/>
+          </a:xfrm>
+        </p:spPr>
+        <p:txBody>
+          <a:bodyPr/>
+          <a:lstStyle/>
+          <a:p>
+            <a:r>
+              <a:rPr lang="en-ZA" dirty="0"/>
+              <a:t>Enumerate database name lengths to detect a database.</a:t>
+            </a:r>
+          </a:p>
+          <a:p>
+            <a:endParaRPr lang="en-ZA" dirty="0"/>
+          </a:p>
+          <a:p>
+            <a:r>
+              <a:rPr lang="en-ZA" dirty="0"/>
+              <a:t>SELECT Id, Name, Model FROM </a:t>
+            </a:r>
+            <a:r>
+              <a:rPr lang="en-ZA" dirty="0" err="1"/>
+              <a:t>MotorBikes</a:t>
+            </a:r>
+            <a:r>
+              <a:rPr lang="en-ZA" dirty="0"/>
+              <a:t> WHERE CC = '1000</a:t>
+            </a:r>
+            <a:br>
+              <a:rPr lang="en-ZA" dirty="0"/>
+            </a:br>
+            <a:r>
+              <a:rPr lang="en-ZA" dirty="0"/>
+              <a:t>' </a:t>
+            </a:r>
+            <a:r>
+              <a:rPr lang="en-ZA" b="1" dirty="0"/>
+              <a:t>and Length((database()))&lt;</a:t>
+            </a:r>
+            <a:r>
+              <a:rPr lang="en-ZA" b="1" dirty="0">
+                <a:solidFill>
+                  <a:srgbClr val="FF0000"/>
+                </a:solidFill>
+              </a:rPr>
+              <a:t>32</a:t>
+            </a:r>
+            <a:r>
+              <a:rPr lang="en-ZA" b="1" dirty="0"/>
+              <a:t> and 'x'='x</a:t>
+            </a:r>
+            <a:r>
+              <a:rPr lang="en-ZA" dirty="0"/>
+              <a:t>'</a:t>
+            </a:r>
+            <a:r>
+              <a:rPr lang="en-ZA" dirty="0"/>
+              <a:t> -- '</a:t>
+            </a:r>
+            <a:endParaRPr lang="en-ZA" b="1" dirty="0"/>
+          </a:p>
+          <a:p>
+            <a:r>
+              <a:rPr lang="en-ZA" dirty="0"/>
+              <a:t>SELECT Id, Name, Model FROM </a:t>
+            </a:r>
+            <a:r>
+              <a:rPr lang="en-ZA" dirty="0" err="1"/>
+              <a:t>MotorBikes</a:t>
+            </a:r>
+            <a:r>
+              <a:rPr lang="en-ZA" dirty="0"/>
+              <a:t> WHERE CC = '1000</a:t>
+            </a:r>
+            <a:br>
+              <a:rPr lang="en-ZA" dirty="0"/>
+            </a:br>
+            <a:r>
+              <a:rPr lang="en-ZA" dirty="0"/>
+              <a:t>'</a:t>
+            </a:r>
+            <a:r>
+              <a:rPr lang="en-ZA" b="1" dirty="0"/>
+              <a:t> and Length((database()))=</a:t>
+            </a:r>
+            <a:r>
+              <a:rPr lang="en-ZA" b="1" dirty="0">
+                <a:solidFill>
+                  <a:srgbClr val="FF0000"/>
+                </a:solidFill>
+              </a:rPr>
+              <a:t>10</a:t>
+            </a:r>
+            <a:r>
+              <a:rPr lang="en-ZA" b="1" dirty="0"/>
+              <a:t> and 'x'='x</a:t>
+            </a:r>
+            <a:r>
+              <a:rPr lang="en-ZA" dirty="0"/>
+              <a:t>'</a:t>
+            </a:r>
+            <a:r>
+              <a:rPr lang="en-ZA" dirty="0"/>
+              <a:t> -- '</a:t>
+            </a:r>
+            <a:endParaRPr lang="en-ZA" b="1" dirty="0"/>
+          </a:p>
+          <a:p>
+            <a:r>
+              <a:rPr lang="en-ZA" dirty="0"/>
+              <a:t>Our Database’s name is </a:t>
+            </a:r>
+            <a:r>
+              <a:rPr lang="en-ZA" dirty="0" err="1"/>
+              <a:t>pentestsql</a:t>
+            </a:r>
+            <a:r>
+              <a:rPr lang="en-ZA" dirty="0"/>
+              <a:t> (10 characters long)</a:t>
+            </a:r>
+          </a:p>
+          <a:p>
+            <a:endParaRPr lang="en-ZA" dirty="0"/>
+          </a:p>
+        </p:txBody>
+      </p:sp>
+      <p:sp>
+        <p:nvSpPr>
+          <p:cNvPr id="2" name="Title 1"/>
+          <p:cNvSpPr>
+            <a:spLocks noGrp="1"/>
+          </p:cNvSpPr>
+          <p:nvPr>
+            <p:ph type="title"/>
+          </p:nvPr>
+        </p:nvSpPr>
+        <p:spPr/>
+        <p:txBody>
+          <a:bodyPr/>
+          <a:lstStyle/>
+          <a:p>
+            <a:r>
+              <a:rPr lang="en-ZA" dirty="0"/>
+              <a:t>Penetration Testing</a:t>
+            </a:r>
+          </a:p>
+        </p:txBody>
+      </p:sp>
+      <p:sp>
+        <p:nvSpPr>
+          <p:cNvPr id="8" name="Text Placeholder 7"/>
+          <p:cNvSpPr>
+            <a:spLocks noGrp="1"/>
+          </p:cNvSpPr>
+          <p:nvPr>
+            <p:ph type="body" idx="1"/>
+          </p:nvPr>
+        </p:nvSpPr>
+        <p:spPr/>
+        <p:txBody>
+          <a:bodyPr>
+            <a:normAutofit/>
+          </a:bodyPr>
+          <a:lstStyle/>
+          <a:p>
+            <a:r>
+              <a:rPr lang="en-ZA" dirty="0"/>
+              <a:t>SQL injection - Enumeration.</a:t>
+            </a:r>
+          </a:p>
+        </p:txBody>
+      </p:sp>
+    </p:spTree>
+    <p:extLst>
+      <p:ext uri="{BB962C8B-B14F-4D97-AF65-F5344CB8AC3E}">
+        <p14:creationId xmlns:p14="http://schemas.microsoft.com/office/powerpoint/2010/main" val="2495081403"/>
+      </p:ext>
+    </p:extLst>
+  </p:cSld>
+  <p:clrMapOvr>
+    <a:masterClrMapping/>
+  </p:clrMapOvr>
+  <p:timing>
+    <p:tnLst>
+      <p:par>
+        <p:cTn id="1" dur="indefinite" restart="never" nodeType="tmRoot">
+          <p:childTnLst>
+            <p:seq concurrent="1" nextAc="seek">
+              <p:cTn id="2" dur="indefinite" nodeType="mainSeq">
+                <p:childTnLst>
+                  <p:par>
+                    <p:cTn id="3" fill="hold">
+                      <p:stCondLst>
+                        <p:cond delay="indefinite"/>
+                      </p:stCondLst>
+                      <p:childTnLst>
+                        <p:par>
+                          <p:cTn id="4" fill="hold">
+                            <p:stCondLst>
+                              <p:cond delay="0"/>
+                            </p:stCondLst>
+                            <p:childTnLst>
+                              <p:par>
+                                <p:cTn id="5" presetID="1" presetClass="entr" presetSubtype="0" fill="hold" nodeType="clickEffect">
+                                  <p:stCondLst>
+                                    <p:cond delay="0"/>
+                                  </p:stCondLst>
+                                  <p:childTnLst>
+                                    <p:set>
+                                      <p:cBhvr>
+                                        <p:cTn id="6" dur="1" fill="hold">
+                                          <p:stCondLst>
+                                            <p:cond delay="0"/>
+                                          </p:stCondLst>
+                                        </p:cTn>
+                                        <p:tgtEl>
+                                          <p:spTgt spid="13">
+                                            <p:txEl>
+                                              <p:pRg st="2" end="2"/>
+                                            </p:txEl>
+                                          </p:spTgt>
+                                        </p:tgtEl>
+                                        <p:attrNameLst>
+                                          <p:attrName>style.visibility</p:attrName>
+                                        </p:attrNameLst>
+                                      </p:cBhvr>
+                                      <p:to>
+                                        <p:strVal val="visible"/>
+                                      </p:to>
+                                    </p:set>
+                                  </p:childTnLst>
+                                </p:cTn>
+                              </p:par>
+                            </p:childTnLst>
+                          </p:cTn>
+                        </p:par>
+                      </p:childTnLst>
+                    </p:cTn>
+                  </p:par>
+                  <p:par>
+                    <p:cTn id="7" fill="hold">
+                      <p:stCondLst>
+                        <p:cond delay="indefinite"/>
+                      </p:stCondLst>
+                      <p:childTnLst>
+                        <p:par>
+                          <p:cTn id="8" fill="hold">
+                            <p:stCondLst>
+                              <p:cond delay="0"/>
+                            </p:stCondLst>
+                            <p:childTnLst>
+                              <p:par>
+                                <p:cTn id="9" presetID="1" presetClass="entr" presetSubtype="0" fill="hold" nodeType="clickEffect">
+                                  <p:stCondLst>
+                                    <p:cond delay="0"/>
+                                  </p:stCondLst>
+                                  <p:childTnLst>
+                                    <p:set>
+                                      <p:cBhvr>
+                                        <p:cTn id="10" dur="1" fill="hold">
+                                          <p:stCondLst>
+                                            <p:cond delay="0"/>
+                                          </p:stCondLst>
+                                        </p:cTn>
+                                        <p:tgtEl>
+                                          <p:spTgt spid="13">
+                                            <p:txEl>
+                                              <p:pRg st="3" end="3"/>
+                                            </p:txEl>
+                                          </p:spTgt>
+                                        </p:tgtEl>
+                                        <p:attrNameLst>
+                                          <p:attrName>style.visibility</p:attrName>
+                                        </p:attrNameLst>
+                                      </p:cBhvr>
+                                      <p:to>
+                                        <p:strVal val="visible"/>
+                                      </p:to>
+                                    </p:set>
+                                  </p:childTnLst>
+                                </p:cTn>
+                              </p:par>
+                            </p:childTnLst>
+                          </p:cTn>
+                        </p:par>
+                      </p:childTnLst>
+                    </p:cTn>
+                  </p:par>
+                  <p:par>
+                    <p:cTn id="11" fill="hold">
+                      <p:stCondLst>
+                        <p:cond delay="indefinite"/>
+                      </p:stCondLst>
+                      <p:childTnLst>
+                        <p:par>
+                          <p:cTn id="12" fill="hold">
+                            <p:stCondLst>
+                              <p:cond delay="0"/>
+                            </p:stCondLst>
+                            <p:childTnLst>
+                              <p:par>
+                                <p:cTn id="13" presetID="1" presetClass="entr" presetSubtype="0" fill="hold" nodeType="clickEffect">
+                                  <p:stCondLst>
+                                    <p:cond delay="0"/>
+                                  </p:stCondLst>
+                                  <p:childTnLst>
+                                    <p:set>
+                                      <p:cBhvr>
+                                        <p:cTn id="14" dur="1" fill="hold">
+                                          <p:stCondLst>
+                                            <p:cond delay="0"/>
+                                          </p:stCondLst>
+                                        </p:cTn>
+                                        <p:tgtEl>
+                                          <p:spTgt spid="13">
+                                            <p:txEl>
+                                              <p:pRg st="4" end="4"/>
+                                            </p:txEl>
+                                          </p:spTgt>
+                                        </p:tgtEl>
+                                        <p:attrNameLst>
+                                          <p:attrName>style.visibility</p:attrName>
+                                        </p:attrNameLst>
+                                      </p:cBhvr>
+                                      <p:to>
+                                        <p:strVal val="visible"/>
+                                      </p:to>
+                                    </p:set>
+                                  </p:childTnLst>
+                                </p:cTn>
+                              </p:par>
+                            </p:childTnLst>
+                          </p:cTn>
+                        </p:par>
+                      </p:childTnLst>
+                    </p:cTn>
+                  </p:par>
+                </p:childTnLst>
+              </p:cTn>
+              <p:prevCondLst>
+                <p:cond evt="onPrev" delay="0">
+                  <p:tgtEl>
+                    <p:sldTgt/>
+                  </p:tgtEl>
+                </p:cond>
+              </p:prevCondLst>
+              <p:nextCondLst>
+                <p:cond evt="onNext" delay="0">
+                  <p:tgtEl>
+                    <p:sldTgt/>
+                  </p:tgtEl>
+                </p:cond>
+              </p:nextCondLst>
+            </p:seq>
+          </p:childTnLst>
+        </p:cTn>
+      </p:par>
+    </p:tnLst>
+  </p:timing>
+</p:sld>
+</file>
+
+<file path=ppt/slides/slide33.xml><?xml version="1.0" encoding="utf-8"?>
+<p:sld xmlns:a="http://schemas.openxmlformats.org/drawingml/2006/main" xmlns:r="http://schemas.openxmlformats.org/officeDocument/2006/relationships" xmlns:p="http://schemas.openxmlformats.org/presentationml/2006/main">
+  <p:cSld>
+    <p:spTree>
+      <p:nvGrpSpPr>
+        <p:cNvPr id="1" name=""/>
+        <p:cNvGrpSpPr/>
+        <p:nvPr/>
+      </p:nvGrpSpPr>
+      <p:grpSpPr>
+        <a:xfrm>
+          <a:off x="0" y="0"/>
+          <a:ext cx="0" cy="0"/>
+          <a:chOff x="0" y="0"/>
+          <a:chExt cx="0" cy="0"/>
+        </a:xfrm>
+      </p:grpSpPr>
+      <p:sp>
+        <p:nvSpPr>
+          <p:cNvPr id="13" name="Text Placeholder 12"/>
+          <p:cNvSpPr>
+            <a:spLocks noGrp="1"/>
+          </p:cNvSpPr>
+          <p:nvPr>
+            <p:ph type="body" sz="quarter" idx="10"/>
+          </p:nvPr>
+        </p:nvSpPr>
+        <p:spPr>
+          <a:xfrm>
+            <a:off x="3016484" y="1203598"/>
+            <a:ext cx="5948004" cy="360040"/>
+          </a:xfrm>
+        </p:spPr>
+        <p:txBody>
+          <a:bodyPr>
+            <a:normAutofit fontScale="92500" lnSpcReduction="10000"/>
+          </a:bodyPr>
+          <a:lstStyle/>
+          <a:p>
+            <a:r>
+              <a:rPr lang="en-ZA" b="1" dirty="0"/>
+              <a:t>Enumerate the name of the database:</a:t>
+            </a:r>
+          </a:p>
+        </p:txBody>
+      </p:sp>
+      <p:sp>
+        <p:nvSpPr>
+          <p:cNvPr id="2" name="Title 1"/>
+          <p:cNvSpPr>
+            <a:spLocks noGrp="1"/>
+          </p:cNvSpPr>
+          <p:nvPr>
+            <p:ph type="title"/>
+          </p:nvPr>
+        </p:nvSpPr>
+        <p:spPr/>
+        <p:txBody>
+          <a:bodyPr/>
+          <a:lstStyle/>
+          <a:p>
+            <a:r>
+              <a:rPr lang="en-ZA" dirty="0"/>
+              <a:t>Penetration Testing</a:t>
+            </a:r>
+          </a:p>
+        </p:txBody>
+      </p:sp>
+      <p:sp>
+        <p:nvSpPr>
+          <p:cNvPr id="8" name="Text Placeholder 7"/>
+          <p:cNvSpPr>
+            <a:spLocks noGrp="1"/>
+          </p:cNvSpPr>
+          <p:nvPr>
+            <p:ph type="body" idx="1"/>
+          </p:nvPr>
+        </p:nvSpPr>
+        <p:spPr/>
+        <p:txBody>
+          <a:bodyPr>
+            <a:normAutofit/>
+          </a:bodyPr>
+          <a:lstStyle/>
+          <a:p>
+            <a:r>
+              <a:rPr lang="en-ZA" dirty="0"/>
+              <a:t>SQL injection - Enumeration.</a:t>
+            </a:r>
+          </a:p>
+        </p:txBody>
+      </p:sp>
+      <p:pic>
+        <p:nvPicPr>
+          <p:cNvPr id="4" name="Picture 3"/>
+          <p:cNvPicPr>
+            <a:picLocks noChangeAspect="1"/>
+          </p:cNvPicPr>
+          <p:nvPr/>
+        </p:nvPicPr>
+        <p:blipFill>
+          <a:blip r:embed="rId2"/>
+          <a:stretch>
+            <a:fillRect/>
+          </a:stretch>
+        </p:blipFill>
+        <p:spPr>
+          <a:xfrm>
+            <a:off x="323528" y="1203598"/>
+            <a:ext cx="2692957" cy="3253780"/>
+          </a:xfrm>
+          <a:prstGeom prst="rect">
+            <a:avLst/>
+          </a:prstGeom>
+          <a:effectLst>
+            <a:outerShdw blurRad="50800" dist="38100" dir="2700000" algn="tl" rotWithShape="0">
+              <a:prstClr val="black">
+                <a:alpha val="40000"/>
+              </a:prstClr>
+            </a:outerShdw>
+          </a:effectLst>
+        </p:spPr>
+      </p:pic>
+      <p:sp>
+        <p:nvSpPr>
+          <p:cNvPr id="7" name="TextBox 6"/>
+          <p:cNvSpPr txBox="1"/>
+          <p:nvPr/>
+        </p:nvSpPr>
+        <p:spPr>
+          <a:xfrm>
+            <a:off x="1682400" y="3219822"/>
+            <a:ext cx="1324803" cy="144016"/>
+          </a:xfrm>
+          <a:prstGeom prst="rect">
+            <a:avLst/>
+          </a:prstGeom>
+          <a:noFill/>
+          <a:ln w="19050">
+            <a:solidFill>
+              <a:schemeClr val="accent1"/>
+            </a:solidFill>
+          </a:ln>
+        </p:spPr>
+        <p:txBody>
+          <a:bodyPr wrap="square" rtlCol="0">
+            <a:spAutoFit/>
+          </a:bodyPr>
+          <a:lstStyle/>
+          <a:p>
+            <a:endParaRPr lang="en-ZA" sz="1600" dirty="0">
+              <a:solidFill>
+                <a:schemeClr val="tx1"/>
+              </a:solidFill>
+            </a:endParaRPr>
+          </a:p>
+        </p:txBody>
+      </p:sp>
+      <p:sp>
+        <p:nvSpPr>
+          <p:cNvPr id="5" name="TextBox 4"/>
+          <p:cNvSpPr txBox="1"/>
+          <p:nvPr/>
+        </p:nvSpPr>
+        <p:spPr>
+          <a:xfrm>
+            <a:off x="3347864" y="1615642"/>
+            <a:ext cx="5400600" cy="584775"/>
+          </a:xfrm>
+          <a:prstGeom prst="rect">
+            <a:avLst/>
+          </a:prstGeom>
+          <a:noFill/>
+        </p:spPr>
+        <p:txBody>
+          <a:bodyPr wrap="square" rtlCol="0">
+            <a:spAutoFit/>
+          </a:bodyPr>
+          <a:lstStyle/>
+          <a:p>
+            <a:r>
+              <a:rPr lang="en-ZA" sz="1600" dirty="0"/>
+              <a:t>SELECT Id, Name, Model FROM </a:t>
+            </a:r>
+            <a:r>
+              <a:rPr lang="en-ZA" sz="1600" dirty="0" err="1"/>
+              <a:t>MotorBikes</a:t>
+            </a:r>
+            <a:r>
+              <a:rPr lang="en-ZA" sz="1600" dirty="0"/>
+              <a:t> WHERE CC = '1000' </a:t>
+            </a:r>
+            <a:r>
+              <a:rPr lang="en-ZA" sz="1600" b="1" dirty="0"/>
+              <a:t>and </a:t>
+            </a:r>
+            <a:r>
+              <a:rPr lang="en-ZA" sz="1600" b="1" dirty="0" err="1"/>
+              <a:t>ascii</a:t>
+            </a:r>
+            <a:r>
+              <a:rPr lang="en-ZA" sz="1600" b="1" dirty="0"/>
+              <a:t>(substring((database()),1,1))&lt;</a:t>
+            </a:r>
+            <a:r>
+              <a:rPr lang="en-ZA" sz="1600" b="1" dirty="0">
+                <a:solidFill>
+                  <a:srgbClr val="FF0000"/>
+                </a:solidFill>
+              </a:rPr>
+              <a:t>122</a:t>
+            </a:r>
+            <a:r>
+              <a:rPr lang="en-ZA" sz="1600" b="1" dirty="0"/>
+              <a:t> and 'x'='x‘</a:t>
+            </a:r>
+          </a:p>
+        </p:txBody>
+      </p:sp>
+      <p:sp>
+        <p:nvSpPr>
+          <p:cNvPr id="6" name="TextBox 5"/>
+          <p:cNvSpPr txBox="1"/>
+          <p:nvPr/>
+        </p:nvSpPr>
+        <p:spPr>
+          <a:xfrm>
+            <a:off x="3347864" y="2322657"/>
+            <a:ext cx="5256584" cy="338554"/>
+          </a:xfrm>
+          <a:prstGeom prst="rect">
+            <a:avLst/>
+          </a:prstGeom>
+          <a:noFill/>
+        </p:spPr>
+        <p:txBody>
+          <a:bodyPr wrap="square" rtlCol="0">
+            <a:spAutoFit/>
+          </a:bodyPr>
+          <a:lstStyle/>
+          <a:p>
+            <a:r>
+              <a:rPr lang="en-ZA" sz="1600" dirty="0"/>
+              <a:t>and </a:t>
+            </a:r>
+            <a:r>
+              <a:rPr lang="en-ZA" sz="1600" dirty="0" err="1"/>
+              <a:t>ascii</a:t>
+            </a:r>
+            <a:r>
+              <a:rPr lang="en-ZA" sz="1600" dirty="0"/>
+              <a:t>(substring((database()),</a:t>
+            </a:r>
+            <a:r>
+              <a:rPr lang="en-ZA" sz="1600" b="1" dirty="0">
+                <a:solidFill>
+                  <a:srgbClr val="FF0000"/>
+                </a:solidFill>
+              </a:rPr>
+              <a:t>1</a:t>
+            </a:r>
+            <a:r>
+              <a:rPr lang="en-ZA" sz="1600" dirty="0"/>
+              <a:t>,1))=</a:t>
+            </a:r>
+            <a:r>
+              <a:rPr lang="en-ZA" sz="1600" b="1" dirty="0">
+                <a:solidFill>
+                  <a:srgbClr val="FF0000"/>
+                </a:solidFill>
+              </a:rPr>
+              <a:t>112 </a:t>
+            </a:r>
+            <a:r>
+              <a:rPr lang="en-ZA" sz="1600" dirty="0"/>
+              <a:t>… p</a:t>
+            </a:r>
+          </a:p>
+        </p:txBody>
+      </p:sp>
+      <p:sp>
+        <p:nvSpPr>
+          <p:cNvPr id="11" name="TextBox 10"/>
+          <p:cNvSpPr txBox="1"/>
+          <p:nvPr/>
+        </p:nvSpPr>
+        <p:spPr>
+          <a:xfrm>
+            <a:off x="3347864" y="2779851"/>
+            <a:ext cx="5112568" cy="338554"/>
+          </a:xfrm>
+          <a:prstGeom prst="rect">
+            <a:avLst/>
+          </a:prstGeom>
+          <a:noFill/>
+        </p:spPr>
+        <p:txBody>
+          <a:bodyPr wrap="square" rtlCol="0">
+            <a:spAutoFit/>
+          </a:bodyPr>
+          <a:lstStyle/>
+          <a:p>
+            <a:r>
+              <a:rPr lang="en-ZA" sz="1600" dirty="0"/>
+              <a:t>and </a:t>
+            </a:r>
+            <a:r>
+              <a:rPr lang="en-ZA" sz="1600" dirty="0" err="1"/>
+              <a:t>ascii</a:t>
+            </a:r>
+            <a:r>
+              <a:rPr lang="en-ZA" sz="1600" dirty="0"/>
+              <a:t>(substring((database()),</a:t>
+            </a:r>
+            <a:r>
+              <a:rPr lang="en-ZA" sz="1600" b="1" dirty="0">
+                <a:solidFill>
+                  <a:srgbClr val="FF0000"/>
+                </a:solidFill>
+              </a:rPr>
+              <a:t>2</a:t>
+            </a:r>
+            <a:r>
+              <a:rPr lang="en-ZA" sz="1600" dirty="0"/>
+              <a:t>,1))=</a:t>
+            </a:r>
+            <a:r>
+              <a:rPr lang="en-ZA" sz="1600" b="1" dirty="0">
+                <a:solidFill>
+                  <a:srgbClr val="FF0000"/>
+                </a:solidFill>
+              </a:rPr>
+              <a:t>101</a:t>
+            </a:r>
+            <a:r>
+              <a:rPr lang="en-ZA" sz="1600" dirty="0"/>
+              <a:t> … e</a:t>
+            </a:r>
+          </a:p>
+        </p:txBody>
+      </p:sp>
+      <p:sp>
+        <p:nvSpPr>
+          <p:cNvPr id="12" name="TextBox 11"/>
+          <p:cNvSpPr txBox="1"/>
+          <p:nvPr/>
+        </p:nvSpPr>
+        <p:spPr>
+          <a:xfrm>
+            <a:off x="3347864" y="3237045"/>
+            <a:ext cx="3987245" cy="338554"/>
+          </a:xfrm>
+          <a:prstGeom prst="rect">
+            <a:avLst/>
+          </a:prstGeom>
+          <a:noFill/>
+        </p:spPr>
+        <p:txBody>
+          <a:bodyPr wrap="none" rtlCol="0">
+            <a:spAutoFit/>
+          </a:bodyPr>
+          <a:lstStyle/>
+          <a:p>
+            <a:r>
+              <a:rPr lang="en-ZA" sz="1600" dirty="0"/>
+              <a:t>and </a:t>
+            </a:r>
+            <a:r>
+              <a:rPr lang="en-ZA" sz="1600" dirty="0" err="1"/>
+              <a:t>ascii</a:t>
+            </a:r>
+            <a:r>
+              <a:rPr lang="en-ZA" sz="1600" dirty="0"/>
+              <a:t>(substring((database()),</a:t>
+            </a:r>
+            <a:r>
+              <a:rPr lang="en-ZA" sz="1600" b="1" dirty="0">
+                <a:solidFill>
+                  <a:srgbClr val="FF0000"/>
+                </a:solidFill>
+              </a:rPr>
+              <a:t>3</a:t>
+            </a:r>
+            <a:r>
+              <a:rPr lang="en-ZA" sz="1600" dirty="0"/>
+              <a:t>,1))=</a:t>
+            </a:r>
+            <a:r>
+              <a:rPr lang="en-ZA" sz="1600" b="1" dirty="0">
+                <a:solidFill>
+                  <a:srgbClr val="FF0000"/>
+                </a:solidFill>
+              </a:rPr>
+              <a:t>110</a:t>
+            </a:r>
+            <a:r>
+              <a:rPr lang="en-ZA" sz="1600" dirty="0"/>
+              <a:t> … n</a:t>
+            </a:r>
+          </a:p>
+        </p:txBody>
+      </p:sp>
+      <p:sp>
+        <p:nvSpPr>
+          <p:cNvPr id="14" name="TextBox 13"/>
+          <p:cNvSpPr txBox="1"/>
+          <p:nvPr/>
+        </p:nvSpPr>
+        <p:spPr>
+          <a:xfrm>
+            <a:off x="1663021" y="1923678"/>
+            <a:ext cx="1324803" cy="144016"/>
+          </a:xfrm>
+          <a:prstGeom prst="rect">
+            <a:avLst/>
+          </a:prstGeom>
+          <a:noFill/>
+          <a:ln w="19050">
+            <a:solidFill>
+              <a:schemeClr val="accent1"/>
+            </a:solidFill>
+          </a:ln>
+        </p:spPr>
+        <p:txBody>
+          <a:bodyPr wrap="square" rtlCol="0">
+            <a:spAutoFit/>
+          </a:bodyPr>
+          <a:lstStyle/>
+          <a:p>
+            <a:endParaRPr lang="en-ZA" sz="1600" dirty="0">
+              <a:solidFill>
+                <a:schemeClr val="tx1"/>
+              </a:solidFill>
+            </a:endParaRPr>
+          </a:p>
+        </p:txBody>
+      </p:sp>
+      <p:sp>
+        <p:nvSpPr>
+          <p:cNvPr id="15" name="TextBox 14"/>
+          <p:cNvSpPr txBox="1"/>
+          <p:nvPr/>
+        </p:nvSpPr>
+        <p:spPr>
+          <a:xfrm>
+            <a:off x="1691681" y="2949237"/>
+            <a:ext cx="1324803" cy="144016"/>
+          </a:xfrm>
+          <a:prstGeom prst="rect">
+            <a:avLst/>
+          </a:prstGeom>
+          <a:noFill/>
+          <a:ln w="19050">
+            <a:solidFill>
+              <a:schemeClr val="accent1"/>
+            </a:solidFill>
+          </a:ln>
+        </p:spPr>
+        <p:txBody>
+          <a:bodyPr wrap="square" rtlCol="0">
+            <a:spAutoFit/>
+          </a:bodyPr>
+          <a:lstStyle/>
+          <a:p>
+            <a:endParaRPr lang="en-ZA" sz="1600" dirty="0">
+              <a:solidFill>
+                <a:schemeClr val="tx1"/>
+              </a:solidFill>
+            </a:endParaRPr>
+          </a:p>
+        </p:txBody>
+      </p:sp>
+    </p:spTree>
+    <p:extLst>
+      <p:ext uri="{BB962C8B-B14F-4D97-AF65-F5344CB8AC3E}">
+        <p14:creationId xmlns:p14="http://schemas.microsoft.com/office/powerpoint/2010/main" val="3312490569"/>
+      </p:ext>
+    </p:extLst>
+  </p:cSld>
+  <p:clrMapOvr>
+    <a:masterClrMapping/>
+  </p:clrMapOvr>
+  <p:timing>
+    <p:tnLst>
+      <p:par>
+        <p:cTn id="1" dur="indefinite" restart="never" nodeType="tmRoot">
+          <p:childTnLst>
+            <p:seq concurrent="1" nextAc="seek">
+              <p:cTn id="2" dur="indefinite" nodeType="mainSeq">
+                <p:childTnLst>
+                  <p:par>
+                    <p:cTn id="3" fill="hold">
+                      <p:stCondLst>
+                        <p:cond delay="indefinite"/>
+                      </p:stCondLst>
+                      <p:childTnLst>
+                        <p:par>
+                          <p:cTn id="4" fill="hold">
+                            <p:stCondLst>
+                              <p:cond delay="0"/>
+                            </p:stCondLst>
+                            <p:childTnLst>
+                              <p:par>
+                                <p:cTn id="5" presetID="1" presetClass="entr" presetSubtype="0" fill="hold" grpId="0" nodeType="clickEffect">
+                                  <p:stCondLst>
+                                    <p:cond delay="0"/>
+                                  </p:stCondLst>
+                                  <p:childTnLst>
+                                    <p:set>
+                                      <p:cBhvr>
+                                        <p:cTn id="6" dur="1" fill="hold">
+                                          <p:stCondLst>
+                                            <p:cond delay="0"/>
+                                          </p:stCondLst>
+                                        </p:cTn>
+                                        <p:tgtEl>
+                                          <p:spTgt spid="5"/>
+                                        </p:tgtEl>
+                                        <p:attrNameLst>
+                                          <p:attrName>style.visibility</p:attrName>
+                                        </p:attrNameLst>
+                                      </p:cBhvr>
+                                      <p:to>
+                                        <p:strVal val="visible"/>
+                                      </p:to>
+                                    </p:set>
+                                  </p:childTnLst>
+                                </p:cTn>
+                              </p:par>
+                            </p:childTnLst>
+                          </p:cTn>
+                        </p:par>
+                      </p:childTnLst>
+                    </p:cTn>
+                  </p:par>
+                  <p:par>
+                    <p:cTn id="7" fill="hold">
+                      <p:stCondLst>
+                        <p:cond delay="indefinite"/>
+                      </p:stCondLst>
+                      <p:childTnLst>
+                        <p:par>
+                          <p:cTn id="8" fill="hold">
+                            <p:stCondLst>
+                              <p:cond delay="0"/>
+                            </p:stCondLst>
+                            <p:childTnLst>
+                              <p:par>
+                                <p:cTn id="9" presetID="1" presetClass="entr" presetSubtype="0" fill="hold" grpId="0" nodeType="clickEffect">
+                                  <p:stCondLst>
+                                    <p:cond delay="0"/>
+                                  </p:stCondLst>
+                                  <p:childTnLst>
+                                    <p:set>
+                                      <p:cBhvr>
+                                        <p:cTn id="10" dur="1" fill="hold">
+                                          <p:stCondLst>
+                                            <p:cond delay="0"/>
+                                          </p:stCondLst>
+                                        </p:cTn>
+                                        <p:tgtEl>
+                                          <p:spTgt spid="6"/>
+                                        </p:tgtEl>
+                                        <p:attrNameLst>
+                                          <p:attrName>style.visibility</p:attrName>
+                                        </p:attrNameLst>
+                                      </p:cBhvr>
+                                      <p:to>
+                                        <p:strVal val="visible"/>
+                                      </p:to>
+                                    </p:set>
+                                  </p:childTnLst>
+                                </p:cTn>
+                              </p:par>
+                              <p:par>
+                                <p:cTn id="11" presetID="1" presetClass="entr" presetSubtype="0" fill="hold" grpId="0" nodeType="withEffect">
+                                  <p:stCondLst>
+                                    <p:cond delay="0"/>
+                                  </p:stCondLst>
+                                  <p:childTnLst>
+                                    <p:set>
+                                      <p:cBhvr>
+                                        <p:cTn id="12" dur="1" fill="hold">
+                                          <p:stCondLst>
+                                            <p:cond delay="0"/>
+                                          </p:stCondLst>
+                                        </p:cTn>
+                                        <p:tgtEl>
+                                          <p:spTgt spid="7"/>
+                                        </p:tgtEl>
+                                        <p:attrNameLst>
+                                          <p:attrName>style.visibility</p:attrName>
+                                        </p:attrNameLst>
+                                      </p:cBhvr>
+                                      <p:to>
+                                        <p:strVal val="visible"/>
+                                      </p:to>
+                                    </p:set>
+                                  </p:childTnLst>
+                                </p:cTn>
+                              </p:par>
+                            </p:childTnLst>
+                          </p:cTn>
+                        </p:par>
+                      </p:childTnLst>
+                    </p:cTn>
+                  </p:par>
+                  <p:par>
+                    <p:cTn id="13" fill="hold">
+                      <p:stCondLst>
+                        <p:cond delay="indefinite"/>
+                      </p:stCondLst>
+                      <p:childTnLst>
+                        <p:par>
+                          <p:cTn id="14" fill="hold">
+                            <p:stCondLst>
+                              <p:cond delay="0"/>
+                            </p:stCondLst>
+                            <p:childTnLst>
+                              <p:par>
+                                <p:cTn id="15" presetID="1" presetClass="entr" presetSubtype="0" fill="hold" grpId="0" nodeType="clickEffect">
+                                  <p:stCondLst>
+                                    <p:cond delay="0"/>
+                                  </p:stCondLst>
+                                  <p:childTnLst>
+                                    <p:set>
+                                      <p:cBhvr>
+                                        <p:cTn id="16" dur="1" fill="hold">
+                                          <p:stCondLst>
+                                            <p:cond delay="0"/>
+                                          </p:stCondLst>
+                                        </p:cTn>
+                                        <p:tgtEl>
+                                          <p:spTgt spid="11"/>
+                                        </p:tgtEl>
+                                        <p:attrNameLst>
+                                          <p:attrName>style.visibility</p:attrName>
+                                        </p:attrNameLst>
+                                      </p:cBhvr>
+                                      <p:to>
+                                        <p:strVal val="visible"/>
+                                      </p:to>
+                                    </p:set>
+                                  </p:childTnLst>
+                                </p:cTn>
+                              </p:par>
+                              <p:par>
+                                <p:cTn id="17" presetID="1" presetClass="entr" presetSubtype="0" fill="hold" grpId="0" nodeType="withEffect">
+                                  <p:stCondLst>
+                                    <p:cond delay="0"/>
+                                  </p:stCondLst>
+                                  <p:childTnLst>
+                                    <p:set>
+                                      <p:cBhvr>
+                                        <p:cTn id="18" dur="1" fill="hold">
+                                          <p:stCondLst>
+                                            <p:cond delay="0"/>
+                                          </p:stCondLst>
+                                        </p:cTn>
+                                        <p:tgtEl>
+                                          <p:spTgt spid="14"/>
+                                        </p:tgtEl>
+                                        <p:attrNameLst>
+                                          <p:attrName>style.visibility</p:attrName>
+                                        </p:attrNameLst>
+                                      </p:cBhvr>
+                                      <p:to>
+                                        <p:strVal val="visible"/>
+                                      </p:to>
+                                    </p:set>
+                                  </p:childTnLst>
+                                </p:cTn>
+                              </p:par>
+                            </p:childTnLst>
+                          </p:cTn>
+                        </p:par>
+                      </p:childTnLst>
+                    </p:cTn>
+                  </p:par>
+                  <p:par>
+                    <p:cTn id="19" fill="hold">
+                      <p:stCondLst>
+                        <p:cond delay="indefinite"/>
+                      </p:stCondLst>
+                      <p:childTnLst>
+                        <p:par>
+                          <p:cTn id="20" fill="hold">
+                            <p:stCondLst>
+                              <p:cond delay="0"/>
+                            </p:stCondLst>
+                            <p:childTnLst>
+                              <p:par>
+                                <p:cTn id="21" presetID="1" presetClass="entr" presetSubtype="0" fill="hold" grpId="0" nodeType="clickEffect">
+                                  <p:stCondLst>
+                                    <p:cond delay="0"/>
+                                  </p:stCondLst>
+                                  <p:childTnLst>
+                                    <p:set>
+                                      <p:cBhvr>
+                                        <p:cTn id="22" dur="1" fill="hold">
+                                          <p:stCondLst>
+                                            <p:cond delay="0"/>
+                                          </p:stCondLst>
+                                        </p:cTn>
+                                        <p:tgtEl>
+                                          <p:spTgt spid="12"/>
+                                        </p:tgtEl>
+                                        <p:attrNameLst>
+                                          <p:attrName>style.visibility</p:attrName>
+                                        </p:attrNameLst>
+                                      </p:cBhvr>
+                                      <p:to>
+                                        <p:strVal val="visible"/>
+                                      </p:to>
+                                    </p:set>
+                                  </p:childTnLst>
+                                </p:cTn>
+                              </p:par>
+                              <p:par>
+                                <p:cTn id="23" presetID="1" presetClass="entr" presetSubtype="0" fill="hold" grpId="0" nodeType="withEffect">
+                                  <p:stCondLst>
+                                    <p:cond delay="0"/>
+                                  </p:stCondLst>
+                                  <p:childTnLst>
+                                    <p:set>
+                                      <p:cBhvr>
+                                        <p:cTn id="24" dur="1" fill="hold">
+                                          <p:stCondLst>
+                                            <p:cond delay="0"/>
+                                          </p:stCondLst>
+                                        </p:cTn>
+                                        <p:tgtEl>
+                                          <p:spTgt spid="15"/>
+                                        </p:tgtEl>
+                                        <p:attrNameLst>
+                                          <p:attrName>style.visibility</p:attrName>
+                                        </p:attrNameLst>
+                                      </p:cBhvr>
+                                      <p:to>
+                                        <p:strVal val="visible"/>
+                                      </p:to>
+                                    </p:set>
+                                  </p:childTnLst>
+                                </p:cTn>
+                              </p:par>
+                            </p:childTnLst>
+                          </p:cTn>
+                        </p:par>
+                      </p:childTnLst>
+                    </p:cTn>
+                  </p:par>
+                </p:childTnLst>
+              </p:cTn>
+              <p:prevCondLst>
+                <p:cond evt="onPrev" delay="0">
+                  <p:tgtEl>
+                    <p:sldTgt/>
+                  </p:tgtEl>
+                </p:cond>
+              </p:prevCondLst>
+              <p:nextCondLst>
+                <p:cond evt="onNext" delay="0">
+                  <p:tgtEl>
+                    <p:sldTgt/>
+                  </p:tgtEl>
+                </p:cond>
+              </p:nextCondLst>
+            </p:seq>
+          </p:childTnLst>
+        </p:cTn>
+      </p:par>
+    </p:tnLst>
+    <p:bldLst>
+      <p:bldP spid="7" grpId="0" animBg="1"/>
+      <p:bldP spid="5" grpId="0"/>
+      <p:bldP spid="6" grpId="0"/>
+      <p:bldP spid="11" grpId="0"/>
+      <p:bldP spid="12" grpId="0"/>
+      <p:bldP spid="14" grpId="0" animBg="1"/>
+      <p:bldP spid="15" grpId="0" animBg="1"/>
+    </p:bldLst>
+  </p:timing>
+</p:sld>
+</file>
+
+<file path=ppt/slides/slide34.xml><?xml version="1.0" encoding="utf-8"?>
+<p:sld xmlns:a="http://schemas.openxmlformats.org/drawingml/2006/main" xmlns:r="http://schemas.openxmlformats.org/officeDocument/2006/relationships" xmlns:p="http://schemas.openxmlformats.org/presentationml/2006/main">
+  <p:cSld>
+    <p:spTree>
+      <p:nvGrpSpPr>
+        <p:cNvPr id="1" name=""/>
+        <p:cNvGrpSpPr/>
+        <p:nvPr/>
+      </p:nvGrpSpPr>
+      <p:grpSpPr>
+        <a:xfrm>
+          <a:off x="0" y="0"/>
+          <a:ext cx="0" cy="0"/>
+          <a:chOff x="0" y="0"/>
+          <a:chExt cx="0" cy="0"/>
+        </a:xfrm>
+      </p:grpSpPr>
+      <p:sp>
+        <p:nvSpPr>
+          <p:cNvPr id="13" name="Text Placeholder 12"/>
+          <p:cNvSpPr>
+            <a:spLocks noGrp="1"/>
+          </p:cNvSpPr>
+          <p:nvPr>
+            <p:ph type="body" sz="quarter" idx="10"/>
+          </p:nvPr>
+        </p:nvSpPr>
+        <p:spPr>
+          <a:xfrm>
+            <a:off x="498608" y="1329612"/>
+            <a:ext cx="8537888" cy="3510390"/>
+          </a:xfrm>
+        </p:spPr>
+        <p:txBody>
+          <a:bodyPr/>
+          <a:lstStyle/>
+          <a:p>
+            <a:r>
+              <a:rPr lang="en-ZA" dirty="0"/>
+              <a:t>Whitelist your string input or protect with regex.</a:t>
+            </a:r>
+          </a:p>
+          <a:p>
+            <a:endParaRPr lang="en-ZA" dirty="0"/>
+          </a:p>
+          <a:p>
+            <a:pPr marL="0" indent="0">
+              <a:buNone/>
+            </a:pPr>
+            <a:endParaRPr lang="en-ZA" dirty="0"/>
+          </a:p>
+          <a:p>
+            <a:endParaRPr lang="en-ZA" dirty="0"/>
+          </a:p>
+        </p:txBody>
+      </p:sp>
+      <p:sp>
+        <p:nvSpPr>
+          <p:cNvPr id="2" name="Title 1"/>
+          <p:cNvSpPr>
+            <a:spLocks noGrp="1"/>
+          </p:cNvSpPr>
+          <p:nvPr>
+            <p:ph type="title"/>
+          </p:nvPr>
+        </p:nvSpPr>
+        <p:spPr/>
+        <p:txBody>
+          <a:bodyPr/>
+          <a:lstStyle/>
+          <a:p>
+            <a:r>
+              <a:rPr lang="en-ZA" dirty="0"/>
+              <a:t>Penetration Testing</a:t>
+            </a:r>
+          </a:p>
+        </p:txBody>
+      </p:sp>
+      <p:sp>
+        <p:nvSpPr>
+          <p:cNvPr id="8" name="Text Placeholder 7"/>
+          <p:cNvSpPr>
+            <a:spLocks noGrp="1"/>
+          </p:cNvSpPr>
+          <p:nvPr>
+            <p:ph type="body" idx="1"/>
+          </p:nvPr>
+        </p:nvSpPr>
+        <p:spPr/>
+        <p:txBody>
+          <a:bodyPr>
+            <a:normAutofit/>
+          </a:bodyPr>
+          <a:lstStyle/>
+          <a:p>
+            <a:r>
+              <a:rPr lang="en-ZA" dirty="0"/>
+              <a:t>Securing against SQL injections.</a:t>
+            </a:r>
+          </a:p>
+        </p:txBody>
+      </p:sp>
+      <p:pic>
+        <p:nvPicPr>
+          <p:cNvPr id="4" name="Picture 3"/>
+          <p:cNvPicPr>
+            <a:picLocks noChangeAspect="1"/>
+          </p:cNvPicPr>
+          <p:nvPr/>
+        </p:nvPicPr>
+        <p:blipFill>
+          <a:blip r:embed="rId2"/>
+          <a:stretch>
+            <a:fillRect/>
+          </a:stretch>
+        </p:blipFill>
+        <p:spPr>
+          <a:xfrm>
+            <a:off x="899592" y="1779661"/>
+            <a:ext cx="6192688" cy="2827097"/>
+          </a:xfrm>
+          <a:prstGeom prst="rect">
+            <a:avLst/>
+          </a:prstGeom>
+          <a:effectLst>
+            <a:glow rad="63500">
+              <a:schemeClr val="accent2">
+                <a:satMod val="175000"/>
+                <a:alpha val="40000"/>
+              </a:schemeClr>
+            </a:glow>
+            <a:outerShdw blurRad="50800" dist="38100" dir="2700000" algn="tl" rotWithShape="0">
+              <a:prstClr val="black">
+                <a:alpha val="40000"/>
+              </a:prstClr>
+            </a:outerShdw>
+            <a:softEdge rad="12700"/>
+          </a:effectLst>
+        </p:spPr>
+      </p:pic>
+    </p:spTree>
+    <p:extLst>
+      <p:ext uri="{BB962C8B-B14F-4D97-AF65-F5344CB8AC3E}">
+        <p14:creationId xmlns:p14="http://schemas.microsoft.com/office/powerpoint/2010/main" val="1416094923"/>
+      </p:ext>
+    </p:extLst>
+  </p:cSld>
+  <p:clrMapOvr>
+    <a:masterClrMapping/>
+  </p:clrMapOvr>
+</p:sld>
+</file>
+
+<file path=ppt/slides/slide35.xml><?xml version="1.0" encoding="utf-8"?>
+<p:sld xmlns:a="http://schemas.openxmlformats.org/drawingml/2006/main" xmlns:r="http://schemas.openxmlformats.org/officeDocument/2006/relationships" xmlns:p="http://schemas.openxmlformats.org/presentationml/2006/main">
+  <p:cSld>
+    <p:spTree>
+      <p:nvGrpSpPr>
+        <p:cNvPr id="1" name=""/>
+        <p:cNvGrpSpPr/>
+        <p:nvPr/>
+      </p:nvGrpSpPr>
+      <p:grpSpPr>
+        <a:xfrm>
+          <a:off x="0" y="0"/>
+          <a:ext cx="0" cy="0"/>
+          <a:chOff x="0" y="0"/>
+          <a:chExt cx="0" cy="0"/>
+        </a:xfrm>
+      </p:grpSpPr>
+      <p:sp>
+        <p:nvSpPr>
+          <p:cNvPr id="13" name="Text Placeholder 12"/>
+          <p:cNvSpPr>
+            <a:spLocks noGrp="1"/>
+          </p:cNvSpPr>
+          <p:nvPr>
+            <p:ph type="body" sz="quarter" idx="10"/>
+          </p:nvPr>
+        </p:nvSpPr>
+        <p:spPr>
+          <a:xfrm>
+            <a:off x="498608" y="1329612"/>
+            <a:ext cx="8537888" cy="3510390"/>
+          </a:xfrm>
+        </p:spPr>
+        <p:txBody>
+          <a:bodyPr/>
+          <a:lstStyle/>
+          <a:p>
+            <a:r>
+              <a:rPr lang="en-ZA" dirty="0"/>
+              <a:t>If you are going to use SQL in your code ensure it is parameterised.</a:t>
+            </a:r>
+          </a:p>
+          <a:p>
+            <a:endParaRPr lang="en-ZA" dirty="0"/>
+          </a:p>
+          <a:p>
+            <a:r>
+              <a:rPr lang="en-ZA" dirty="0"/>
+              <a:t>Entity Framework Security considerations:</a:t>
+            </a:r>
+            <a:br>
+              <a:rPr lang="en-ZA" dirty="0"/>
+            </a:br>
+            <a:r>
+              <a:rPr lang="en-ZA" dirty="0">
+                <a:hlinkClick r:id="rId2"/>
+              </a:rPr>
+              <a:t>https://msdn.microsoft.com/en-us/library/cc716760.aspx</a:t>
+            </a:r>
+            <a:endParaRPr lang="en-ZA" dirty="0"/>
+          </a:p>
+          <a:p>
+            <a:endParaRPr lang="en-ZA" dirty="0"/>
+          </a:p>
+          <a:p>
+            <a:r>
+              <a:rPr lang="en-ZA" dirty="0"/>
+              <a:t>OData:</a:t>
+            </a:r>
+            <a:br>
+              <a:rPr lang="en-ZA" dirty="0"/>
+            </a:br>
+            <a:r>
+              <a:rPr lang="en-ZA" dirty="0">
+                <a:hlinkClick r:id="rId3"/>
+              </a:rPr>
+              <a:t>https://media.blackhat.com/ad-12/Kalra/bh-ad-12-Oyedata-Kalra-WP.pdf</a:t>
+            </a:r>
+            <a:endParaRPr lang="en-ZA" dirty="0"/>
+          </a:p>
+          <a:p>
+            <a:endParaRPr lang="en-ZA" dirty="0"/>
+          </a:p>
+          <a:p>
+            <a:pPr marL="0" indent="0">
+              <a:buNone/>
+            </a:pPr>
+            <a:endParaRPr lang="en-ZA" dirty="0"/>
+          </a:p>
+          <a:p>
+            <a:endParaRPr lang="en-ZA" dirty="0"/>
+          </a:p>
+        </p:txBody>
+      </p:sp>
+      <p:sp>
+        <p:nvSpPr>
+          <p:cNvPr id="2" name="Title 1"/>
+          <p:cNvSpPr>
+            <a:spLocks noGrp="1"/>
+          </p:cNvSpPr>
+          <p:nvPr>
+            <p:ph type="title"/>
+          </p:nvPr>
+        </p:nvSpPr>
+        <p:spPr/>
+        <p:txBody>
+          <a:bodyPr/>
+          <a:lstStyle/>
+          <a:p>
+            <a:r>
+              <a:rPr lang="en-ZA" dirty="0"/>
+              <a:t>Penetration Testing</a:t>
+            </a:r>
+          </a:p>
+        </p:txBody>
+      </p:sp>
+      <p:sp>
+        <p:nvSpPr>
+          <p:cNvPr id="8" name="Text Placeholder 7"/>
+          <p:cNvSpPr>
+            <a:spLocks noGrp="1"/>
+          </p:cNvSpPr>
+          <p:nvPr>
+            <p:ph type="body" idx="1"/>
+          </p:nvPr>
+        </p:nvSpPr>
+        <p:spPr/>
+        <p:txBody>
+          <a:bodyPr>
+            <a:normAutofit/>
+          </a:bodyPr>
+          <a:lstStyle/>
+          <a:p>
+            <a:r>
+              <a:rPr lang="en-ZA" dirty="0"/>
+              <a:t>Securing against SQL injections.</a:t>
+            </a:r>
+          </a:p>
+        </p:txBody>
+      </p:sp>
+    </p:spTree>
+    <p:extLst>
+      <p:ext uri="{BB962C8B-B14F-4D97-AF65-F5344CB8AC3E}">
+        <p14:creationId xmlns:p14="http://schemas.microsoft.com/office/powerpoint/2010/main" val="663156028"/>
+      </p:ext>
+    </p:extLst>
+  </p:cSld>
+  <p:clrMapOvr>
+    <a:masterClrMapping/>
+  </p:clrMapOvr>
+</p:sld>
+</file>
+
+<file path=ppt/slides/slide36.xml><?xml version="1.0" encoding="utf-8"?>
+<p:sld xmlns:a="http://schemas.openxmlformats.org/drawingml/2006/main" xmlns:r="http://schemas.openxmlformats.org/officeDocument/2006/relationships" xmlns:p="http://schemas.openxmlformats.org/presentationml/2006/main">
+  <p:cSld>
+    <p:spTree>
+      <p:nvGrpSpPr>
+        <p:cNvPr id="1" name=""/>
+        <p:cNvGrpSpPr/>
+        <p:nvPr/>
+      </p:nvGrpSpPr>
+      <p:grpSpPr>
+        <a:xfrm>
+          <a:off x="0" y="0"/>
+          <a:ext cx="0" cy="0"/>
+          <a:chOff x="0" y="0"/>
+          <a:chExt cx="0" cy="0"/>
+        </a:xfrm>
+      </p:grpSpPr>
+      <p:sp>
+        <p:nvSpPr>
+          <p:cNvPr id="13" name="Text Placeholder 12"/>
+          <p:cNvSpPr>
+            <a:spLocks noGrp="1"/>
+          </p:cNvSpPr>
+          <p:nvPr>
+            <p:ph type="body" sz="quarter" idx="10"/>
+          </p:nvPr>
+        </p:nvSpPr>
+        <p:spPr>
+          <a:xfrm>
+            <a:off x="498608" y="1329612"/>
+            <a:ext cx="8105839" cy="378042"/>
+          </a:xfrm>
+        </p:spPr>
+        <p:txBody>
+          <a:bodyPr>
+            <a:normAutofit/>
+          </a:bodyPr>
+          <a:lstStyle/>
+          <a:p>
+            <a:pPr lvl="1"/>
+            <a:endParaRPr lang="en-ZA" dirty="0"/>
+          </a:p>
+          <a:p>
+            <a:endParaRPr lang="en-ZA" dirty="0"/>
+          </a:p>
+        </p:txBody>
+      </p:sp>
+      <p:sp>
+        <p:nvSpPr>
+          <p:cNvPr id="2" name="Title 1"/>
+          <p:cNvSpPr>
+            <a:spLocks noGrp="1"/>
+          </p:cNvSpPr>
+          <p:nvPr>
+            <p:ph type="title"/>
+          </p:nvPr>
+        </p:nvSpPr>
+        <p:spPr/>
+        <p:txBody>
+          <a:bodyPr/>
+          <a:lstStyle/>
+          <a:p>
+            <a:r>
+              <a:rPr lang="en-ZA" dirty="0"/>
+              <a:t>Penetration Testing</a:t>
+            </a:r>
+          </a:p>
+        </p:txBody>
+      </p:sp>
+      <p:sp>
+        <p:nvSpPr>
+          <p:cNvPr id="8" name="Text Placeholder 7"/>
+          <p:cNvSpPr>
+            <a:spLocks noGrp="1"/>
+          </p:cNvSpPr>
+          <p:nvPr>
+            <p:ph type="body" idx="1"/>
+          </p:nvPr>
+        </p:nvSpPr>
+        <p:spPr/>
+        <p:txBody>
+          <a:bodyPr>
+            <a:normAutofit/>
+          </a:bodyPr>
+          <a:lstStyle/>
+          <a:p>
+            <a:r>
+              <a:rPr lang="en-ZA" dirty="0"/>
+              <a:t>BONUS Round - Some tools to help you automate since you suck at it!</a:t>
+            </a:r>
+          </a:p>
+          <a:p>
+            <a:pPr lvl="2"/>
+            <a:endParaRPr lang="en-ZA" dirty="0"/>
+          </a:p>
+          <a:p>
+            <a:endParaRPr lang="en-ZA" dirty="0"/>
+          </a:p>
+        </p:txBody>
+      </p:sp>
+      <p:sp>
+        <p:nvSpPr>
+          <p:cNvPr id="4" name="TextBox 3"/>
+          <p:cNvSpPr txBox="1"/>
+          <p:nvPr/>
+        </p:nvSpPr>
+        <p:spPr>
+          <a:xfrm>
+            <a:off x="268052" y="1226245"/>
+            <a:ext cx="1985160" cy="584775"/>
+          </a:xfrm>
+          <a:prstGeom prst="rect">
+            <a:avLst/>
+          </a:prstGeom>
+          <a:noFill/>
+        </p:spPr>
+        <p:txBody>
+          <a:bodyPr wrap="square" rtlCol="0">
+            <a:spAutoFit/>
+          </a:bodyPr>
+          <a:lstStyle/>
+          <a:p>
+            <a:r>
+              <a:rPr lang="en-ZA" sz="1600" dirty="0">
+                <a:solidFill>
+                  <a:schemeClr val="tx1"/>
+                </a:solidFill>
+              </a:rPr>
+              <a:t>Windows:</a:t>
+            </a:r>
+          </a:p>
+          <a:p>
+            <a:pPr marL="285750" indent="-285750">
+              <a:buFont typeface="Arial" panose="020B0604020202020204" pitchFamily="34" charset="0"/>
+              <a:buChar char="•"/>
+            </a:pPr>
+            <a:r>
+              <a:rPr lang="en-ZA" sz="1600" dirty="0" err="1"/>
+              <a:t>Havij</a:t>
+            </a:r>
+            <a:endParaRPr lang="en-ZA" sz="1600" dirty="0">
+              <a:solidFill>
+                <a:schemeClr val="tx1"/>
+              </a:solidFill>
+            </a:endParaRPr>
+          </a:p>
+        </p:txBody>
+      </p:sp>
+      <p:sp>
+        <p:nvSpPr>
+          <p:cNvPr id="9" name="TextBox 8"/>
+          <p:cNvSpPr txBox="1"/>
+          <p:nvPr/>
+        </p:nvSpPr>
+        <p:spPr>
+          <a:xfrm>
+            <a:off x="4644008" y="1203598"/>
+            <a:ext cx="1985160" cy="1077218"/>
+          </a:xfrm>
+          <a:prstGeom prst="rect">
+            <a:avLst/>
+          </a:prstGeom>
+          <a:noFill/>
+        </p:spPr>
+        <p:txBody>
+          <a:bodyPr wrap="square" rtlCol="0">
+            <a:spAutoFit/>
+          </a:bodyPr>
+          <a:lstStyle/>
+          <a:p>
+            <a:r>
+              <a:rPr lang="en-ZA" sz="1600" dirty="0">
+                <a:solidFill>
+                  <a:schemeClr val="tx1"/>
+                </a:solidFill>
+              </a:rPr>
+              <a:t>Linux:</a:t>
+            </a:r>
+          </a:p>
+          <a:p>
+            <a:pPr marL="285750" indent="-285750">
+              <a:buFont typeface="Arial" panose="020B0604020202020204" pitchFamily="34" charset="0"/>
+              <a:buChar char="•"/>
+            </a:pPr>
+            <a:r>
+              <a:rPr lang="en-ZA" sz="1600" dirty="0">
+                <a:solidFill>
+                  <a:schemeClr val="tx1"/>
+                </a:solidFill>
+              </a:rPr>
+              <a:t>Burp Suite</a:t>
+            </a:r>
+          </a:p>
+          <a:p>
+            <a:pPr marL="285750" indent="-285750">
+              <a:buFont typeface="Arial" panose="020B0604020202020204" pitchFamily="34" charset="0"/>
+              <a:buChar char="•"/>
+            </a:pPr>
+            <a:r>
+              <a:rPr lang="en-ZA" sz="1600" dirty="0"/>
+              <a:t>Vega</a:t>
+            </a:r>
+          </a:p>
+          <a:p>
+            <a:pPr marL="285750" indent="-285750">
+              <a:buFont typeface="Arial" panose="020B0604020202020204" pitchFamily="34" charset="0"/>
+              <a:buChar char="•"/>
+            </a:pPr>
+            <a:r>
+              <a:rPr lang="en-ZA" sz="1600" dirty="0" err="1">
+                <a:solidFill>
+                  <a:schemeClr val="tx1"/>
+                </a:solidFill>
+              </a:rPr>
+              <a:t>SqlMap</a:t>
+            </a:r>
+            <a:endParaRPr lang="en-ZA" sz="1600" dirty="0">
+              <a:solidFill>
+                <a:schemeClr val="tx1"/>
+              </a:solidFill>
+            </a:endParaRPr>
+          </a:p>
+        </p:txBody>
+      </p:sp>
+      <p:pic>
+        <p:nvPicPr>
+          <p:cNvPr id="6" name="Picture 5"/>
+          <p:cNvPicPr>
+            <a:picLocks noChangeAspect="1"/>
+          </p:cNvPicPr>
+          <p:nvPr/>
+        </p:nvPicPr>
+        <p:blipFill>
+          <a:blip r:embed="rId2"/>
+          <a:stretch>
+            <a:fillRect/>
+          </a:stretch>
+        </p:blipFill>
+        <p:spPr>
+          <a:xfrm>
+            <a:off x="1234163" y="1329612"/>
+            <a:ext cx="3337838" cy="3771454"/>
+          </a:xfrm>
+          <a:prstGeom prst="rect">
+            <a:avLst/>
+          </a:prstGeom>
+        </p:spPr>
+      </p:pic>
+      <p:pic>
+        <p:nvPicPr>
+          <p:cNvPr id="1028" name="Picture 4" descr="http://hacktub.com/wp-content/uploads/2016/06/burpsuite.png"/>
+          <p:cNvPicPr>
+            <a:picLocks noChangeAspect="1" noChangeArrowheads="1"/>
+          </p:cNvPicPr>
+          <p:nvPr/>
+        </p:nvPicPr>
+        <p:blipFill>
+          <a:blip r:embed="rId3">
+            <a:extLst>
+              <a:ext uri="{28A0092B-C50C-407E-A947-70E740481C1C}">
+                <a14:useLocalDpi xmlns:a14="http://schemas.microsoft.com/office/drawing/2010/main" val="0"/>
+              </a:ext>
+            </a:extLst>
+          </a:blip>
+          <a:srcRect/>
+          <a:stretch>
+            <a:fillRect/>
+          </a:stretch>
+        </p:blipFill>
+        <p:spPr bwMode="auto">
+          <a:xfrm>
+            <a:off x="5917270" y="1169307"/>
+            <a:ext cx="1567810" cy="1567810"/>
+          </a:xfrm>
+          <a:prstGeom prst="rect">
+            <a:avLst/>
+          </a:prstGeom>
+          <a:noFill/>
+          <a:extLst>
+            <a:ext uri="{909E8E84-426E-40DD-AFC4-6F175D3DCCD1}">
+              <a14:hiddenFill xmlns:a14="http://schemas.microsoft.com/office/drawing/2010/main">
+                <a:solidFill>
+                  <a:srgbClr val="FFFFFF"/>
+                </a:solidFill>
+              </a14:hiddenFill>
+            </a:ext>
+          </a:extLst>
+        </p:spPr>
+      </p:pic>
+      <p:pic>
+        <p:nvPicPr>
+          <p:cNvPr id="1030" name="Picture 6" descr="Image result"/>
+          <p:cNvPicPr>
+            <a:picLocks noChangeAspect="1" noChangeArrowheads="1"/>
+          </p:cNvPicPr>
+          <p:nvPr/>
+        </p:nvPicPr>
+        <p:blipFill>
+          <a:blip r:embed="rId4">
+            <a:extLst>
+              <a:ext uri="{28A0092B-C50C-407E-A947-70E740481C1C}">
+                <a14:useLocalDpi xmlns:a14="http://schemas.microsoft.com/office/drawing/2010/main" val="0"/>
+              </a:ext>
+            </a:extLst>
+          </a:blip>
+          <a:srcRect/>
+          <a:stretch>
+            <a:fillRect/>
+          </a:stretch>
+        </p:blipFill>
+        <p:spPr bwMode="auto">
+          <a:xfrm>
+            <a:off x="6228184" y="3651870"/>
+            <a:ext cx="2762250" cy="1076326"/>
+          </a:xfrm>
+          <a:prstGeom prst="rect">
+            <a:avLst/>
+          </a:prstGeom>
+          <a:noFill/>
+          <a:extLst>
+            <a:ext uri="{909E8E84-426E-40DD-AFC4-6F175D3DCCD1}">
+              <a14:hiddenFill xmlns:a14="http://schemas.microsoft.com/office/drawing/2010/main">
+                <a:solidFill>
+                  <a:srgbClr val="FFFFFF"/>
+                </a:solidFill>
+              </a14:hiddenFill>
+            </a:ext>
+          </a:extLst>
+        </p:spPr>
+      </p:pic>
+      <p:pic>
+        <p:nvPicPr>
+          <p:cNvPr id="1032" name="Picture 8" descr="Image result"/>
+          <p:cNvPicPr>
+            <a:picLocks noChangeAspect="1" noChangeArrowheads="1"/>
+          </p:cNvPicPr>
+          <p:nvPr/>
+        </p:nvPicPr>
+        <p:blipFill>
+          <a:blip r:embed="rId5">
+            <a:extLst>
+              <a:ext uri="{28A0092B-C50C-407E-A947-70E740481C1C}">
+                <a14:useLocalDpi xmlns:a14="http://schemas.microsoft.com/office/drawing/2010/main" val="0"/>
+              </a:ext>
+            </a:extLst>
+          </a:blip>
+          <a:srcRect/>
+          <a:stretch>
+            <a:fillRect/>
+          </a:stretch>
+        </p:blipFill>
+        <p:spPr bwMode="auto">
+          <a:xfrm>
+            <a:off x="6612078" y="2756343"/>
+            <a:ext cx="2095500" cy="876300"/>
+          </a:xfrm>
+          <a:prstGeom prst="rect">
+            <a:avLst/>
+          </a:prstGeom>
+          <a:noFill/>
+          <a:extLst>
+            <a:ext uri="{909E8E84-426E-40DD-AFC4-6F175D3DCCD1}">
+              <a14:hiddenFill xmlns:a14="http://schemas.microsoft.com/office/drawing/2010/main">
+                <a:solidFill>
+                  <a:srgbClr val="FFFFFF"/>
+                </a:solidFill>
+              </a14:hiddenFill>
+            </a:ext>
+          </a:extLst>
+        </p:spPr>
+      </p:pic>
+    </p:spTree>
+    <p:extLst>
+      <p:ext uri="{BB962C8B-B14F-4D97-AF65-F5344CB8AC3E}">
+        <p14:creationId xmlns:p14="http://schemas.microsoft.com/office/powerpoint/2010/main" val="4160213362"/>
       </p:ext>
     </p:extLst>
   </p:cSld>
@@ -17298,7 +22246,6 @@
               <a:rPr lang="en-ZA" dirty="0"/>
               <a:t>Standard security controls and libraries</a:t>
             </a:r>
-            <a:endParaRPr lang="en-ZA" dirty="0"/>
           </a:p>
         </p:txBody>
       </p:sp>
@@ -17807,7 +22754,6 @@
               <a:rPr lang="en-ZA" dirty="0"/>
               <a:t>Why make it persistent?</a:t>
             </a:r>
-            <a:endParaRPr lang="en-ZA" dirty="0"/>
           </a:p>
         </p:txBody>
       </p:sp>
@@ -17852,11 +22798,7 @@
           <a:p>
             <a:r>
               <a:rPr lang="en-ZA" dirty="0"/>
-              <a:t>Create a bootable penetration testing USB drive from Windows</a:t>
-            </a:r>
-            <a:r>
-              <a:rPr lang="en-ZA" dirty="0"/>
-              <a:t>.</a:t>
+              <a:t>Create a bootable penetration testing USB drive from Windows.</a:t>
             </a:r>
           </a:p>
         </p:txBody>
@@ -17971,11 +22913,7 @@
           <a:p>
             <a:r>
               <a:rPr lang="en-ZA" dirty="0"/>
-              <a:t>Create a bootable penetration testing USB drive from Windows</a:t>
-            </a:r>
-            <a:r>
-              <a:rPr lang="en-ZA" dirty="0"/>
-              <a:t>.</a:t>
+              <a:t>Create a bootable penetration testing USB drive from Windows.</a:t>
             </a:r>
           </a:p>
         </p:txBody>
@@ -18029,7 +22967,6 @@
               <a:rPr lang="en-ZA" dirty="0"/>
               <a:t>Rufus:</a:t>
             </a:r>
-            <a:endParaRPr lang="en-ZA" dirty="0"/>
           </a:p>
           <a:p>
             <a:endParaRPr lang="en-ZA" dirty="0"/>
@@ -18077,11 +23014,7 @@
           <a:p>
             <a:r>
               <a:rPr lang="en-ZA" dirty="0"/>
-              <a:t>Create a bootable penetration testing USB drive from Windows</a:t>
-            </a:r>
-            <a:r>
-              <a:rPr lang="en-ZA" dirty="0"/>
-              <a:t>.</a:t>
+              <a:t>Create a bootable penetration testing USB drive from Windows.</a:t>
             </a:r>
           </a:p>
         </p:txBody>
@@ -19810,12 +24743,11 @@
 </file>
 
 <file path=customXml/item1.xml><?xml version="1.0" encoding="utf-8"?>
-<?mso-contentType ?>
-<FormTemplates xmlns="http://schemas.microsoft.com/sharepoint/v3/contenttype/forms">
-  <Display>DocumentLibraryForm</Display>
-  <Edit>DocumentLibraryForm</Edit>
-  <New>DocumentLibraryForm</New>
-</FormTemplates>
+<p:properties xmlns:p="http://schemas.microsoft.com/office/2006/metadata/properties" xmlns:xsi="http://www.w3.org/2001/XMLSchema-instance" xmlns:pc="http://schemas.microsoft.com/office/infopath/2007/PartnerControls">
+  <documentManagement>
+    <Category xmlns="3c3e2dc5-974e-48cc-9a69-9b9ebf9f7ffb">Presentations</Category>
+  </documentManagement>
+</p:properties>
 </file>
 
 <file path=customXml/item2.xml><?xml version="1.0" encoding="utf-8"?>
@@ -19947,17 +24879,26 @@
 </file>
 
 <file path=customXml/item3.xml><?xml version="1.0" encoding="utf-8"?>
-<p:properties xmlns:p="http://schemas.microsoft.com/office/2006/metadata/properties" xmlns:xsi="http://www.w3.org/2001/XMLSchema-instance" xmlns:pc="http://schemas.microsoft.com/office/infopath/2007/PartnerControls">
-  <documentManagement>
-    <Category xmlns="3c3e2dc5-974e-48cc-9a69-9b9ebf9f7ffb">Presentations</Category>
-  </documentManagement>
-</p:properties>
+<?mso-contentType ?>
+<FormTemplates xmlns="http://schemas.microsoft.com/sharepoint/v3/contenttype/forms">
+  <Display>DocumentLibraryForm</Display>
+  <Edit>DocumentLibraryForm</Edit>
+  <New>DocumentLibraryForm</New>
+</FormTemplates>
 </file>
 
 <file path=customXml/itemProps1.xml><?xml version="1.0" encoding="utf-8"?>
-<ds:datastoreItem xmlns:ds="http://schemas.openxmlformats.org/officeDocument/2006/customXml" ds:itemID="{01CFF968-63F1-4E45-A098-CAE7946A7AD0}">
+<ds:datastoreItem xmlns:ds="http://schemas.openxmlformats.org/officeDocument/2006/customXml" ds:itemID="{57546618-A357-4088-8D90-95DCF01C5EBE}">
   <ds:schemaRefs>
-    <ds:schemaRef ds:uri="http://schemas.microsoft.com/sharepoint/v3/contenttype/forms"/>
+    <ds:schemaRef ds:uri="http://schemas.openxmlformats.org/package/2006/metadata/core-properties"/>
+    <ds:schemaRef ds:uri="http://purl.org/dc/dcmitype/"/>
+    <ds:schemaRef ds:uri="http://schemas.microsoft.com/office/infopath/2007/PartnerControls"/>
+    <ds:schemaRef ds:uri="http://www.w3.org/XML/1998/namespace"/>
+    <ds:schemaRef ds:uri="http://schemas.microsoft.com/office/2006/metadata/properties"/>
+    <ds:schemaRef ds:uri="http://purl.org/dc/terms/"/>
+    <ds:schemaRef ds:uri="http://schemas.microsoft.com/office/2006/documentManagement/types"/>
+    <ds:schemaRef ds:uri="3c3e2dc5-974e-48cc-9a69-9b9ebf9f7ffb"/>
+    <ds:schemaRef ds:uri="http://purl.org/dc/elements/1.1/"/>
   </ds:schemaRefs>
 </ds:datastoreItem>
 </file>
@@ -19981,17 +24922,9 @@
 </file>
 
 <file path=customXml/itemProps3.xml><?xml version="1.0" encoding="utf-8"?>
-<ds:datastoreItem xmlns:ds="http://schemas.openxmlformats.org/officeDocument/2006/customXml" ds:itemID="{57546618-A357-4088-8D90-95DCF01C5EBE}">
+<ds:datastoreItem xmlns:ds="http://schemas.openxmlformats.org/officeDocument/2006/customXml" ds:itemID="{01CFF968-63F1-4E45-A098-CAE7946A7AD0}">
   <ds:schemaRefs>
-    <ds:schemaRef ds:uri="3c3e2dc5-974e-48cc-9a69-9b9ebf9f7ffb"/>
-    <ds:schemaRef ds:uri="http://purl.org/dc/terms/"/>
-    <ds:schemaRef ds:uri="http://schemas.openxmlformats.org/package/2006/metadata/core-properties"/>
-    <ds:schemaRef ds:uri="http://schemas.microsoft.com/office/2006/documentManagement/types"/>
-    <ds:schemaRef ds:uri="http://schemas.microsoft.com/office/infopath/2007/PartnerControls"/>
-    <ds:schemaRef ds:uri="http://purl.org/dc/elements/1.1/"/>
-    <ds:schemaRef ds:uri="http://schemas.microsoft.com/office/2006/metadata/properties"/>
-    <ds:schemaRef ds:uri="http://www.w3.org/XML/1998/namespace"/>
-    <ds:schemaRef ds:uri="http://purl.org/dc/dcmitype/"/>
+    <ds:schemaRef ds:uri="http://schemas.microsoft.com/sharepoint/v3/contenttype/forms"/>
   </ds:schemaRefs>
 </ds:datastoreItem>
 </file>
--- a/DVD/EOH MC - Pen Testing - SQL Injection .pptx
+++ b/DVD/EOH MC - Pen Testing - SQL Injection .pptx
@@ -19728,7 +19728,6 @@
               <a:rPr lang="en-ZA" dirty="0"/>
               <a:t> SET Power = 1000 WHERE Id = 1; -- '</a:t>
             </a:r>
-            <a:endParaRPr lang="en-ZA" dirty="0"/>
           </a:p>
           <a:p>
             <a:pPr marL="0" indent="0">
@@ -19911,7 +19910,6 @@
               <a:rPr lang="en-ZA" b="1" dirty="0"/>
               <a:t>=if(Length(database())&gt;5,'id','votes')</a:t>
             </a:r>
-            <a:endParaRPr lang="en-ZA" b="1" dirty="0"/>
           </a:p>
           <a:p>
             <a:r>
@@ -19948,7 +19946,6 @@
               <a:rPr lang="en-ZA" b="1" dirty="0"/>
               <a:t> delay '00:00:01' -- '</a:t>
             </a:r>
-            <a:endParaRPr lang="en-ZA" b="1" dirty="0"/>
           </a:p>
           <a:p>
             <a:pPr lvl="1"/>
@@ -19964,7 +19961,6 @@
               <a:rPr lang="en-ZA" b="1" dirty="0"/>
               <a:t> delay '00:00:01' -- '</a:t>
             </a:r>
-            <a:endParaRPr lang="en-ZA" b="1" dirty="0"/>
           </a:p>
           <a:p>
             <a:endParaRPr lang="en-ZA" dirty="0"/>
@@ -20146,11 +20142,7 @@
             </a:r>
             <a:r>
               <a:rPr lang="en-ZA" dirty="0"/>
-              <a:t>'</a:t>
-            </a:r>
-            <a:r>
-              <a:rPr lang="en-ZA" dirty="0"/>
-              <a:t> -- '</a:t>
+              <a:t>' -- '</a:t>
             </a:r>
             <a:endParaRPr lang="en-ZA" b="1" dirty="0"/>
           </a:p>
@@ -20192,11 +20184,7 @@
             </a:r>
             <a:r>
               <a:rPr lang="en-ZA" dirty="0"/>
-              <a:t>'</a:t>
-            </a:r>
-            <a:r>
-              <a:rPr lang="en-ZA" dirty="0"/>
-              <a:t> -- '</a:t>
+              <a:t>' -- '</a:t>
             </a:r>
             <a:endParaRPr lang="en-ZA" b="1" dirty="0"/>
           </a:p>
@@ -22736,11 +22724,36 @@
           <a:lstStyle/>
           <a:p>
             <a:r>
+              <a:rPr lang="en-ZA" dirty="0"/>
+              <a:t>Download the latest ISO here:</a:t>
+            </a:r>
+          </a:p>
+          <a:p>
+            <a:r>
               <a:rPr lang="en-ZA" dirty="0">
                 <a:hlinkClick r:id="rId2"/>
               </a:rPr>
-              <a:t>http://docs.kali.org/downloading/kali-linux-live-usb-persistence</a:t>
-            </a:r>
+              <a:t>https://www.kali.org/downloads/</a:t>
+            </a:r>
+            <a:endParaRPr lang="en-ZA" dirty="0"/>
+          </a:p>
+          <a:p>
+            <a:pPr marL="0" indent="0">
+              <a:buNone/>
+            </a:pPr>
+            <a:r>
+              <a:rPr lang="en-ZA" dirty="0"/>
+              <a:t>	ALWAYS CHECK THE </a:t>
+            </a:r>
+            <a:r>
+              <a:rPr lang="en-ZA" b="1" dirty="0"/>
+              <a:t>SHA1Sum</a:t>
+            </a:r>
+          </a:p>
+          <a:p>
+            <a:pPr marL="0" indent="0">
+              <a:buNone/>
+            </a:pPr>
             <a:endParaRPr lang="en-ZA" dirty="0"/>
           </a:p>
           <a:p>
@@ -22754,6 +22767,18 @@
               <a:rPr lang="en-ZA" dirty="0"/>
               <a:t>Why make it persistent?</a:t>
             </a:r>
+          </a:p>
+          <a:p>
+            <a:r>
+              <a:rPr lang="en-ZA" dirty="0">
+                <a:hlinkClick r:id="rId3"/>
+              </a:rPr>
+              <a:t>http://docs.kali.org/downloading/kali-linux-live-usb-persistence</a:t>
+            </a:r>
+            <a:endParaRPr lang="en-ZA" dirty="0"/>
+          </a:p>
+          <a:p>
+            <a:endParaRPr lang="en-ZA" dirty="0"/>
           </a:p>
         </p:txBody>
       </p:sp>
@@ -22813,6 +22838,294 @@
   <p:clrMapOvr>
     <a:masterClrMapping/>
   </p:clrMapOvr>
+  <p:timing>
+    <p:tnLst>
+      <p:par>
+        <p:cTn id="1" dur="indefinite" restart="never" nodeType="tmRoot">
+          <p:childTnLst>
+            <p:seq concurrent="1" nextAc="seek">
+              <p:cTn id="2" dur="indefinite" nodeType="mainSeq">
+                <p:childTnLst>
+                  <p:par>
+                    <p:cTn id="3" fill="hold">
+                      <p:stCondLst>
+                        <p:cond delay="indefinite"/>
+                      </p:stCondLst>
+                      <p:childTnLst>
+                        <p:par>
+                          <p:cTn id="4" fill="hold">
+                            <p:stCondLst>
+                              <p:cond delay="0"/>
+                            </p:stCondLst>
+                            <p:childTnLst>
+                              <p:par>
+                                <p:cTn id="5" presetID="1" presetClass="entr" presetSubtype="0" fill="hold" nodeType="clickEffect">
+                                  <p:stCondLst>
+                                    <p:cond delay="0"/>
+                                  </p:stCondLst>
+                                  <p:childTnLst>
+                                    <p:set>
+                                      <p:cBhvr>
+                                        <p:cTn id="6" dur="1" fill="hold">
+                                          <p:stCondLst>
+                                            <p:cond delay="0"/>
+                                          </p:stCondLst>
+                                        </p:cTn>
+                                        <p:tgtEl>
+                                          <p:spTgt spid="13">
+                                            <p:txEl>
+                                              <p:pRg st="0" end="0"/>
+                                            </p:txEl>
+                                          </p:spTgt>
+                                        </p:tgtEl>
+                                        <p:attrNameLst>
+                                          <p:attrName>style.visibility</p:attrName>
+                                        </p:attrNameLst>
+                                      </p:cBhvr>
+                                      <p:to>
+                                        <p:strVal val="visible"/>
+                                      </p:to>
+                                    </p:set>
+                                  </p:childTnLst>
+                                </p:cTn>
+                              </p:par>
+                              <p:par>
+                                <p:cTn id="7" presetID="1" presetClass="entr" presetSubtype="0" fill="hold" nodeType="withEffect">
+                                  <p:stCondLst>
+                                    <p:cond delay="0"/>
+                                  </p:stCondLst>
+                                  <p:childTnLst>
+                                    <p:set>
+                                      <p:cBhvr>
+                                        <p:cTn id="8" dur="1" fill="hold">
+                                          <p:stCondLst>
+                                            <p:cond delay="0"/>
+                                          </p:stCondLst>
+                                        </p:cTn>
+                                        <p:tgtEl>
+                                          <p:spTgt spid="13">
+                                            <p:txEl>
+                                              <p:pRg st="1" end="1"/>
+                                            </p:txEl>
+                                          </p:spTgt>
+                                        </p:tgtEl>
+                                        <p:attrNameLst>
+                                          <p:attrName>style.visibility</p:attrName>
+                                        </p:attrNameLst>
+                                      </p:cBhvr>
+                                      <p:to>
+                                        <p:strVal val="visible"/>
+                                      </p:to>
+                                    </p:set>
+                                  </p:childTnLst>
+                                </p:cTn>
+                              </p:par>
+                            </p:childTnLst>
+                          </p:cTn>
+                        </p:par>
+                      </p:childTnLst>
+                    </p:cTn>
+                  </p:par>
+                  <p:par>
+                    <p:cTn id="9" fill="hold">
+                      <p:stCondLst>
+                        <p:cond delay="indefinite"/>
+                      </p:stCondLst>
+                      <p:childTnLst>
+                        <p:par>
+                          <p:cTn id="10" fill="hold">
+                            <p:stCondLst>
+                              <p:cond delay="0"/>
+                            </p:stCondLst>
+                            <p:childTnLst>
+                              <p:par>
+                                <p:cTn id="11" presetID="1" presetClass="entr" presetSubtype="0" fill="hold" nodeType="clickEffect">
+                                  <p:stCondLst>
+                                    <p:cond delay="0"/>
+                                  </p:stCondLst>
+                                  <p:childTnLst>
+                                    <p:set>
+                                      <p:cBhvr>
+                                        <p:cTn id="12" dur="1" fill="hold">
+                                          <p:stCondLst>
+                                            <p:cond delay="0"/>
+                                          </p:stCondLst>
+                                        </p:cTn>
+                                        <p:tgtEl>
+                                          <p:spTgt spid="13">
+                                            <p:txEl>
+                                              <p:pRg st="2" end="2"/>
+                                            </p:txEl>
+                                          </p:spTgt>
+                                        </p:tgtEl>
+                                        <p:attrNameLst>
+                                          <p:attrName>style.visibility</p:attrName>
+                                        </p:attrNameLst>
+                                      </p:cBhvr>
+                                      <p:to>
+                                        <p:strVal val="visible"/>
+                                      </p:to>
+                                    </p:set>
+                                  </p:childTnLst>
+                                </p:cTn>
+                              </p:par>
+                            </p:childTnLst>
+                          </p:cTn>
+                        </p:par>
+                      </p:childTnLst>
+                    </p:cTn>
+                  </p:par>
+                  <p:par>
+                    <p:cTn id="13" fill="hold">
+                      <p:stCondLst>
+                        <p:cond delay="indefinite"/>
+                      </p:stCondLst>
+                      <p:childTnLst>
+                        <p:par>
+                          <p:cTn id="14" fill="hold">
+                            <p:stCondLst>
+                              <p:cond delay="0"/>
+                            </p:stCondLst>
+                            <p:childTnLst>
+                              <p:par>
+                                <p:cTn id="15" presetID="1" presetClass="entr" presetSubtype="0" fill="hold" nodeType="clickEffect">
+                                  <p:stCondLst>
+                                    <p:cond delay="0"/>
+                                  </p:stCondLst>
+                                  <p:childTnLst>
+                                    <p:set>
+                                      <p:cBhvr>
+                                        <p:cTn id="16" dur="1" fill="hold">
+                                          <p:stCondLst>
+                                            <p:cond delay="0"/>
+                                          </p:stCondLst>
+                                        </p:cTn>
+                                        <p:tgtEl>
+                                          <p:spTgt spid="13">
+                                            <p:txEl>
+                                              <p:pRg st="4" end="4"/>
+                                            </p:txEl>
+                                          </p:spTgt>
+                                        </p:tgtEl>
+                                        <p:attrNameLst>
+                                          <p:attrName>style.visibility</p:attrName>
+                                        </p:attrNameLst>
+                                      </p:cBhvr>
+                                      <p:to>
+                                        <p:strVal val="visible"/>
+                                      </p:to>
+                                    </p:set>
+                                  </p:childTnLst>
+                                </p:cTn>
+                              </p:par>
+                            </p:childTnLst>
+                          </p:cTn>
+                        </p:par>
+                      </p:childTnLst>
+                    </p:cTn>
+                  </p:par>
+                  <p:par>
+                    <p:cTn id="17" fill="hold">
+                      <p:stCondLst>
+                        <p:cond delay="indefinite"/>
+                      </p:stCondLst>
+                      <p:childTnLst>
+                        <p:par>
+                          <p:cTn id="18" fill="hold">
+                            <p:stCondLst>
+                              <p:cond delay="0"/>
+                            </p:stCondLst>
+                            <p:childTnLst>
+                              <p:par>
+                                <p:cTn id="19" presetID="1" presetClass="entr" presetSubtype="0" fill="hold" nodeType="clickEffect">
+                                  <p:stCondLst>
+                                    <p:cond delay="0"/>
+                                  </p:stCondLst>
+                                  <p:childTnLst>
+                                    <p:set>
+                                      <p:cBhvr>
+                                        <p:cTn id="20" dur="1" fill="hold">
+                                          <p:stCondLst>
+                                            <p:cond delay="0"/>
+                                          </p:stCondLst>
+                                        </p:cTn>
+                                        <p:tgtEl>
+                                          <p:spTgt spid="13">
+                                            <p:txEl>
+                                              <p:pRg st="5" end="5"/>
+                                            </p:txEl>
+                                          </p:spTgt>
+                                        </p:tgtEl>
+                                        <p:attrNameLst>
+                                          <p:attrName>style.visibility</p:attrName>
+                                        </p:attrNameLst>
+                                      </p:cBhvr>
+                                      <p:to>
+                                        <p:strVal val="visible"/>
+                                      </p:to>
+                                    </p:set>
+                                  </p:childTnLst>
+                                </p:cTn>
+                              </p:par>
+                              <p:par>
+                                <p:cTn id="21" presetID="1" presetClass="entr" presetSubtype="0" fill="hold" nodeType="withEffect">
+                                  <p:stCondLst>
+                                    <p:cond delay="0"/>
+                                  </p:stCondLst>
+                                  <p:childTnLst>
+                                    <p:set>
+                                      <p:cBhvr>
+                                        <p:cTn id="22" dur="1" fill="hold">
+                                          <p:stCondLst>
+                                            <p:cond delay="0"/>
+                                          </p:stCondLst>
+                                        </p:cTn>
+                                        <p:tgtEl>
+                                          <p:spTgt spid="13">
+                                            <p:txEl>
+                                              <p:pRg st="6" end="6"/>
+                                            </p:txEl>
+                                          </p:spTgt>
+                                        </p:tgtEl>
+                                        <p:attrNameLst>
+                                          <p:attrName>style.visibility</p:attrName>
+                                        </p:attrNameLst>
+                                      </p:cBhvr>
+                                      <p:to>
+                                        <p:strVal val="visible"/>
+                                      </p:to>
+                                    </p:set>
+                                  </p:childTnLst>
+                                </p:cTn>
+                              </p:par>
+                            </p:childTnLst>
+                          </p:cTn>
+                        </p:par>
+                      </p:childTnLst>
+                    </p:cTn>
+                  </p:par>
+                </p:childTnLst>
+              </p:cTn>
+              <p:prevCondLst>
+                <p:cond evt="onPrev" delay="0">
+                  <p:tgtEl>
+                    <p:sldTgt/>
+                  </p:tgtEl>
+                </p:cond>
+              </p:prevCondLst>
+              <p:nextCondLst>
+                <p:cond evt="onNext" delay="0">
+                  <p:tgtEl>
+                    <p:sldTgt/>
+                  </p:tgtEl>
+                </p:cond>
+              </p:nextCondLst>
+            </p:seq>
+          </p:childTnLst>
+        </p:cTn>
+      </p:par>
+    </p:tnLst>
+  </p:timing>
 </p:sld>
 </file>
 
@@ -24743,14 +25056,6 @@
 </file>
 
 <file path=customXml/item1.xml><?xml version="1.0" encoding="utf-8"?>
-<p:properties xmlns:p="http://schemas.microsoft.com/office/2006/metadata/properties" xmlns:xsi="http://www.w3.org/2001/XMLSchema-instance" xmlns:pc="http://schemas.microsoft.com/office/infopath/2007/PartnerControls">
-  <documentManagement>
-    <Category xmlns="3c3e2dc5-974e-48cc-9a69-9b9ebf9f7ffb">Presentations</Category>
-  </documentManagement>
-</p:properties>
-</file>
-
-<file path=customXml/item2.xml><?xml version="1.0" encoding="utf-8"?>
 <ct:contentTypeSchema xmlns:ct="http://schemas.microsoft.com/office/2006/metadata/contentType" xmlns:ma="http://schemas.microsoft.com/office/2006/metadata/properties/metaAttributes" ct:_="" ma:_="" ma:contentTypeName="Document" ma:contentTypeID="0x0101000646423E8582EA4087193E69259D73B9" ma:contentTypeVersion="1" ma:contentTypeDescription="Create a new document." ma:contentTypeScope="" ma:versionID="824b596c196a5f762b01f770c86a860e">
   <xsd:schema xmlns:xsd="http://www.w3.org/2001/XMLSchema" xmlns:xs="http://www.w3.org/2001/XMLSchema" xmlns:p="http://schemas.microsoft.com/office/2006/metadata/properties" xmlns:ns2="3c3e2dc5-974e-48cc-9a69-9b9ebf9f7ffb" targetNamespace="http://schemas.microsoft.com/office/2006/metadata/properties" ma:root="true" ma:fieldsID="0fe88d9489948d68453d8925019bfa4a" ns2:_="">
     <xsd:import namespace="3c3e2dc5-974e-48cc-9a69-9b9ebf9f7ffb"/>
@@ -24878,6 +25183,14 @@
 </ct:contentTypeSchema>
 </file>
 
+<file path=customXml/item2.xml><?xml version="1.0" encoding="utf-8"?>
+<p:properties xmlns:p="http://schemas.microsoft.com/office/2006/metadata/properties" xmlns:xsi="http://www.w3.org/2001/XMLSchema-instance" xmlns:pc="http://schemas.microsoft.com/office/infopath/2007/PartnerControls">
+  <documentManagement>
+    <Category xmlns="3c3e2dc5-974e-48cc-9a69-9b9ebf9f7ffb">Presentations</Category>
+  </documentManagement>
+</p:properties>
+</file>
+
 <file path=customXml/item3.xml><?xml version="1.0" encoding="utf-8"?>
 <?mso-contentType ?>
 <FormTemplates xmlns="http://schemas.microsoft.com/sharepoint/v3/contenttype/forms">
@@ -24888,22 +25201,6 @@
 </file>
 
 <file path=customXml/itemProps1.xml><?xml version="1.0" encoding="utf-8"?>
-<ds:datastoreItem xmlns:ds="http://schemas.openxmlformats.org/officeDocument/2006/customXml" ds:itemID="{57546618-A357-4088-8D90-95DCF01C5EBE}">
-  <ds:schemaRefs>
-    <ds:schemaRef ds:uri="http://schemas.openxmlformats.org/package/2006/metadata/core-properties"/>
-    <ds:schemaRef ds:uri="http://purl.org/dc/dcmitype/"/>
-    <ds:schemaRef ds:uri="http://schemas.microsoft.com/office/infopath/2007/PartnerControls"/>
-    <ds:schemaRef ds:uri="http://www.w3.org/XML/1998/namespace"/>
-    <ds:schemaRef ds:uri="http://schemas.microsoft.com/office/2006/metadata/properties"/>
-    <ds:schemaRef ds:uri="http://purl.org/dc/terms/"/>
-    <ds:schemaRef ds:uri="http://schemas.microsoft.com/office/2006/documentManagement/types"/>
-    <ds:schemaRef ds:uri="3c3e2dc5-974e-48cc-9a69-9b9ebf9f7ffb"/>
-    <ds:schemaRef ds:uri="http://purl.org/dc/elements/1.1/"/>
-  </ds:schemaRefs>
-</ds:datastoreItem>
-</file>
-
-<file path=customXml/itemProps2.xml><?xml version="1.0" encoding="utf-8"?>
 <ds:datastoreItem xmlns:ds="http://schemas.openxmlformats.org/officeDocument/2006/customXml" ds:itemID="{E4C00CFA-8673-4D6E-B697-423BD89869ED}">
   <ds:schemaRefs>
     <ds:schemaRef ds:uri="http://schemas.microsoft.com/office/2006/metadata/contentType"/>
@@ -24921,6 +25218,22 @@
 </ds:datastoreItem>
 </file>
 
+<file path=customXml/itemProps2.xml><?xml version="1.0" encoding="utf-8"?>
+<ds:datastoreItem xmlns:ds="http://schemas.openxmlformats.org/officeDocument/2006/customXml" ds:itemID="{57546618-A357-4088-8D90-95DCF01C5EBE}">
+  <ds:schemaRefs>
+    <ds:schemaRef ds:uri="http://schemas.openxmlformats.org/package/2006/metadata/core-properties"/>
+    <ds:schemaRef ds:uri="http://purl.org/dc/dcmitype/"/>
+    <ds:schemaRef ds:uri="http://schemas.microsoft.com/office/infopath/2007/PartnerControls"/>
+    <ds:schemaRef ds:uri="http://www.w3.org/XML/1998/namespace"/>
+    <ds:schemaRef ds:uri="http://schemas.microsoft.com/office/2006/metadata/properties"/>
+    <ds:schemaRef ds:uri="http://purl.org/dc/terms/"/>
+    <ds:schemaRef ds:uri="http://schemas.microsoft.com/office/2006/documentManagement/types"/>
+    <ds:schemaRef ds:uri="3c3e2dc5-974e-48cc-9a69-9b9ebf9f7ffb"/>
+    <ds:schemaRef ds:uri="http://purl.org/dc/elements/1.1/"/>
+  </ds:schemaRefs>
+</ds:datastoreItem>
+</file>
+
 <file path=customXml/itemProps3.xml><?xml version="1.0" encoding="utf-8"?>
 <ds:datastoreItem xmlns:ds="http://schemas.openxmlformats.org/officeDocument/2006/customXml" ds:itemID="{01CFF968-63F1-4E45-A098-CAE7946A7AD0}">
   <ds:schemaRefs>

--- a/DVD/EOH MC - Pen Testing - SQL Injection .pptx
+++ b/DVD/EOH MC - Pen Testing - SQL Injection .pptx
@@ -206,6 +206,10 @@
 </p:cmAuthorLst>
 </file>
 
+<file path=ppt/revisionInfo.xml><?xml version="1.0" encoding="utf-8"?>
+<p1510:revInfo xmlns:a="http://schemas.openxmlformats.org/drawingml/2006/main" xmlns:r="http://schemas.openxmlformats.org/officeDocument/2006/relationships" xmlns:p1510="http://schemas.microsoft.com/office/powerpoint/2015/10/main"/>
+</file>
+
 <file path=ppt/handoutMasters/handoutMaster1.xml><?xml version="1.0" encoding="utf-8"?>
 <p:handoutMaster xmlns:a="http://schemas.openxmlformats.org/drawingml/2006/main" xmlns:r="http://schemas.openxmlformats.org/officeDocument/2006/relationships" xmlns:p="http://schemas.openxmlformats.org/presentationml/2006/main">
   <p:cSld>
@@ -288,7 +292,7 @@
           <a:p>
             <a:fld id="{3D3C95BB-031D-49C9-BC24-893510484591}" type="datetimeFigureOut">
               <a:rPr lang="en-ZA" smtClean="0"/>
-              <a:t>2016/11/18</a:t>
+              <a:t>2017/07/13</a:t>
             </a:fld>
             <a:endParaRPr lang="en-ZA" dirty="0"/>
           </a:p>
@@ -453,7 +457,7 @@
           <a:p>
             <a:fld id="{4EA3E1D2-D823-4853-8923-C3F4FE53C48F}" type="datetimeFigureOut">
               <a:rPr lang="en-ZA" smtClean="0"/>
-              <a:t>2016/11/18</a:t>
+              <a:t>2017/07/13</a:t>
             </a:fld>
             <a:endParaRPr lang="en-ZA" dirty="0"/>
           </a:p>
@@ -21719,13 +21723,18 @@
               <a:buChar char="•"/>
             </a:pPr>
             <a:r>
-              <a:rPr lang="en-ZA" sz="1600" dirty="0">
+              <a:rPr lang="en-ZA" sz="1600" dirty="0" err="1">
                 <a:solidFill>
                   <a:schemeClr val="tx1"/>
                 </a:solidFill>
               </a:rPr>
-              <a:t>Burp Suite</a:t>
-            </a:r>
+              <a:t>Nmap</a:t>
+            </a:r>
+            <a:endParaRPr lang="en-ZA" sz="1600" dirty="0">
+              <a:solidFill>
+                <a:schemeClr val="tx1"/>
+              </a:solidFill>
+            </a:endParaRPr>
           </a:p>
           <a:p>
             <a:pPr marL="285750" indent="-285750">
@@ -21733,9 +21742,10 @@
               <a:buChar char="•"/>
             </a:pPr>
             <a:r>
-              <a:rPr lang="en-ZA" sz="1600" dirty="0"/>
-              <a:t>Vega</a:t>
-            </a:r>
+              <a:rPr lang="en-ZA" sz="1600" dirty="0" err="1"/>
+              <a:t>Nikto</a:t>
+            </a:r>
+            <a:endParaRPr lang="en-ZA" sz="1600" dirty="0"/>
           </a:p>
           <a:p>
             <a:pPr marL="285750" indent="-285750">
@@ -21784,7 +21794,7 @@
       </p:pic>
       <p:pic>
         <p:nvPicPr>
-          <p:cNvPr id="1028" name="Picture 4" descr="http://hacktub.com/wp-content/uploads/2016/06/burpsuite.png"/>
+          <p:cNvPr id="1030" name="Picture 6" descr="Image result"/>
           <p:cNvPicPr>
             <a:picLocks noChangeAspect="1" noChangeArrowheads="1"/>
           </p:cNvPicPr>
@@ -21805,90 +21815,8 @@
         </p:blipFill>
         <p:spPr bwMode="auto">
           <a:xfrm>
-            <a:off x="5917270" y="1169307"/>
-            <a:ext cx="1567810" cy="1567810"/>
-          </a:xfrm>
-          <a:prstGeom prst="rect">
-            <a:avLst/>
-          </a:prstGeom>
-          <a:noFill/>
-          <a:extLst>
-            <a:ext uri="{909E8E84-426E-40DD-AFC4-6F175D3DCCD1}">
-              <a14:hiddenFill xmlns:a14="http://schemas.microsoft.com/office/drawing/2010/main">
-                <a:solidFill>
-                  <a:srgbClr val="FFFFFF"/>
-                </a:solidFill>
-              </a14:hiddenFill>
-            </a:ext>
-          </a:extLst>
-        </p:spPr>
-      </p:pic>
-      <p:pic>
-        <p:nvPicPr>
-          <p:cNvPr id="1030" name="Picture 6" descr="Image result"/>
-          <p:cNvPicPr>
-            <a:picLocks noChangeAspect="1" noChangeArrowheads="1"/>
-          </p:cNvPicPr>
-          <p:nvPr/>
-        </p:nvPicPr>
-        <p:blipFill>
-          <a:blip r:embed="rId4">
-            <a:extLst>
-              <a:ext uri="{28A0092B-C50C-407E-A947-70E740481C1C}">
-                <a14:useLocalDpi xmlns:a14="http://schemas.microsoft.com/office/drawing/2010/main" val="0"/>
-              </a:ext>
-            </a:extLst>
-          </a:blip>
-          <a:srcRect/>
-          <a:stretch>
-            <a:fillRect/>
-          </a:stretch>
-        </p:blipFill>
-        <p:spPr bwMode="auto">
-          <a:xfrm>
-            <a:off x="6228184" y="3651870"/>
+            <a:off x="5940181" y="1241017"/>
             <a:ext cx="2762250" cy="1076326"/>
-          </a:xfrm>
-          <a:prstGeom prst="rect">
-            <a:avLst/>
-          </a:prstGeom>
-          <a:noFill/>
-          <a:extLst>
-            <a:ext uri="{909E8E84-426E-40DD-AFC4-6F175D3DCCD1}">
-              <a14:hiddenFill xmlns:a14="http://schemas.microsoft.com/office/drawing/2010/main">
-                <a:solidFill>
-                  <a:srgbClr val="FFFFFF"/>
-                </a:solidFill>
-              </a14:hiddenFill>
-            </a:ext>
-          </a:extLst>
-        </p:spPr>
-      </p:pic>
-      <p:pic>
-        <p:nvPicPr>
-          <p:cNvPr id="1032" name="Picture 8" descr="Image result"/>
-          <p:cNvPicPr>
-            <a:picLocks noChangeAspect="1" noChangeArrowheads="1"/>
-          </p:cNvPicPr>
-          <p:nvPr/>
-        </p:nvPicPr>
-        <p:blipFill>
-          <a:blip r:embed="rId5">
-            <a:extLst>
-              <a:ext uri="{28A0092B-C50C-407E-A947-70E740481C1C}">
-                <a14:useLocalDpi xmlns:a14="http://schemas.microsoft.com/office/drawing/2010/main" val="0"/>
-              </a:ext>
-            </a:extLst>
-          </a:blip>
-          <a:srcRect/>
-          <a:stretch>
-            <a:fillRect/>
-          </a:stretch>
-        </p:blipFill>
-        <p:spPr bwMode="auto">
-          <a:xfrm>
-            <a:off x="6612078" y="2756343"/>
-            <a:ext cx="2095500" cy="876300"/>
           </a:xfrm>
           <a:prstGeom prst="rect">
             <a:avLst/>
@@ -25056,6 +24984,14 @@
 </file>
 
 <file path=customXml/item1.xml><?xml version="1.0" encoding="utf-8"?>
+<p:properties xmlns:p="http://schemas.microsoft.com/office/2006/metadata/properties" xmlns:xsi="http://www.w3.org/2001/XMLSchema-instance" xmlns:pc="http://schemas.microsoft.com/office/infopath/2007/PartnerControls">
+  <documentManagement>
+    <Category xmlns="3c3e2dc5-974e-48cc-9a69-9b9ebf9f7ffb">Presentations</Category>
+  </documentManagement>
+</p:properties>
+</file>
+
+<file path=customXml/item2.xml><?xml version="1.0" encoding="utf-8"?>
 <ct:contentTypeSchema xmlns:ct="http://schemas.microsoft.com/office/2006/metadata/contentType" xmlns:ma="http://schemas.microsoft.com/office/2006/metadata/properties/metaAttributes" ct:_="" ma:_="" ma:contentTypeName="Document" ma:contentTypeID="0x0101000646423E8582EA4087193E69259D73B9" ma:contentTypeVersion="1" ma:contentTypeDescription="Create a new document." ma:contentTypeScope="" ma:versionID="824b596c196a5f762b01f770c86a860e">
   <xsd:schema xmlns:xsd="http://www.w3.org/2001/XMLSchema" xmlns:xs="http://www.w3.org/2001/XMLSchema" xmlns:p="http://schemas.microsoft.com/office/2006/metadata/properties" xmlns:ns2="3c3e2dc5-974e-48cc-9a69-9b9ebf9f7ffb" targetNamespace="http://schemas.microsoft.com/office/2006/metadata/properties" ma:root="true" ma:fieldsID="0fe88d9489948d68453d8925019bfa4a" ns2:_="">
     <xsd:import namespace="3c3e2dc5-974e-48cc-9a69-9b9ebf9f7ffb"/>
@@ -25183,14 +25119,6 @@
 </ct:contentTypeSchema>
 </file>
 
-<file path=customXml/item2.xml><?xml version="1.0" encoding="utf-8"?>
-<p:properties xmlns:p="http://schemas.microsoft.com/office/2006/metadata/properties" xmlns:xsi="http://www.w3.org/2001/XMLSchema-instance" xmlns:pc="http://schemas.microsoft.com/office/infopath/2007/PartnerControls">
-  <documentManagement>
-    <Category xmlns="3c3e2dc5-974e-48cc-9a69-9b9ebf9f7ffb">Presentations</Category>
-  </documentManagement>
-</p:properties>
-</file>
-
 <file path=customXml/item3.xml><?xml version="1.0" encoding="utf-8"?>
 <?mso-contentType ?>
 <FormTemplates xmlns="http://schemas.microsoft.com/sharepoint/v3/contenttype/forms">
@@ -25201,6 +25129,22 @@
 </file>
 
 <file path=customXml/itemProps1.xml><?xml version="1.0" encoding="utf-8"?>
+<ds:datastoreItem xmlns:ds="http://schemas.openxmlformats.org/officeDocument/2006/customXml" ds:itemID="{57546618-A357-4088-8D90-95DCF01C5EBE}">
+  <ds:schemaRefs>
+    <ds:schemaRef ds:uri="http://schemas.openxmlformats.org/package/2006/metadata/core-properties"/>
+    <ds:schemaRef ds:uri="http://purl.org/dc/dcmitype/"/>
+    <ds:schemaRef ds:uri="http://schemas.microsoft.com/office/infopath/2007/PartnerControls"/>
+    <ds:schemaRef ds:uri="http://www.w3.org/XML/1998/namespace"/>
+    <ds:schemaRef ds:uri="http://schemas.microsoft.com/office/2006/metadata/properties"/>
+    <ds:schemaRef ds:uri="http://purl.org/dc/terms/"/>
+    <ds:schemaRef ds:uri="http://schemas.microsoft.com/office/2006/documentManagement/types"/>
+    <ds:schemaRef ds:uri="3c3e2dc5-974e-48cc-9a69-9b9ebf9f7ffb"/>
+    <ds:schemaRef ds:uri="http://purl.org/dc/elements/1.1/"/>
+  </ds:schemaRefs>
+</ds:datastoreItem>
+</file>
+
+<file path=customXml/itemProps2.xml><?xml version="1.0" encoding="utf-8"?>
 <ds:datastoreItem xmlns:ds="http://schemas.openxmlformats.org/officeDocument/2006/customXml" ds:itemID="{E4C00CFA-8673-4D6E-B697-423BD89869ED}">
   <ds:schemaRefs>
     <ds:schemaRef ds:uri="http://schemas.microsoft.com/office/2006/metadata/contentType"/>
@@ -25218,22 +25162,6 @@
 </ds:datastoreItem>
 </file>
 
-<file path=customXml/itemProps2.xml><?xml version="1.0" encoding="utf-8"?>
-<ds:datastoreItem xmlns:ds="http://schemas.openxmlformats.org/officeDocument/2006/customXml" ds:itemID="{57546618-A357-4088-8D90-95DCF01C5EBE}">
-  <ds:schemaRefs>
-    <ds:schemaRef ds:uri="http://schemas.openxmlformats.org/package/2006/metadata/core-properties"/>
-    <ds:schemaRef ds:uri="http://purl.org/dc/dcmitype/"/>
-    <ds:schemaRef ds:uri="http://schemas.microsoft.com/office/infopath/2007/PartnerControls"/>
-    <ds:schemaRef ds:uri="http://www.w3.org/XML/1998/namespace"/>
-    <ds:schemaRef ds:uri="http://schemas.microsoft.com/office/2006/metadata/properties"/>
-    <ds:schemaRef ds:uri="http://purl.org/dc/terms/"/>
-    <ds:schemaRef ds:uri="http://schemas.microsoft.com/office/2006/documentManagement/types"/>
-    <ds:schemaRef ds:uri="3c3e2dc5-974e-48cc-9a69-9b9ebf9f7ffb"/>
-    <ds:schemaRef ds:uri="http://purl.org/dc/elements/1.1/"/>
-  </ds:schemaRefs>
-</ds:datastoreItem>
-</file>
-
 <file path=customXml/itemProps3.xml><?xml version="1.0" encoding="utf-8"?>
 <ds:datastoreItem xmlns:ds="http://schemas.openxmlformats.org/officeDocument/2006/customXml" ds:itemID="{01CFF968-63F1-4E45-A098-CAE7946A7AD0}">
   <ds:schemaRefs>
